--- a/FiveEasyPieces5.pptx
+++ b/FiveEasyPieces5.pptx
@@ -5,10 +5,10 @@
     <p:sldMasterId id="2147483648" r:id="rId1"/>
   </p:sldMasterIdLst>
   <p:notesMasterIdLst>
-    <p:notesMasterId r:id="rId15"/>
+    <p:notesMasterId r:id="rId10"/>
   </p:notesMasterIdLst>
   <p:handoutMasterIdLst>
-    <p:handoutMasterId r:id="rId16"/>
+    <p:handoutMasterId r:id="rId11"/>
   </p:handoutMasterIdLst>
   <p:sldIdLst>
     <p:sldId id="256" r:id="rId2"/>
@@ -17,13 +17,8 @@
     <p:sldId id="404" r:id="rId5"/>
     <p:sldId id="400" r:id="rId6"/>
     <p:sldId id="401" r:id="rId7"/>
-    <p:sldId id="368" r:id="rId8"/>
-    <p:sldId id="405" r:id="rId9"/>
-    <p:sldId id="406" r:id="rId10"/>
-    <p:sldId id="407" r:id="rId11"/>
-    <p:sldId id="408" r:id="rId12"/>
-    <p:sldId id="384" r:id="rId13"/>
-    <p:sldId id="385" r:id="rId14"/>
+    <p:sldId id="409" r:id="rId8"/>
+    <p:sldId id="368" r:id="rId9"/>
   </p:sldIdLst>
   <p:sldSz cx="9144000" cy="6858000" type="screen4x3"/>
   <p:notesSz cx="6954838" cy="9240838"/>
@@ -1067,101 +1062,6 @@
 </p:notes>
 </file>
 
-<file path=ppt/notesSlides/notesSlide10.xml><?xml version="1.0" encoding="utf-8"?>
-<p:notes xmlns:a="http://schemas.openxmlformats.org/drawingml/2006/main" xmlns:r="http://schemas.openxmlformats.org/officeDocument/2006/relationships" xmlns:p="http://schemas.openxmlformats.org/presentationml/2006/main">
-  <p:cSld>
-    <p:spTree>
-      <p:nvGrpSpPr>
-        <p:cNvPr id="1" name=""/>
-        <p:cNvGrpSpPr/>
-        <p:nvPr/>
-      </p:nvGrpSpPr>
-      <p:grpSpPr>
-        <a:xfrm>
-          <a:off x="0" y="0"/>
-          <a:ext cx="0" cy="0"/>
-          <a:chOff x="0" y="0"/>
-          <a:chExt cx="0" cy="0"/>
-        </a:xfrm>
-      </p:grpSpPr>
-      <p:sp>
-        <p:nvSpPr>
-          <p:cNvPr id="2" name="Slide Image Placeholder 1"/>
-          <p:cNvSpPr>
-            <a:spLocks noGrp="1" noRot="1" noChangeAspect="1"/>
-          </p:cNvSpPr>
-          <p:nvPr>
-            <p:ph type="sldImg"/>
-          </p:nvPr>
-        </p:nvSpPr>
-        <p:spPr>
-          <a:xfrm>
-            <a:off x="1168400" y="693738"/>
-            <a:ext cx="4619625" cy="3465512"/>
-          </a:xfrm>
-        </p:spPr>
-      </p:sp>
-      <p:sp>
-        <p:nvSpPr>
-          <p:cNvPr id="3" name="Notes Placeholder 2"/>
-          <p:cNvSpPr>
-            <a:spLocks noGrp="1"/>
-          </p:cNvSpPr>
-          <p:nvPr>
-            <p:ph type="body" idx="1"/>
-          </p:nvPr>
-        </p:nvSpPr>
-        <p:spPr/>
-        <p:txBody>
-          <a:bodyPr/>
-          <a:lstStyle/>
-          <a:p>
-            <a:endParaRPr lang="en-US" dirty="0"/>
-          </a:p>
-        </p:txBody>
-      </p:sp>
-      <p:sp>
-        <p:nvSpPr>
-          <p:cNvPr id="4" name="Slide Number Placeholder 3"/>
-          <p:cNvSpPr>
-            <a:spLocks noGrp="1"/>
-          </p:cNvSpPr>
-          <p:nvPr>
-            <p:ph type="sldNum" sz="quarter" idx="10"/>
-          </p:nvPr>
-        </p:nvSpPr>
-        <p:spPr/>
-        <p:txBody>
-          <a:bodyPr/>
-          <a:lstStyle/>
-          <a:p>
-            <a:pPr>
-              <a:defRPr/>
-            </a:pPr>
-            <a:fld id="{4A13476B-BE88-43CF-8796-9E97146DFDA0}" type="slidenum">
-              <a:rPr lang="en-US" smtClean="0"/>
-              <a:pPr>
-                <a:defRPr/>
-              </a:pPr>
-              <a:t>11</a:t>
-            </a:fld>
-            <a:endParaRPr lang="en-US"/>
-          </a:p>
-        </p:txBody>
-      </p:sp>
-    </p:spTree>
-    <p:extLst>
-      <p:ext uri="{BB962C8B-B14F-4D97-AF65-F5344CB8AC3E}">
-        <p14:creationId xmlns:p14="http://schemas.microsoft.com/office/powerpoint/2010/main" val="3389556460"/>
-      </p:ext>
-    </p:extLst>
-  </p:cSld>
-  <p:clrMapOvr>
-    <a:masterClrMapping/>
-  </p:clrMapOvr>
-</p:notes>
-</file>
-
 <file path=ppt/notesSlides/notesSlide2.xml><?xml version="1.0" encoding="utf-8"?>
 <p:notes xmlns:a="http://schemas.openxmlformats.org/drawingml/2006/main" xmlns:r="http://schemas.openxmlformats.org/officeDocument/2006/relationships" xmlns:p="http://schemas.openxmlformats.org/presentationml/2006/main">
   <p:cSld>
@@ -1714,196 +1614,6 @@
                 <a:defRPr/>
               </a:pPr>
               <a:t>8</a:t>
-            </a:fld>
-            <a:endParaRPr lang="en-US"/>
-          </a:p>
-        </p:txBody>
-      </p:sp>
-    </p:spTree>
-    <p:extLst>
-      <p:ext uri="{BB962C8B-B14F-4D97-AF65-F5344CB8AC3E}">
-        <p14:creationId xmlns:p14="http://schemas.microsoft.com/office/powerpoint/2010/main" val="3389556460"/>
-      </p:ext>
-    </p:extLst>
-  </p:cSld>
-  <p:clrMapOvr>
-    <a:masterClrMapping/>
-  </p:clrMapOvr>
-</p:notes>
-</file>
-
-<file path=ppt/notesSlides/notesSlide8.xml><?xml version="1.0" encoding="utf-8"?>
-<p:notes xmlns:a="http://schemas.openxmlformats.org/drawingml/2006/main" xmlns:r="http://schemas.openxmlformats.org/officeDocument/2006/relationships" xmlns:p="http://schemas.openxmlformats.org/presentationml/2006/main">
-  <p:cSld>
-    <p:spTree>
-      <p:nvGrpSpPr>
-        <p:cNvPr id="1" name=""/>
-        <p:cNvGrpSpPr/>
-        <p:nvPr/>
-      </p:nvGrpSpPr>
-      <p:grpSpPr>
-        <a:xfrm>
-          <a:off x="0" y="0"/>
-          <a:ext cx="0" cy="0"/>
-          <a:chOff x="0" y="0"/>
-          <a:chExt cx="0" cy="0"/>
-        </a:xfrm>
-      </p:grpSpPr>
-      <p:sp>
-        <p:nvSpPr>
-          <p:cNvPr id="2" name="Slide Image Placeholder 1"/>
-          <p:cNvSpPr>
-            <a:spLocks noGrp="1" noRot="1" noChangeAspect="1"/>
-          </p:cNvSpPr>
-          <p:nvPr>
-            <p:ph type="sldImg"/>
-          </p:nvPr>
-        </p:nvSpPr>
-        <p:spPr>
-          <a:xfrm>
-            <a:off x="1168400" y="693738"/>
-            <a:ext cx="4619625" cy="3465512"/>
-          </a:xfrm>
-        </p:spPr>
-      </p:sp>
-      <p:sp>
-        <p:nvSpPr>
-          <p:cNvPr id="3" name="Notes Placeholder 2"/>
-          <p:cNvSpPr>
-            <a:spLocks noGrp="1"/>
-          </p:cNvSpPr>
-          <p:nvPr>
-            <p:ph type="body" idx="1"/>
-          </p:nvPr>
-        </p:nvSpPr>
-        <p:spPr/>
-        <p:txBody>
-          <a:bodyPr/>
-          <a:lstStyle/>
-          <a:p>
-            <a:endParaRPr lang="en-US" dirty="0"/>
-          </a:p>
-        </p:txBody>
-      </p:sp>
-      <p:sp>
-        <p:nvSpPr>
-          <p:cNvPr id="4" name="Slide Number Placeholder 3"/>
-          <p:cNvSpPr>
-            <a:spLocks noGrp="1"/>
-          </p:cNvSpPr>
-          <p:nvPr>
-            <p:ph type="sldNum" sz="quarter" idx="10"/>
-          </p:nvPr>
-        </p:nvSpPr>
-        <p:spPr/>
-        <p:txBody>
-          <a:bodyPr/>
-          <a:lstStyle/>
-          <a:p>
-            <a:pPr>
-              <a:defRPr/>
-            </a:pPr>
-            <a:fld id="{4A13476B-BE88-43CF-8796-9E97146DFDA0}" type="slidenum">
-              <a:rPr lang="en-US" smtClean="0"/>
-              <a:pPr>
-                <a:defRPr/>
-              </a:pPr>
-              <a:t>9</a:t>
-            </a:fld>
-            <a:endParaRPr lang="en-US"/>
-          </a:p>
-        </p:txBody>
-      </p:sp>
-    </p:spTree>
-    <p:extLst>
-      <p:ext uri="{BB962C8B-B14F-4D97-AF65-F5344CB8AC3E}">
-        <p14:creationId xmlns:p14="http://schemas.microsoft.com/office/powerpoint/2010/main" val="3389556460"/>
-      </p:ext>
-    </p:extLst>
-  </p:cSld>
-  <p:clrMapOvr>
-    <a:masterClrMapping/>
-  </p:clrMapOvr>
-</p:notes>
-</file>
-
-<file path=ppt/notesSlides/notesSlide9.xml><?xml version="1.0" encoding="utf-8"?>
-<p:notes xmlns:a="http://schemas.openxmlformats.org/drawingml/2006/main" xmlns:r="http://schemas.openxmlformats.org/officeDocument/2006/relationships" xmlns:p="http://schemas.openxmlformats.org/presentationml/2006/main">
-  <p:cSld>
-    <p:spTree>
-      <p:nvGrpSpPr>
-        <p:cNvPr id="1" name=""/>
-        <p:cNvGrpSpPr/>
-        <p:nvPr/>
-      </p:nvGrpSpPr>
-      <p:grpSpPr>
-        <a:xfrm>
-          <a:off x="0" y="0"/>
-          <a:ext cx="0" cy="0"/>
-          <a:chOff x="0" y="0"/>
-          <a:chExt cx="0" cy="0"/>
-        </a:xfrm>
-      </p:grpSpPr>
-      <p:sp>
-        <p:nvSpPr>
-          <p:cNvPr id="2" name="Slide Image Placeholder 1"/>
-          <p:cNvSpPr>
-            <a:spLocks noGrp="1" noRot="1" noChangeAspect="1"/>
-          </p:cNvSpPr>
-          <p:nvPr>
-            <p:ph type="sldImg"/>
-          </p:nvPr>
-        </p:nvSpPr>
-        <p:spPr>
-          <a:xfrm>
-            <a:off x="1168400" y="693738"/>
-            <a:ext cx="4619625" cy="3465512"/>
-          </a:xfrm>
-        </p:spPr>
-      </p:sp>
-      <p:sp>
-        <p:nvSpPr>
-          <p:cNvPr id="3" name="Notes Placeholder 2"/>
-          <p:cNvSpPr>
-            <a:spLocks noGrp="1"/>
-          </p:cNvSpPr>
-          <p:nvPr>
-            <p:ph type="body" idx="1"/>
-          </p:nvPr>
-        </p:nvSpPr>
-        <p:spPr/>
-        <p:txBody>
-          <a:bodyPr/>
-          <a:lstStyle/>
-          <a:p>
-            <a:endParaRPr lang="en-US" dirty="0"/>
-          </a:p>
-        </p:txBody>
-      </p:sp>
-      <p:sp>
-        <p:nvSpPr>
-          <p:cNvPr id="4" name="Slide Number Placeholder 3"/>
-          <p:cNvSpPr>
-            <a:spLocks noGrp="1"/>
-          </p:cNvSpPr>
-          <p:nvPr>
-            <p:ph type="sldNum" sz="quarter" idx="10"/>
-          </p:nvPr>
-        </p:nvSpPr>
-        <p:spPr/>
-        <p:txBody>
-          <a:bodyPr/>
-          <a:lstStyle/>
-          <a:p>
-            <a:pPr>
-              <a:defRPr/>
-            </a:pPr>
-            <a:fld id="{4A13476B-BE88-43CF-8796-9E97146DFDA0}" type="slidenum">
-              <a:rPr lang="en-US" smtClean="0"/>
-              <a:pPr>
-                <a:defRPr/>
-              </a:pPr>
-              <a:t>10</a:t>
             </a:fld>
             <a:endParaRPr lang="en-US"/>
           </a:p>
@@ -5535,7 +5245,7 @@
             </a:r>
             <a:r>
               <a:rPr lang="en-US" sz="5400" dirty="0" smtClean="0"/>
-              <a:t>#4</a:t>
+              <a:t>#5</a:t>
             </a:r>
             <a:r>
               <a:rPr lang="en-US" sz="5400" dirty="0" smtClean="0"/>
@@ -5546,11 +5256,7 @@
             </a:br>
             <a:r>
               <a:rPr lang="en-US" sz="5400" dirty="0" smtClean="0"/>
-              <a:t>Largest </a:t>
-            </a:r>
-            <a:r>
-              <a:rPr lang="en-US" sz="5400" dirty="0" smtClean="0"/>
-              <a:t>Palindrome Product</a:t>
+              <a:t>Smallest Multiple</a:t>
             </a:r>
             <a:endParaRPr lang="en-US" sz="5400" dirty="0" smtClean="0"/>
           </a:p>
@@ -5625,7 +5331,7 @@
 </p:sld>
 </file>
 
-<file path=ppt/slides/slide10.xml><?xml version="1.0" encoding="utf-8"?>
+<file path=ppt/slides/slide2.xml><?xml version="1.0" encoding="utf-8"?>
 <p:sld xmlns:a="http://schemas.openxmlformats.org/drawingml/2006/main" xmlns:r="http://schemas.openxmlformats.org/officeDocument/2006/relationships" xmlns:p="http://schemas.openxmlformats.org/presentationml/2006/main">
   <p:cSld>
     <p:spTree>
@@ -5644,7 +5350,7 @@
       </p:grpSpPr>
       <p:sp>
         <p:nvSpPr>
-          <p:cNvPr id="6146" name="Title 1"/>
+          <p:cNvPr id="5122" name="Title 1"/>
           <p:cNvSpPr>
             <a:spLocks noGrp="1"/>
           </p:cNvSpPr>
@@ -5659,7 +5365,11 @@
           <a:p>
             <a:r>
               <a:rPr lang="en-US" dirty="0" smtClean="0"/>
-              <a:t>Reduce Search Space Further</a:t>
+              <a:t>The </a:t>
+            </a:r>
+            <a:r>
+              <a:rPr lang="en-US" dirty="0" smtClean="0"/>
+              <a:t>Fifth Piece</a:t>
             </a:r>
             <a:endParaRPr lang="en-US" dirty="0" smtClean="0"/>
           </a:p>
@@ -5667,7 +5377,7 @@
       </p:sp>
       <p:sp>
         <p:nvSpPr>
-          <p:cNvPr id="6147" name="Content Placeholder 2"/>
+          <p:cNvPr id="5123" name="Content Placeholder 2"/>
           <p:cNvSpPr>
             <a:spLocks noGrp="1"/>
           </p:cNvSpPr>
@@ -5675,12 +5385,7 @@
             <p:ph idx="1"/>
           </p:nvPr>
         </p:nvSpPr>
-        <p:spPr>
-          <a:xfrm>
-            <a:off x="0" y="1219200"/>
-            <a:ext cx="9144000" cy="4929188"/>
-          </a:xfrm>
-        </p:spPr>
+        <p:spPr/>
         <p:txBody>
           <a:bodyPr/>
           <a:lstStyle/>
@@ -5689,46 +5394,17 @@
               <a:buNone/>
             </a:pPr>
             <a:r>
-              <a:rPr lang="en-US" sz="2000" dirty="0"/>
-              <a:t>private static </a:t>
-            </a:r>
-            <a:r>
-              <a:rPr lang="en-US" sz="2000" dirty="0" err="1"/>
-              <a:t>int</a:t>
-            </a:r>
-            <a:r>
-              <a:rPr lang="en-US" sz="2000" dirty="0"/>
-              <a:t> imperativeNumber2</a:t>
-            </a:r>
-            <a:r>
-              <a:rPr lang="en-US" sz="2000" dirty="0" smtClean="0"/>
-              <a:t>() {</a:t>
-            </a:r>
-            <a:endParaRPr lang="en-US" sz="2000" dirty="0"/>
+              <a:rPr lang="en-US" b="1" dirty="0"/>
+              <a:t>Smallest multiple</a:t>
+            </a:r>
           </a:p>
           <a:p>
             <a:pPr marL="0" indent="0">
               <a:buNone/>
             </a:pPr>
             <a:r>
-              <a:rPr lang="en-US" sz="2000" dirty="0" smtClean="0"/>
-              <a:t>    </a:t>
-            </a:r>
-            <a:r>
-              <a:rPr lang="en-US" sz="2000" dirty="0" err="1"/>
-              <a:t>var</a:t>
-            </a:r>
-            <a:r>
-              <a:rPr lang="en-US" sz="2000" dirty="0"/>
-              <a:t> maximum = </a:t>
-            </a:r>
-            <a:r>
-              <a:rPr lang="en-US" sz="2000" dirty="0" err="1"/>
-              <a:t>int.MinValue</a:t>
-            </a:r>
-            <a:r>
-              <a:rPr lang="en-US" sz="2000" dirty="0"/>
-              <a:t>;</a:t>
+              <a:rPr lang="en-US" b="1" dirty="0"/>
+              <a:t>Problem 5</a:t>
             </a:r>
           </a:p>
           <a:p>
@@ -5736,12 +5412,8 @@
               <a:buNone/>
             </a:pPr>
             <a:r>
-              <a:rPr lang="nn-NO" sz="2000" dirty="0" smtClean="0"/>
-              <a:t>    </a:t>
-            </a:r>
-            <a:r>
-              <a:rPr lang="nn-NO" sz="2000" dirty="0"/>
-              <a:t>for (var i = 999; i != 99; --i)</a:t>
+              <a:rPr lang="en-US" dirty="0"/>
+              <a:t>2520 is the smallest number that can be divided by each of the numbers from 1 to 10 without any remainder.</a:t>
             </a:r>
           </a:p>
           <a:p>
@@ -5749,161 +5421,16 @@
               <a:buNone/>
             </a:pPr>
             <a:r>
-              <a:rPr lang="en-US" sz="2000" dirty="0" smtClean="0"/>
-              <a:t>        </a:t>
-            </a:r>
-            <a:r>
-              <a:rPr lang="en-US" sz="2000" dirty="0"/>
-              <a:t>for (</a:t>
-            </a:r>
-            <a:r>
-              <a:rPr lang="en-US" sz="2000" dirty="0" err="1"/>
-              <a:t>var</a:t>
-            </a:r>
-            <a:r>
-              <a:rPr lang="en-US" sz="2000" dirty="0"/>
-              <a:t> j = 999; j != </a:t>
-            </a:r>
-            <a:r>
-              <a:rPr lang="en-US" sz="2000" dirty="0" err="1"/>
-              <a:t>i</a:t>
-            </a:r>
-            <a:r>
-              <a:rPr lang="en-US" sz="2000" dirty="0"/>
-              <a:t>; --j</a:t>
-            </a:r>
-            <a:r>
-              <a:rPr lang="en-US" sz="2000" dirty="0" smtClean="0"/>
-              <a:t>) {</a:t>
-            </a:r>
-            <a:endParaRPr lang="en-US" sz="2000" dirty="0"/>
-          </a:p>
-          <a:p>
-            <a:pPr marL="0" indent="0">
-              <a:buNone/>
-            </a:pPr>
-            <a:r>
-              <a:rPr lang="en-US" sz="2000" dirty="0" smtClean="0"/>
-              <a:t>            </a:t>
-            </a:r>
-            <a:r>
-              <a:rPr lang="en-US" sz="2000" dirty="0" err="1"/>
-              <a:t>var</a:t>
-            </a:r>
-            <a:r>
-              <a:rPr lang="en-US" sz="2000" dirty="0"/>
-              <a:t> product = </a:t>
-            </a:r>
-            <a:r>
-              <a:rPr lang="en-US" sz="2000" dirty="0" err="1"/>
-              <a:t>i</a:t>
-            </a:r>
-            <a:r>
-              <a:rPr lang="en-US" sz="2000" dirty="0"/>
-              <a:t> * j;</a:t>
-            </a:r>
-          </a:p>
-          <a:p>
-            <a:pPr marL="0" indent="0">
-              <a:buNone/>
-            </a:pPr>
-            <a:r>
-              <a:rPr lang="en-US" sz="2000" dirty="0" smtClean="0"/>
-              <a:t>            </a:t>
-            </a:r>
-            <a:r>
-              <a:rPr lang="en-US" sz="2000" dirty="0"/>
-              <a:t>if (product &lt;= maximum)</a:t>
-            </a:r>
-          </a:p>
-          <a:p>
-            <a:pPr marL="0" indent="0">
-              <a:buNone/>
-            </a:pPr>
-            <a:r>
-              <a:rPr lang="en-US" sz="2000" dirty="0" smtClean="0"/>
-              <a:t>                </a:t>
-            </a:r>
-            <a:r>
-              <a:rPr lang="en-US" sz="2000" dirty="0"/>
-              <a:t>break;</a:t>
-            </a:r>
-          </a:p>
-          <a:p>
-            <a:pPr marL="0" indent="0">
-              <a:buNone/>
-            </a:pPr>
-            <a:r>
-              <a:rPr lang="en-US" sz="2000" dirty="0" smtClean="0"/>
-              <a:t>            </a:t>
-            </a:r>
-            <a:r>
-              <a:rPr lang="en-US" sz="2000" dirty="0"/>
-              <a:t>if (</a:t>
-            </a:r>
-            <a:r>
-              <a:rPr lang="en-US" sz="2000" dirty="0" err="1"/>
-              <a:t>isPalindrome</a:t>
-            </a:r>
-            <a:r>
-              <a:rPr lang="en-US" sz="2000" dirty="0"/>
-              <a:t>(product))</a:t>
-            </a:r>
-          </a:p>
-          <a:p>
-            <a:pPr marL="0" indent="0">
-              <a:buNone/>
-            </a:pPr>
-            <a:r>
-              <a:rPr lang="en-US" sz="2000" dirty="0" smtClean="0"/>
-              <a:t>                </a:t>
-            </a:r>
-            <a:r>
-              <a:rPr lang="en-US" sz="2000" dirty="0"/>
-              <a:t>maximum = product;</a:t>
-            </a:r>
-          </a:p>
-          <a:p>
-            <a:pPr marL="0" indent="0">
-              <a:buNone/>
-            </a:pPr>
-            <a:r>
-              <a:rPr lang="en-US" sz="2000" dirty="0" smtClean="0"/>
-              <a:t>        </a:t>
-            </a:r>
-            <a:r>
-              <a:rPr lang="en-US" sz="2000" dirty="0"/>
-              <a:t>}</a:t>
-            </a:r>
-          </a:p>
-          <a:p>
-            <a:pPr marL="0" indent="0">
-              <a:buNone/>
-            </a:pPr>
-            <a:r>
-              <a:rPr lang="en-US" sz="2000" dirty="0" smtClean="0"/>
-              <a:t>    </a:t>
-            </a:r>
-            <a:r>
-              <a:rPr lang="en-US" sz="2000" dirty="0"/>
-              <a:t>return maximum;</a:t>
-            </a:r>
-          </a:p>
-          <a:p>
-            <a:pPr marL="0" indent="0">
-              <a:buNone/>
-            </a:pPr>
-            <a:r>
-              <a:rPr lang="en-US" sz="2000" dirty="0" smtClean="0"/>
-              <a:t>}</a:t>
-            </a:r>
-            <a:endParaRPr lang="en-US" sz="2000" dirty="0"/>
-          </a:p>
-        </p:txBody>
-      </p:sp>
-      <p:sp>
-        <p:nvSpPr>
-          <p:cNvPr id="6148" name="Footer Placeholder 3"/>
+              <a:rPr lang="en-US" dirty="0"/>
+              <a:t>What is the smallest positive number that is evenly divisible by all of the numbers from 1 to 20?</a:t>
+            </a:r>
+            <a:endParaRPr lang="en-US" dirty="0"/>
+          </a:p>
+        </p:txBody>
+      </p:sp>
+      <p:sp>
+        <p:nvSpPr>
+          <p:cNvPr id="5124" name="Footer Placeholder 3"/>
           <p:cNvSpPr>
             <a:spLocks noGrp="1"/>
           </p:cNvSpPr>
@@ -6047,9 +5574,487 @@
         </p:txBody>
       </p:sp>
     </p:spTree>
+  </p:cSld>
+  <p:clrMapOvr>
+    <a:masterClrMapping/>
+  </p:clrMapOvr>
+  <p:timing>
+    <p:tnLst>
+      <p:par>
+        <p:cTn id="1" dur="indefinite" restart="never" nodeType="tmRoot"/>
+      </p:par>
+    </p:tnLst>
+  </p:timing>
+</p:sld>
+</file>
+
+<file path=ppt/slides/slide3.xml><?xml version="1.0" encoding="utf-8"?>
+<p:sld xmlns:a="http://schemas.openxmlformats.org/drawingml/2006/main" xmlns:r="http://schemas.openxmlformats.org/officeDocument/2006/relationships" xmlns:p="http://schemas.openxmlformats.org/presentationml/2006/main">
+  <p:cSld>
+    <p:spTree>
+      <p:nvGrpSpPr>
+        <p:cNvPr id="1" name=""/>
+        <p:cNvGrpSpPr/>
+        <p:nvPr/>
+      </p:nvGrpSpPr>
+      <p:grpSpPr>
+        <a:xfrm>
+          <a:off x="0" y="0"/>
+          <a:ext cx="0" cy="0"/>
+          <a:chOff x="0" y="0"/>
+          <a:chExt cx="0" cy="0"/>
+        </a:xfrm>
+      </p:grpSpPr>
+      <p:sp>
+        <p:nvSpPr>
+          <p:cNvPr id="6146" name="Title 1"/>
+          <p:cNvSpPr>
+            <a:spLocks noGrp="1"/>
+          </p:cNvSpPr>
+          <p:nvPr>
+            <p:ph type="title"/>
+          </p:nvPr>
+        </p:nvSpPr>
+        <p:spPr/>
+        <p:txBody>
+          <a:bodyPr/>
+          <a:lstStyle/>
+          <a:p>
+            <a:r>
+              <a:rPr lang="en-US" dirty="0" smtClean="0"/>
+              <a:t>The Brute Force Approach</a:t>
+            </a:r>
+            <a:endParaRPr lang="en-US" dirty="0" smtClean="0"/>
+          </a:p>
+        </p:txBody>
+      </p:sp>
+      <p:sp>
+        <p:nvSpPr>
+          <p:cNvPr id="6147" name="Content Placeholder 2"/>
+          <p:cNvSpPr>
+            <a:spLocks noGrp="1"/>
+          </p:cNvSpPr>
+          <p:nvPr>
+            <p:ph idx="1"/>
+          </p:nvPr>
+        </p:nvSpPr>
+        <p:spPr>
+          <a:xfrm>
+            <a:off x="0" y="1219200"/>
+            <a:ext cx="9144000" cy="4929188"/>
+          </a:xfrm>
+        </p:spPr>
+        <p:txBody>
+          <a:bodyPr/>
+          <a:lstStyle/>
+          <a:p>
+            <a:pPr marL="0" indent="0">
+              <a:lnSpc>
+                <a:spcPct val="100000"/>
+              </a:lnSpc>
+              <a:spcBef>
+                <a:spcPts val="0"/>
+              </a:spcBef>
+              <a:buNone/>
+            </a:pPr>
+            <a:r>
+              <a:rPr lang="en-US" sz="3600" dirty="0"/>
+              <a:t>private static </a:t>
+            </a:r>
+            <a:r>
+              <a:rPr lang="en-US" sz="3600" dirty="0" err="1"/>
+              <a:t>int</a:t>
+            </a:r>
+            <a:r>
+              <a:rPr lang="en-US" sz="3600" dirty="0"/>
+              <a:t> brute</a:t>
+            </a:r>
+            <a:r>
+              <a:rPr lang="en-US" sz="3600" dirty="0" smtClean="0"/>
+              <a:t>() {</a:t>
+            </a:r>
+            <a:endParaRPr lang="en-US" sz="3600" dirty="0"/>
+          </a:p>
+          <a:p>
+            <a:pPr marL="0" indent="0">
+              <a:lnSpc>
+                <a:spcPct val="100000"/>
+              </a:lnSpc>
+              <a:spcBef>
+                <a:spcPts val="0"/>
+              </a:spcBef>
+              <a:buNone/>
+            </a:pPr>
+            <a:r>
+              <a:rPr lang="en-US" sz="3600" dirty="0" smtClean="0"/>
+              <a:t>    </a:t>
+            </a:r>
+            <a:r>
+              <a:rPr lang="en-US" sz="3600" dirty="0"/>
+              <a:t>for(</a:t>
+            </a:r>
+            <a:r>
+              <a:rPr lang="en-US" sz="3600" dirty="0" err="1"/>
+              <a:t>var</a:t>
+            </a:r>
+            <a:r>
+              <a:rPr lang="en-US" sz="3600" dirty="0"/>
+              <a:t> </a:t>
+            </a:r>
+            <a:r>
+              <a:rPr lang="en-US" sz="3600" dirty="0" err="1"/>
+              <a:t>i</a:t>
+            </a:r>
+            <a:r>
+              <a:rPr lang="en-US" sz="3600" dirty="0"/>
+              <a:t> = 1; true; ++</a:t>
+            </a:r>
+            <a:r>
+              <a:rPr lang="en-US" sz="3600" dirty="0" err="1"/>
+              <a:t>i</a:t>
+            </a:r>
+            <a:r>
+              <a:rPr lang="en-US" sz="3600" dirty="0" smtClean="0"/>
+              <a:t>) {</a:t>
+            </a:r>
+            <a:endParaRPr lang="en-US" sz="3600" dirty="0"/>
+          </a:p>
+          <a:p>
+            <a:pPr marL="0" indent="0">
+              <a:lnSpc>
+                <a:spcPct val="100000"/>
+              </a:lnSpc>
+              <a:spcBef>
+                <a:spcPts val="0"/>
+              </a:spcBef>
+              <a:buNone/>
+            </a:pPr>
+            <a:r>
+              <a:rPr lang="en-US" sz="3600" dirty="0" smtClean="0"/>
+              <a:t>        </a:t>
+            </a:r>
+            <a:r>
+              <a:rPr lang="en-US" sz="3600" dirty="0" err="1"/>
+              <a:t>var</a:t>
+            </a:r>
+            <a:r>
+              <a:rPr lang="en-US" sz="3600" dirty="0"/>
+              <a:t> j = 2;</a:t>
+            </a:r>
+          </a:p>
+          <a:p>
+            <a:pPr marL="0" indent="0">
+              <a:lnSpc>
+                <a:spcPct val="100000"/>
+              </a:lnSpc>
+              <a:spcBef>
+                <a:spcPts val="0"/>
+              </a:spcBef>
+              <a:buNone/>
+            </a:pPr>
+            <a:r>
+              <a:rPr lang="en-US" sz="3600" dirty="0" smtClean="0"/>
+              <a:t>        </a:t>
+            </a:r>
+            <a:r>
+              <a:rPr lang="en-US" sz="3600" dirty="0"/>
+              <a:t>for (; j != 21; ++j</a:t>
+            </a:r>
+            <a:r>
+              <a:rPr lang="en-US" sz="3600" dirty="0" smtClean="0"/>
+              <a:t>)</a:t>
+            </a:r>
+          </a:p>
+          <a:p>
+            <a:pPr marL="0" indent="0">
+              <a:lnSpc>
+                <a:spcPct val="100000"/>
+              </a:lnSpc>
+              <a:spcBef>
+                <a:spcPts val="0"/>
+              </a:spcBef>
+              <a:buNone/>
+            </a:pPr>
+            <a:r>
+              <a:rPr lang="en-US" sz="3600" dirty="0"/>
+              <a:t> </a:t>
+            </a:r>
+            <a:r>
+              <a:rPr lang="en-US" sz="3600" dirty="0" smtClean="0"/>
+              <a:t>           if </a:t>
+            </a:r>
+            <a:r>
+              <a:rPr lang="en-US" sz="3600" dirty="0"/>
+              <a:t>(</a:t>
+            </a:r>
+            <a:r>
+              <a:rPr lang="en-US" sz="3600" dirty="0" err="1"/>
+              <a:t>i</a:t>
+            </a:r>
+            <a:r>
+              <a:rPr lang="en-US" sz="3600" dirty="0"/>
+              <a:t> % j != 0)</a:t>
+            </a:r>
+          </a:p>
+          <a:p>
+            <a:pPr marL="0" indent="0">
+              <a:lnSpc>
+                <a:spcPct val="100000"/>
+              </a:lnSpc>
+              <a:spcBef>
+                <a:spcPts val="0"/>
+              </a:spcBef>
+              <a:buNone/>
+            </a:pPr>
+            <a:r>
+              <a:rPr lang="en-US" sz="3600" dirty="0"/>
+              <a:t>            </a:t>
+            </a:r>
+            <a:r>
+              <a:rPr lang="en-US" sz="3600" dirty="0" smtClean="0"/>
+              <a:t>    </a:t>
+            </a:r>
+            <a:r>
+              <a:rPr lang="en-US" sz="3600" dirty="0"/>
+              <a:t>break;</a:t>
+            </a:r>
+          </a:p>
+          <a:p>
+            <a:pPr marL="0" indent="0">
+              <a:lnSpc>
+                <a:spcPct val="100000"/>
+              </a:lnSpc>
+              <a:spcBef>
+                <a:spcPts val="0"/>
+              </a:spcBef>
+              <a:buNone/>
+            </a:pPr>
+            <a:r>
+              <a:rPr lang="en-US" sz="3600" dirty="0" smtClean="0"/>
+              <a:t>        if </a:t>
+            </a:r>
+            <a:r>
+              <a:rPr lang="en-US" sz="3600" dirty="0"/>
+              <a:t>(j == 21)</a:t>
+            </a:r>
+          </a:p>
+          <a:p>
+            <a:pPr marL="0" indent="0">
+              <a:lnSpc>
+                <a:spcPct val="100000"/>
+              </a:lnSpc>
+              <a:spcBef>
+                <a:spcPts val="0"/>
+              </a:spcBef>
+              <a:buNone/>
+            </a:pPr>
+            <a:r>
+              <a:rPr lang="en-US" sz="3600" dirty="0"/>
+              <a:t>        </a:t>
+            </a:r>
+            <a:r>
+              <a:rPr lang="en-US" sz="3600" dirty="0" smtClean="0"/>
+              <a:t>    </a:t>
+            </a:r>
+            <a:r>
+              <a:rPr lang="en-US" sz="3600" dirty="0"/>
+              <a:t>return </a:t>
+            </a:r>
+            <a:r>
+              <a:rPr lang="en-US" sz="3600" dirty="0" err="1"/>
+              <a:t>i</a:t>
+            </a:r>
+            <a:r>
+              <a:rPr lang="en-US" sz="3600" dirty="0"/>
+              <a:t>;</a:t>
+            </a:r>
+          </a:p>
+          <a:p>
+            <a:pPr marL="0" indent="0">
+              <a:lnSpc>
+                <a:spcPct val="100000"/>
+              </a:lnSpc>
+              <a:spcBef>
+                <a:spcPts val="0"/>
+              </a:spcBef>
+              <a:buNone/>
+            </a:pPr>
+            <a:r>
+              <a:rPr lang="en-US" sz="3600" dirty="0" smtClean="0"/>
+              <a:t>    </a:t>
+            </a:r>
+            <a:r>
+              <a:rPr lang="en-US" sz="3600" dirty="0"/>
+              <a:t>}</a:t>
+            </a:r>
+          </a:p>
+          <a:p>
+            <a:pPr marL="0" indent="0">
+              <a:lnSpc>
+                <a:spcPct val="100000"/>
+              </a:lnSpc>
+              <a:spcBef>
+                <a:spcPts val="0"/>
+              </a:spcBef>
+              <a:buNone/>
+            </a:pPr>
+            <a:r>
+              <a:rPr lang="en-US" sz="3600" dirty="0" smtClean="0"/>
+              <a:t>}</a:t>
+            </a:r>
+            <a:endParaRPr lang="en-US" sz="3600" dirty="0"/>
+          </a:p>
+        </p:txBody>
+      </p:sp>
+      <p:sp>
+        <p:nvSpPr>
+          <p:cNvPr id="6148" name="Footer Placeholder 3"/>
+          <p:cNvSpPr>
+            <a:spLocks noGrp="1"/>
+          </p:cNvSpPr>
+          <p:nvPr>
+            <p:ph type="ftr" sz="quarter" idx="11"/>
+          </p:nvPr>
+        </p:nvSpPr>
+        <p:spPr>
+          <a:noFill/>
+          <a:ln/>
+          <a:extLst>
+            <a:ext uri="{909E8E84-426E-40DD-AFC4-6F175D3DCCD1}">
+              <a14:hiddenFill xmlns:a14="http://schemas.microsoft.com/office/drawing/2010/main">
+                <a:solidFill>
+                  <a:srgbClr val="FFFFFF"/>
+                </a:solidFill>
+              </a14:hiddenFill>
+            </a:ext>
+            <a:ext uri="{91240B29-F687-4F45-9708-019B960494DF}">
+              <a14:hiddenLine xmlns:a14="http://schemas.microsoft.com/office/drawing/2010/main" w="9525">
+                <a:solidFill>
+                  <a:srgbClr val="000000"/>
+                </a:solidFill>
+                <a:miter lim="800000"/>
+                <a:headEnd/>
+                <a:tailEnd/>
+              </a14:hiddenLine>
+            </a:ext>
+          </a:extLst>
+        </p:spPr>
+        <p:txBody>
+          <a:bodyPr/>
+          <a:lstStyle>
+            <a:lvl1pPr eaLnBrk="0" hangingPunct="0">
+              <a:defRPr sz="2800" b="1">
+                <a:solidFill>
+                  <a:schemeClr val="tx1"/>
+                </a:solidFill>
+                <a:latin typeface="Arial" charset="0"/>
+              </a:defRPr>
+            </a:lvl1pPr>
+            <a:lvl2pPr marL="742950" indent="-285750" eaLnBrk="0" hangingPunct="0">
+              <a:defRPr sz="2800" b="1">
+                <a:solidFill>
+                  <a:schemeClr val="tx1"/>
+                </a:solidFill>
+                <a:latin typeface="Arial" charset="0"/>
+              </a:defRPr>
+            </a:lvl2pPr>
+            <a:lvl3pPr marL="1143000" indent="-228600" eaLnBrk="0" hangingPunct="0">
+              <a:defRPr sz="2800" b="1">
+                <a:solidFill>
+                  <a:schemeClr val="tx1"/>
+                </a:solidFill>
+                <a:latin typeface="Arial" charset="0"/>
+              </a:defRPr>
+            </a:lvl3pPr>
+            <a:lvl4pPr marL="1600200" indent="-228600" eaLnBrk="0" hangingPunct="0">
+              <a:defRPr sz="2800" b="1">
+                <a:solidFill>
+                  <a:schemeClr val="tx1"/>
+                </a:solidFill>
+                <a:latin typeface="Arial" charset="0"/>
+              </a:defRPr>
+            </a:lvl4pPr>
+            <a:lvl5pPr marL="2057400" indent="-228600" eaLnBrk="0" hangingPunct="0">
+              <a:defRPr sz="2800" b="1">
+                <a:solidFill>
+                  <a:schemeClr val="tx1"/>
+                </a:solidFill>
+                <a:latin typeface="Arial" charset="0"/>
+              </a:defRPr>
+            </a:lvl5pPr>
+            <a:lvl6pPr marL="2514600" indent="-228600" eaLnBrk="0" fontAlgn="base" hangingPunct="0">
+              <a:spcBef>
+                <a:spcPct val="0"/>
+              </a:spcBef>
+              <a:spcAft>
+                <a:spcPct val="0"/>
+              </a:spcAft>
+              <a:defRPr sz="2800" b="1">
+                <a:solidFill>
+                  <a:schemeClr val="tx1"/>
+                </a:solidFill>
+                <a:latin typeface="Arial" charset="0"/>
+              </a:defRPr>
+            </a:lvl6pPr>
+            <a:lvl7pPr marL="2971800" indent="-228600" eaLnBrk="0" fontAlgn="base" hangingPunct="0">
+              <a:spcBef>
+                <a:spcPct val="0"/>
+              </a:spcBef>
+              <a:spcAft>
+                <a:spcPct val="0"/>
+              </a:spcAft>
+              <a:defRPr sz="2800" b="1">
+                <a:solidFill>
+                  <a:schemeClr val="tx1"/>
+                </a:solidFill>
+                <a:latin typeface="Arial" charset="0"/>
+              </a:defRPr>
+            </a:lvl7pPr>
+            <a:lvl8pPr marL="3429000" indent="-228600" eaLnBrk="0" fontAlgn="base" hangingPunct="0">
+              <a:spcBef>
+                <a:spcPct val="0"/>
+              </a:spcBef>
+              <a:spcAft>
+                <a:spcPct val="0"/>
+              </a:spcAft>
+              <a:defRPr sz="2800" b="1">
+                <a:solidFill>
+                  <a:schemeClr val="tx1"/>
+                </a:solidFill>
+                <a:latin typeface="Arial" charset="0"/>
+              </a:defRPr>
+            </a:lvl8pPr>
+            <a:lvl9pPr marL="3886200" indent="-228600" eaLnBrk="0" fontAlgn="base" hangingPunct="0">
+              <a:spcBef>
+                <a:spcPct val="0"/>
+              </a:spcBef>
+              <a:spcAft>
+                <a:spcPct val="0"/>
+              </a:spcAft>
+              <a:defRPr sz="2800" b="1">
+                <a:solidFill>
+                  <a:schemeClr val="tx1"/>
+                </a:solidFill>
+                <a:latin typeface="Arial" charset="0"/>
+              </a:defRPr>
+            </a:lvl9pPr>
+          </a:lstStyle>
+          <a:p>
+            <a:r>
+              <a:rPr lang="en-US" sz="1400" b="0" smtClean="0">
+                <a:solidFill>
+                  <a:srgbClr val="FFFFFF"/>
+                </a:solidFill>
+              </a:rPr>
+              <a:t>Teradyne Confidential and Proprietary</a:t>
+            </a:r>
+          </a:p>
+        </p:txBody>
+      </p:sp>
+    </p:spTree>
     <p:extLst>
       <p:ext uri="{BB962C8B-B14F-4D97-AF65-F5344CB8AC3E}">
-        <p14:creationId xmlns:p14="http://schemas.microsoft.com/office/powerpoint/2010/main" val="586933010"/>
+        <p14:creationId xmlns:p14="http://schemas.microsoft.com/office/powerpoint/2010/main" val="3060696317"/>
       </p:ext>
     </p:extLst>
   </p:cSld>
@@ -6066,7 +6071,7 @@
 </p:sld>
 </file>
 
-<file path=ppt/slides/slide11.xml><?xml version="1.0" encoding="utf-8"?>
+<file path=ppt/slides/slide4.xml><?xml version="1.0" encoding="utf-8"?>
 <p:sld xmlns:a="http://schemas.openxmlformats.org/drawingml/2006/main" xmlns:r="http://schemas.openxmlformats.org/officeDocument/2006/relationships" xmlns:p="http://schemas.openxmlformats.org/presentationml/2006/main">
   <p:cSld>
     <p:spTree>
@@ -6100,6 +6105,1282 @@
           <a:p>
             <a:r>
               <a:rPr lang="en-US" dirty="0" smtClean="0"/>
+              <a:t>Least Common Multiple</a:t>
+            </a:r>
+            <a:endParaRPr lang="en-US" dirty="0" smtClean="0"/>
+          </a:p>
+        </p:txBody>
+      </p:sp>
+      <p:sp>
+        <p:nvSpPr>
+          <p:cNvPr id="6147" name="Content Placeholder 2"/>
+          <p:cNvSpPr>
+            <a:spLocks noGrp="1"/>
+          </p:cNvSpPr>
+          <p:nvPr>
+            <p:ph idx="1"/>
+          </p:nvPr>
+        </p:nvSpPr>
+        <p:spPr>
+          <a:xfrm>
+            <a:off x="0" y="1219200"/>
+            <a:ext cx="9144000" cy="4929188"/>
+          </a:xfrm>
+        </p:spPr>
+        <p:txBody>
+          <a:bodyPr/>
+          <a:lstStyle/>
+          <a:p>
+            <a:pPr marL="0" indent="0">
+              <a:buNone/>
+            </a:pPr>
+            <a:r>
+              <a:rPr lang="en-US" dirty="0"/>
+              <a:t>In arithmetic and number theory, the least common multiple (also called the lowest common multiple or smallest common multiple) of two integers a and b, usually denoted by LCM(a, b), is the smallest positive integer that is divisible by both a and b.</a:t>
+            </a:r>
+            <a:endParaRPr lang="en-US" dirty="0"/>
+          </a:p>
+        </p:txBody>
+      </p:sp>
+      <p:sp>
+        <p:nvSpPr>
+          <p:cNvPr id="6148" name="Footer Placeholder 3"/>
+          <p:cNvSpPr>
+            <a:spLocks noGrp="1"/>
+          </p:cNvSpPr>
+          <p:nvPr>
+            <p:ph type="ftr" sz="quarter" idx="11"/>
+          </p:nvPr>
+        </p:nvSpPr>
+        <p:spPr>
+          <a:noFill/>
+          <a:ln/>
+          <a:extLst>
+            <a:ext uri="{909E8E84-426E-40DD-AFC4-6F175D3DCCD1}">
+              <a14:hiddenFill xmlns:a14="http://schemas.microsoft.com/office/drawing/2010/main">
+                <a:solidFill>
+                  <a:srgbClr val="FFFFFF"/>
+                </a:solidFill>
+              </a14:hiddenFill>
+            </a:ext>
+            <a:ext uri="{91240B29-F687-4F45-9708-019B960494DF}">
+              <a14:hiddenLine xmlns:a14="http://schemas.microsoft.com/office/drawing/2010/main" w="9525">
+                <a:solidFill>
+                  <a:srgbClr val="000000"/>
+                </a:solidFill>
+                <a:miter lim="800000"/>
+                <a:headEnd/>
+                <a:tailEnd/>
+              </a14:hiddenLine>
+            </a:ext>
+          </a:extLst>
+        </p:spPr>
+        <p:txBody>
+          <a:bodyPr/>
+          <a:lstStyle>
+            <a:lvl1pPr eaLnBrk="0" hangingPunct="0">
+              <a:defRPr sz="2800" b="1">
+                <a:solidFill>
+                  <a:schemeClr val="tx1"/>
+                </a:solidFill>
+                <a:latin typeface="Arial" charset="0"/>
+              </a:defRPr>
+            </a:lvl1pPr>
+            <a:lvl2pPr marL="742950" indent="-285750" eaLnBrk="0" hangingPunct="0">
+              <a:defRPr sz="2800" b="1">
+                <a:solidFill>
+                  <a:schemeClr val="tx1"/>
+                </a:solidFill>
+                <a:latin typeface="Arial" charset="0"/>
+              </a:defRPr>
+            </a:lvl2pPr>
+            <a:lvl3pPr marL="1143000" indent="-228600" eaLnBrk="0" hangingPunct="0">
+              <a:defRPr sz="2800" b="1">
+                <a:solidFill>
+                  <a:schemeClr val="tx1"/>
+                </a:solidFill>
+                <a:latin typeface="Arial" charset="0"/>
+              </a:defRPr>
+            </a:lvl3pPr>
+            <a:lvl4pPr marL="1600200" indent="-228600" eaLnBrk="0" hangingPunct="0">
+              <a:defRPr sz="2800" b="1">
+                <a:solidFill>
+                  <a:schemeClr val="tx1"/>
+                </a:solidFill>
+                <a:latin typeface="Arial" charset="0"/>
+              </a:defRPr>
+            </a:lvl4pPr>
+            <a:lvl5pPr marL="2057400" indent="-228600" eaLnBrk="0" hangingPunct="0">
+              <a:defRPr sz="2800" b="1">
+                <a:solidFill>
+                  <a:schemeClr val="tx1"/>
+                </a:solidFill>
+                <a:latin typeface="Arial" charset="0"/>
+              </a:defRPr>
+            </a:lvl5pPr>
+            <a:lvl6pPr marL="2514600" indent="-228600" eaLnBrk="0" fontAlgn="base" hangingPunct="0">
+              <a:spcBef>
+                <a:spcPct val="0"/>
+              </a:spcBef>
+              <a:spcAft>
+                <a:spcPct val="0"/>
+              </a:spcAft>
+              <a:defRPr sz="2800" b="1">
+                <a:solidFill>
+                  <a:schemeClr val="tx1"/>
+                </a:solidFill>
+                <a:latin typeface="Arial" charset="0"/>
+              </a:defRPr>
+            </a:lvl6pPr>
+            <a:lvl7pPr marL="2971800" indent="-228600" eaLnBrk="0" fontAlgn="base" hangingPunct="0">
+              <a:spcBef>
+                <a:spcPct val="0"/>
+              </a:spcBef>
+              <a:spcAft>
+                <a:spcPct val="0"/>
+              </a:spcAft>
+              <a:defRPr sz="2800" b="1">
+                <a:solidFill>
+                  <a:schemeClr val="tx1"/>
+                </a:solidFill>
+                <a:latin typeface="Arial" charset="0"/>
+              </a:defRPr>
+            </a:lvl7pPr>
+            <a:lvl8pPr marL="3429000" indent="-228600" eaLnBrk="0" fontAlgn="base" hangingPunct="0">
+              <a:spcBef>
+                <a:spcPct val="0"/>
+              </a:spcBef>
+              <a:spcAft>
+                <a:spcPct val="0"/>
+              </a:spcAft>
+              <a:defRPr sz="2800" b="1">
+                <a:solidFill>
+                  <a:schemeClr val="tx1"/>
+                </a:solidFill>
+                <a:latin typeface="Arial" charset="0"/>
+              </a:defRPr>
+            </a:lvl8pPr>
+            <a:lvl9pPr marL="3886200" indent="-228600" eaLnBrk="0" fontAlgn="base" hangingPunct="0">
+              <a:spcBef>
+                <a:spcPct val="0"/>
+              </a:spcBef>
+              <a:spcAft>
+                <a:spcPct val="0"/>
+              </a:spcAft>
+              <a:defRPr sz="2800" b="1">
+                <a:solidFill>
+                  <a:schemeClr val="tx1"/>
+                </a:solidFill>
+                <a:latin typeface="Arial" charset="0"/>
+              </a:defRPr>
+            </a:lvl9pPr>
+          </a:lstStyle>
+          <a:p>
+            <a:r>
+              <a:rPr lang="en-US" sz="1400" b="0" smtClean="0">
+                <a:solidFill>
+                  <a:srgbClr val="FFFFFF"/>
+                </a:solidFill>
+              </a:rPr>
+              <a:t>Teradyne Confidential and Proprietary</a:t>
+            </a:r>
+          </a:p>
+        </p:txBody>
+      </p:sp>
+    </p:spTree>
+    <p:extLst>
+      <p:ext uri="{BB962C8B-B14F-4D97-AF65-F5344CB8AC3E}">
+        <p14:creationId xmlns:p14="http://schemas.microsoft.com/office/powerpoint/2010/main" val="2813456632"/>
+      </p:ext>
+    </p:extLst>
+  </p:cSld>
+  <p:clrMapOvr>
+    <a:masterClrMapping/>
+  </p:clrMapOvr>
+  <p:timing>
+    <p:tnLst>
+      <p:par>
+        <p:cTn id="1" dur="indefinite" restart="never" nodeType="tmRoot"/>
+      </p:par>
+    </p:tnLst>
+  </p:timing>
+</p:sld>
+</file>
+
+<file path=ppt/slides/slide5.xml><?xml version="1.0" encoding="utf-8"?>
+<p:sld xmlns:a="http://schemas.openxmlformats.org/drawingml/2006/main" xmlns:r="http://schemas.openxmlformats.org/officeDocument/2006/relationships" xmlns:p="http://schemas.openxmlformats.org/presentationml/2006/main">
+  <p:cSld>
+    <p:spTree>
+      <p:nvGrpSpPr>
+        <p:cNvPr id="1" name=""/>
+        <p:cNvGrpSpPr/>
+        <p:nvPr/>
+      </p:nvGrpSpPr>
+      <p:grpSpPr>
+        <a:xfrm>
+          <a:off x="0" y="0"/>
+          <a:ext cx="0" cy="0"/>
+          <a:chOff x="0" y="0"/>
+          <a:chExt cx="0" cy="0"/>
+        </a:xfrm>
+      </p:grpSpPr>
+      <p:sp>
+        <p:nvSpPr>
+          <p:cNvPr id="6146" name="Title 1"/>
+          <p:cNvSpPr>
+            <a:spLocks noGrp="1"/>
+          </p:cNvSpPr>
+          <p:nvPr>
+            <p:ph type="title"/>
+          </p:nvPr>
+        </p:nvSpPr>
+        <p:spPr/>
+        <p:txBody>
+          <a:bodyPr/>
+          <a:lstStyle/>
+          <a:p>
+            <a:r>
+              <a:rPr lang="en-US" dirty="0" smtClean="0"/>
+              <a:t>Additional Useful Information</a:t>
+            </a:r>
+            <a:endParaRPr lang="en-US" dirty="0" smtClean="0"/>
+          </a:p>
+        </p:txBody>
+      </p:sp>
+      <p:sp>
+        <p:nvSpPr>
+          <p:cNvPr id="6147" name="Content Placeholder 2"/>
+          <p:cNvSpPr>
+            <a:spLocks noGrp="1"/>
+          </p:cNvSpPr>
+          <p:nvPr>
+            <p:ph idx="1"/>
+          </p:nvPr>
+        </p:nvSpPr>
+        <p:spPr>
+          <a:xfrm>
+            <a:off x="0" y="1219200"/>
+            <a:ext cx="9144000" cy="4929188"/>
+          </a:xfrm>
+        </p:spPr>
+        <p:txBody>
+          <a:bodyPr/>
+          <a:lstStyle/>
+          <a:p>
+            <a:pPr marL="0" indent="0">
+              <a:buNone/>
+            </a:pPr>
+            <a:r>
+              <a:rPr lang="en-US" sz="4000" dirty="0" smtClean="0"/>
+              <a:t>lcm(a, b, c) = lcm(lcm(a, b), c)</a:t>
+            </a:r>
+          </a:p>
+          <a:p>
+            <a:pPr marL="0" indent="0">
+              <a:buNone/>
+            </a:pPr>
+            <a:r>
+              <a:rPr lang="en-US" sz="4000" dirty="0" smtClean="0"/>
+              <a:t>lcm(a, b) = abs(a) / </a:t>
+            </a:r>
+            <a:r>
+              <a:rPr lang="en-US" sz="4000" dirty="0" err="1" smtClean="0"/>
+              <a:t>gcd</a:t>
+            </a:r>
+            <a:r>
+              <a:rPr lang="en-US" sz="4000" dirty="0" smtClean="0"/>
+              <a:t>(a, b) * abs(b)</a:t>
+            </a:r>
+            <a:endParaRPr lang="en-US" sz="4000" dirty="0"/>
+          </a:p>
+        </p:txBody>
+      </p:sp>
+      <p:sp>
+        <p:nvSpPr>
+          <p:cNvPr id="6148" name="Footer Placeholder 3"/>
+          <p:cNvSpPr>
+            <a:spLocks noGrp="1"/>
+          </p:cNvSpPr>
+          <p:nvPr>
+            <p:ph type="ftr" sz="quarter" idx="11"/>
+          </p:nvPr>
+        </p:nvSpPr>
+        <p:spPr>
+          <a:noFill/>
+          <a:ln/>
+          <a:extLst>
+            <a:ext uri="{909E8E84-426E-40DD-AFC4-6F175D3DCCD1}">
+              <a14:hiddenFill xmlns:a14="http://schemas.microsoft.com/office/drawing/2010/main">
+                <a:solidFill>
+                  <a:srgbClr val="FFFFFF"/>
+                </a:solidFill>
+              </a14:hiddenFill>
+            </a:ext>
+            <a:ext uri="{91240B29-F687-4F45-9708-019B960494DF}">
+              <a14:hiddenLine xmlns:a14="http://schemas.microsoft.com/office/drawing/2010/main" w="9525">
+                <a:solidFill>
+                  <a:srgbClr val="000000"/>
+                </a:solidFill>
+                <a:miter lim="800000"/>
+                <a:headEnd/>
+                <a:tailEnd/>
+              </a14:hiddenLine>
+            </a:ext>
+          </a:extLst>
+        </p:spPr>
+        <p:txBody>
+          <a:bodyPr/>
+          <a:lstStyle>
+            <a:lvl1pPr eaLnBrk="0" hangingPunct="0">
+              <a:defRPr sz="2800" b="1">
+                <a:solidFill>
+                  <a:schemeClr val="tx1"/>
+                </a:solidFill>
+                <a:latin typeface="Arial" charset="0"/>
+              </a:defRPr>
+            </a:lvl1pPr>
+            <a:lvl2pPr marL="742950" indent="-285750" eaLnBrk="0" hangingPunct="0">
+              <a:defRPr sz="2800" b="1">
+                <a:solidFill>
+                  <a:schemeClr val="tx1"/>
+                </a:solidFill>
+                <a:latin typeface="Arial" charset="0"/>
+              </a:defRPr>
+            </a:lvl2pPr>
+            <a:lvl3pPr marL="1143000" indent="-228600" eaLnBrk="0" hangingPunct="0">
+              <a:defRPr sz="2800" b="1">
+                <a:solidFill>
+                  <a:schemeClr val="tx1"/>
+                </a:solidFill>
+                <a:latin typeface="Arial" charset="0"/>
+              </a:defRPr>
+            </a:lvl3pPr>
+            <a:lvl4pPr marL="1600200" indent="-228600" eaLnBrk="0" hangingPunct="0">
+              <a:defRPr sz="2800" b="1">
+                <a:solidFill>
+                  <a:schemeClr val="tx1"/>
+                </a:solidFill>
+                <a:latin typeface="Arial" charset="0"/>
+              </a:defRPr>
+            </a:lvl4pPr>
+            <a:lvl5pPr marL="2057400" indent="-228600" eaLnBrk="0" hangingPunct="0">
+              <a:defRPr sz="2800" b="1">
+                <a:solidFill>
+                  <a:schemeClr val="tx1"/>
+                </a:solidFill>
+                <a:latin typeface="Arial" charset="0"/>
+              </a:defRPr>
+            </a:lvl5pPr>
+            <a:lvl6pPr marL="2514600" indent="-228600" eaLnBrk="0" fontAlgn="base" hangingPunct="0">
+              <a:spcBef>
+                <a:spcPct val="0"/>
+              </a:spcBef>
+              <a:spcAft>
+                <a:spcPct val="0"/>
+              </a:spcAft>
+              <a:defRPr sz="2800" b="1">
+                <a:solidFill>
+                  <a:schemeClr val="tx1"/>
+                </a:solidFill>
+                <a:latin typeface="Arial" charset="0"/>
+              </a:defRPr>
+            </a:lvl6pPr>
+            <a:lvl7pPr marL="2971800" indent="-228600" eaLnBrk="0" fontAlgn="base" hangingPunct="0">
+              <a:spcBef>
+                <a:spcPct val="0"/>
+              </a:spcBef>
+              <a:spcAft>
+                <a:spcPct val="0"/>
+              </a:spcAft>
+              <a:defRPr sz="2800" b="1">
+                <a:solidFill>
+                  <a:schemeClr val="tx1"/>
+                </a:solidFill>
+                <a:latin typeface="Arial" charset="0"/>
+              </a:defRPr>
+            </a:lvl7pPr>
+            <a:lvl8pPr marL="3429000" indent="-228600" eaLnBrk="0" fontAlgn="base" hangingPunct="0">
+              <a:spcBef>
+                <a:spcPct val="0"/>
+              </a:spcBef>
+              <a:spcAft>
+                <a:spcPct val="0"/>
+              </a:spcAft>
+              <a:defRPr sz="2800" b="1">
+                <a:solidFill>
+                  <a:schemeClr val="tx1"/>
+                </a:solidFill>
+                <a:latin typeface="Arial" charset="0"/>
+              </a:defRPr>
+            </a:lvl8pPr>
+            <a:lvl9pPr marL="3886200" indent="-228600" eaLnBrk="0" fontAlgn="base" hangingPunct="0">
+              <a:spcBef>
+                <a:spcPct val="0"/>
+              </a:spcBef>
+              <a:spcAft>
+                <a:spcPct val="0"/>
+              </a:spcAft>
+              <a:defRPr sz="2800" b="1">
+                <a:solidFill>
+                  <a:schemeClr val="tx1"/>
+                </a:solidFill>
+                <a:latin typeface="Arial" charset="0"/>
+              </a:defRPr>
+            </a:lvl9pPr>
+          </a:lstStyle>
+          <a:p>
+            <a:r>
+              <a:rPr lang="en-US" sz="1400" b="0" smtClean="0">
+                <a:solidFill>
+                  <a:srgbClr val="FFFFFF"/>
+                </a:solidFill>
+              </a:rPr>
+              <a:t>Teradyne Confidential and Proprietary</a:t>
+            </a:r>
+          </a:p>
+        </p:txBody>
+      </p:sp>
+    </p:spTree>
+    <p:extLst>
+      <p:ext uri="{BB962C8B-B14F-4D97-AF65-F5344CB8AC3E}">
+        <p14:creationId xmlns:p14="http://schemas.microsoft.com/office/powerpoint/2010/main" val="2351061094"/>
+      </p:ext>
+    </p:extLst>
+  </p:cSld>
+  <p:clrMapOvr>
+    <a:masterClrMapping/>
+  </p:clrMapOvr>
+  <p:timing>
+    <p:tnLst>
+      <p:par>
+        <p:cTn id="1" dur="indefinite" restart="never" nodeType="tmRoot"/>
+      </p:par>
+    </p:tnLst>
+  </p:timing>
+</p:sld>
+</file>
+
+<file path=ppt/slides/slide6.xml><?xml version="1.0" encoding="utf-8"?>
+<p:sld xmlns:a="http://schemas.openxmlformats.org/drawingml/2006/main" xmlns:r="http://schemas.openxmlformats.org/officeDocument/2006/relationships" xmlns:p="http://schemas.openxmlformats.org/presentationml/2006/main">
+  <p:cSld>
+    <p:spTree>
+      <p:nvGrpSpPr>
+        <p:cNvPr id="1" name=""/>
+        <p:cNvGrpSpPr/>
+        <p:nvPr/>
+      </p:nvGrpSpPr>
+      <p:grpSpPr>
+        <a:xfrm>
+          <a:off x="0" y="0"/>
+          <a:ext cx="0" cy="0"/>
+          <a:chOff x="0" y="0"/>
+          <a:chExt cx="0" cy="0"/>
+        </a:xfrm>
+      </p:grpSpPr>
+      <p:sp>
+        <p:nvSpPr>
+          <p:cNvPr id="6146" name="Title 1"/>
+          <p:cNvSpPr>
+            <a:spLocks noGrp="1"/>
+          </p:cNvSpPr>
+          <p:nvPr>
+            <p:ph type="title"/>
+          </p:nvPr>
+        </p:nvSpPr>
+        <p:spPr/>
+        <p:txBody>
+          <a:bodyPr/>
+          <a:lstStyle/>
+          <a:p>
+            <a:r>
+              <a:rPr lang="en-US" dirty="0" smtClean="0"/>
+              <a:t>Euclid’s Algorithm</a:t>
+            </a:r>
+            <a:endParaRPr lang="en-US" dirty="0" smtClean="0"/>
+          </a:p>
+        </p:txBody>
+      </p:sp>
+      <p:sp>
+        <p:nvSpPr>
+          <p:cNvPr id="6147" name="Content Placeholder 2"/>
+          <p:cNvSpPr>
+            <a:spLocks noGrp="1"/>
+          </p:cNvSpPr>
+          <p:nvPr>
+            <p:ph idx="1"/>
+          </p:nvPr>
+        </p:nvSpPr>
+        <p:spPr>
+          <a:xfrm>
+            <a:off x="0" y="1219200"/>
+            <a:ext cx="9144000" cy="4929188"/>
+          </a:xfrm>
+        </p:spPr>
+        <p:txBody>
+          <a:bodyPr/>
+          <a:lstStyle/>
+          <a:p>
+            <a:pPr marL="0" indent="0">
+              <a:lnSpc>
+                <a:spcPct val="100000"/>
+              </a:lnSpc>
+              <a:spcBef>
+                <a:spcPts val="0"/>
+              </a:spcBef>
+              <a:buNone/>
+            </a:pPr>
+            <a:r>
+              <a:rPr lang="en-US" sz="4000" dirty="0"/>
+              <a:t>private static </a:t>
+            </a:r>
+            <a:r>
+              <a:rPr lang="en-US" sz="4000" dirty="0" err="1"/>
+              <a:t>int</a:t>
+            </a:r>
+            <a:r>
+              <a:rPr lang="en-US" sz="4000" dirty="0"/>
+              <a:t> </a:t>
+            </a:r>
+            <a:r>
+              <a:rPr lang="en-US" sz="4000" dirty="0" err="1"/>
+              <a:t>gcd</a:t>
+            </a:r>
+            <a:r>
+              <a:rPr lang="en-US" sz="4000" dirty="0"/>
+              <a:t>(</a:t>
+            </a:r>
+            <a:r>
+              <a:rPr lang="en-US" sz="4000" dirty="0" err="1"/>
+              <a:t>int</a:t>
+            </a:r>
+            <a:r>
+              <a:rPr lang="en-US" sz="4000" dirty="0"/>
+              <a:t> a, </a:t>
+            </a:r>
+            <a:r>
+              <a:rPr lang="en-US" sz="4000" dirty="0" err="1"/>
+              <a:t>int</a:t>
+            </a:r>
+            <a:r>
+              <a:rPr lang="en-US" sz="4000" dirty="0"/>
+              <a:t> b</a:t>
+            </a:r>
+            <a:r>
+              <a:rPr lang="en-US" sz="4000" dirty="0" smtClean="0"/>
+              <a:t>) {</a:t>
+            </a:r>
+            <a:endParaRPr lang="en-US" sz="4000" dirty="0"/>
+          </a:p>
+          <a:p>
+            <a:pPr marL="0" indent="0">
+              <a:lnSpc>
+                <a:spcPct val="100000"/>
+              </a:lnSpc>
+              <a:spcBef>
+                <a:spcPts val="0"/>
+              </a:spcBef>
+              <a:buNone/>
+            </a:pPr>
+            <a:r>
+              <a:rPr lang="en-US" sz="4000" dirty="0" smtClean="0"/>
+              <a:t>    </a:t>
+            </a:r>
+            <a:r>
+              <a:rPr lang="en-US" sz="4000" dirty="0"/>
+              <a:t>while(b != 0</a:t>
+            </a:r>
+            <a:r>
+              <a:rPr lang="en-US" sz="4000" dirty="0" smtClean="0"/>
+              <a:t>) {</a:t>
+            </a:r>
+            <a:endParaRPr lang="en-US" sz="4000" dirty="0"/>
+          </a:p>
+          <a:p>
+            <a:pPr marL="0" indent="0">
+              <a:lnSpc>
+                <a:spcPct val="100000"/>
+              </a:lnSpc>
+              <a:spcBef>
+                <a:spcPts val="0"/>
+              </a:spcBef>
+              <a:buNone/>
+            </a:pPr>
+            <a:r>
+              <a:rPr lang="en-US" sz="4000" dirty="0" smtClean="0"/>
+              <a:t>        </a:t>
+            </a:r>
+            <a:r>
+              <a:rPr lang="en-US" sz="4000" dirty="0" err="1"/>
+              <a:t>var</a:t>
+            </a:r>
+            <a:r>
+              <a:rPr lang="en-US" sz="4000" dirty="0"/>
+              <a:t> r = a % b;</a:t>
+            </a:r>
+          </a:p>
+          <a:p>
+            <a:pPr marL="0" indent="0">
+              <a:lnSpc>
+                <a:spcPct val="100000"/>
+              </a:lnSpc>
+              <a:spcBef>
+                <a:spcPts val="0"/>
+              </a:spcBef>
+              <a:buNone/>
+            </a:pPr>
+            <a:r>
+              <a:rPr lang="en-US" sz="4000" dirty="0" smtClean="0"/>
+              <a:t>        </a:t>
+            </a:r>
+            <a:r>
+              <a:rPr lang="en-US" sz="4000" dirty="0"/>
+              <a:t>a = b;</a:t>
+            </a:r>
+          </a:p>
+          <a:p>
+            <a:pPr marL="0" indent="0">
+              <a:lnSpc>
+                <a:spcPct val="100000"/>
+              </a:lnSpc>
+              <a:spcBef>
+                <a:spcPts val="0"/>
+              </a:spcBef>
+              <a:buNone/>
+            </a:pPr>
+            <a:r>
+              <a:rPr lang="en-US" sz="4000" dirty="0" smtClean="0"/>
+              <a:t>        </a:t>
+            </a:r>
+            <a:r>
+              <a:rPr lang="en-US" sz="4000" dirty="0"/>
+              <a:t>b = r;</a:t>
+            </a:r>
+          </a:p>
+          <a:p>
+            <a:pPr marL="0" indent="0">
+              <a:lnSpc>
+                <a:spcPct val="100000"/>
+              </a:lnSpc>
+              <a:spcBef>
+                <a:spcPts val="0"/>
+              </a:spcBef>
+              <a:buNone/>
+            </a:pPr>
+            <a:r>
+              <a:rPr lang="en-US" sz="4000" dirty="0" smtClean="0"/>
+              <a:t>    </a:t>
+            </a:r>
+            <a:r>
+              <a:rPr lang="en-US" sz="4000" dirty="0"/>
+              <a:t>}</a:t>
+            </a:r>
+          </a:p>
+          <a:p>
+            <a:pPr marL="0" indent="0">
+              <a:lnSpc>
+                <a:spcPct val="100000"/>
+              </a:lnSpc>
+              <a:spcBef>
+                <a:spcPts val="0"/>
+              </a:spcBef>
+              <a:buNone/>
+            </a:pPr>
+            <a:r>
+              <a:rPr lang="en-US" sz="4000" dirty="0" smtClean="0"/>
+              <a:t>    </a:t>
+            </a:r>
+            <a:r>
+              <a:rPr lang="en-US" sz="4000" dirty="0"/>
+              <a:t>return a;</a:t>
+            </a:r>
+          </a:p>
+          <a:p>
+            <a:pPr marL="0" indent="0">
+              <a:lnSpc>
+                <a:spcPct val="100000"/>
+              </a:lnSpc>
+              <a:spcBef>
+                <a:spcPts val="0"/>
+              </a:spcBef>
+              <a:buNone/>
+            </a:pPr>
+            <a:r>
+              <a:rPr lang="en-US" sz="4000" dirty="0" smtClean="0"/>
+              <a:t>}</a:t>
+            </a:r>
+            <a:endParaRPr lang="en-US" sz="4000" dirty="0">
+              <a:solidFill>
+                <a:srgbClr val="FFFF00"/>
+              </a:solidFill>
+            </a:endParaRPr>
+          </a:p>
+        </p:txBody>
+      </p:sp>
+      <p:sp>
+        <p:nvSpPr>
+          <p:cNvPr id="6148" name="Footer Placeholder 3"/>
+          <p:cNvSpPr>
+            <a:spLocks noGrp="1"/>
+          </p:cNvSpPr>
+          <p:nvPr>
+            <p:ph type="ftr" sz="quarter" idx="11"/>
+          </p:nvPr>
+        </p:nvSpPr>
+        <p:spPr>
+          <a:noFill/>
+          <a:ln/>
+          <a:extLst>
+            <a:ext uri="{909E8E84-426E-40DD-AFC4-6F175D3DCCD1}">
+              <a14:hiddenFill xmlns:a14="http://schemas.microsoft.com/office/drawing/2010/main">
+                <a:solidFill>
+                  <a:srgbClr val="FFFFFF"/>
+                </a:solidFill>
+              </a14:hiddenFill>
+            </a:ext>
+            <a:ext uri="{91240B29-F687-4F45-9708-019B960494DF}">
+              <a14:hiddenLine xmlns:a14="http://schemas.microsoft.com/office/drawing/2010/main" w="9525">
+                <a:solidFill>
+                  <a:srgbClr val="000000"/>
+                </a:solidFill>
+                <a:miter lim="800000"/>
+                <a:headEnd/>
+                <a:tailEnd/>
+              </a14:hiddenLine>
+            </a:ext>
+          </a:extLst>
+        </p:spPr>
+        <p:txBody>
+          <a:bodyPr/>
+          <a:lstStyle>
+            <a:lvl1pPr eaLnBrk="0" hangingPunct="0">
+              <a:defRPr sz="2800" b="1">
+                <a:solidFill>
+                  <a:schemeClr val="tx1"/>
+                </a:solidFill>
+                <a:latin typeface="Arial" charset="0"/>
+              </a:defRPr>
+            </a:lvl1pPr>
+            <a:lvl2pPr marL="742950" indent="-285750" eaLnBrk="0" hangingPunct="0">
+              <a:defRPr sz="2800" b="1">
+                <a:solidFill>
+                  <a:schemeClr val="tx1"/>
+                </a:solidFill>
+                <a:latin typeface="Arial" charset="0"/>
+              </a:defRPr>
+            </a:lvl2pPr>
+            <a:lvl3pPr marL="1143000" indent="-228600" eaLnBrk="0" hangingPunct="0">
+              <a:defRPr sz="2800" b="1">
+                <a:solidFill>
+                  <a:schemeClr val="tx1"/>
+                </a:solidFill>
+                <a:latin typeface="Arial" charset="0"/>
+              </a:defRPr>
+            </a:lvl3pPr>
+            <a:lvl4pPr marL="1600200" indent="-228600" eaLnBrk="0" hangingPunct="0">
+              <a:defRPr sz="2800" b="1">
+                <a:solidFill>
+                  <a:schemeClr val="tx1"/>
+                </a:solidFill>
+                <a:latin typeface="Arial" charset="0"/>
+              </a:defRPr>
+            </a:lvl4pPr>
+            <a:lvl5pPr marL="2057400" indent="-228600" eaLnBrk="0" hangingPunct="0">
+              <a:defRPr sz="2800" b="1">
+                <a:solidFill>
+                  <a:schemeClr val="tx1"/>
+                </a:solidFill>
+                <a:latin typeface="Arial" charset="0"/>
+              </a:defRPr>
+            </a:lvl5pPr>
+            <a:lvl6pPr marL="2514600" indent="-228600" eaLnBrk="0" fontAlgn="base" hangingPunct="0">
+              <a:spcBef>
+                <a:spcPct val="0"/>
+              </a:spcBef>
+              <a:spcAft>
+                <a:spcPct val="0"/>
+              </a:spcAft>
+              <a:defRPr sz="2800" b="1">
+                <a:solidFill>
+                  <a:schemeClr val="tx1"/>
+                </a:solidFill>
+                <a:latin typeface="Arial" charset="0"/>
+              </a:defRPr>
+            </a:lvl6pPr>
+            <a:lvl7pPr marL="2971800" indent="-228600" eaLnBrk="0" fontAlgn="base" hangingPunct="0">
+              <a:spcBef>
+                <a:spcPct val="0"/>
+              </a:spcBef>
+              <a:spcAft>
+                <a:spcPct val="0"/>
+              </a:spcAft>
+              <a:defRPr sz="2800" b="1">
+                <a:solidFill>
+                  <a:schemeClr val="tx1"/>
+                </a:solidFill>
+                <a:latin typeface="Arial" charset="0"/>
+              </a:defRPr>
+            </a:lvl7pPr>
+            <a:lvl8pPr marL="3429000" indent="-228600" eaLnBrk="0" fontAlgn="base" hangingPunct="0">
+              <a:spcBef>
+                <a:spcPct val="0"/>
+              </a:spcBef>
+              <a:spcAft>
+                <a:spcPct val="0"/>
+              </a:spcAft>
+              <a:defRPr sz="2800" b="1">
+                <a:solidFill>
+                  <a:schemeClr val="tx1"/>
+                </a:solidFill>
+                <a:latin typeface="Arial" charset="0"/>
+              </a:defRPr>
+            </a:lvl8pPr>
+            <a:lvl9pPr marL="3886200" indent="-228600" eaLnBrk="0" fontAlgn="base" hangingPunct="0">
+              <a:spcBef>
+                <a:spcPct val="0"/>
+              </a:spcBef>
+              <a:spcAft>
+                <a:spcPct val="0"/>
+              </a:spcAft>
+              <a:defRPr sz="2800" b="1">
+                <a:solidFill>
+                  <a:schemeClr val="tx1"/>
+                </a:solidFill>
+                <a:latin typeface="Arial" charset="0"/>
+              </a:defRPr>
+            </a:lvl9pPr>
+          </a:lstStyle>
+          <a:p>
+            <a:r>
+              <a:rPr lang="en-US" sz="1400" b="0" smtClean="0">
+                <a:solidFill>
+                  <a:srgbClr val="FFFFFF"/>
+                </a:solidFill>
+              </a:rPr>
+              <a:t>Teradyne Confidential and Proprietary</a:t>
+            </a:r>
+          </a:p>
+        </p:txBody>
+      </p:sp>
+    </p:spTree>
+    <p:extLst>
+      <p:ext uri="{BB962C8B-B14F-4D97-AF65-F5344CB8AC3E}">
+        <p14:creationId xmlns:p14="http://schemas.microsoft.com/office/powerpoint/2010/main" val="3221926877"/>
+      </p:ext>
+    </p:extLst>
+  </p:cSld>
+  <p:clrMapOvr>
+    <a:masterClrMapping/>
+  </p:clrMapOvr>
+  <p:timing>
+    <p:tnLst>
+      <p:par>
+        <p:cTn id="1" dur="indefinite" restart="never" nodeType="tmRoot"/>
+      </p:par>
+    </p:tnLst>
+  </p:timing>
+</p:sld>
+</file>
+
+<file path=ppt/slides/slide7.xml><?xml version="1.0" encoding="utf-8"?>
+<p:sld xmlns:a="http://schemas.openxmlformats.org/drawingml/2006/main" xmlns:r="http://schemas.openxmlformats.org/officeDocument/2006/relationships" xmlns:p="http://schemas.openxmlformats.org/presentationml/2006/main">
+  <p:cSld>
+    <p:spTree>
+      <p:nvGrpSpPr>
+        <p:cNvPr id="1" name=""/>
+        <p:cNvGrpSpPr/>
+        <p:nvPr/>
+      </p:nvGrpSpPr>
+      <p:grpSpPr>
+        <a:xfrm>
+          <a:off x="0" y="0"/>
+          <a:ext cx="0" cy="0"/>
+          <a:chOff x="0" y="0"/>
+          <a:chExt cx="0" cy="0"/>
+        </a:xfrm>
+      </p:grpSpPr>
+      <p:sp>
+        <p:nvSpPr>
+          <p:cNvPr id="6146" name="Title 1"/>
+          <p:cNvSpPr>
+            <a:spLocks noGrp="1"/>
+          </p:cNvSpPr>
+          <p:nvPr>
+            <p:ph type="title"/>
+          </p:nvPr>
+        </p:nvSpPr>
+        <p:spPr/>
+        <p:txBody>
+          <a:bodyPr/>
+          <a:lstStyle/>
+          <a:p>
+            <a:r>
+              <a:rPr lang="en-US" dirty="0" smtClean="0"/>
+              <a:t>Putting it All Together</a:t>
+            </a:r>
+            <a:endParaRPr lang="en-US" dirty="0" smtClean="0"/>
+          </a:p>
+        </p:txBody>
+      </p:sp>
+      <p:sp>
+        <p:nvSpPr>
+          <p:cNvPr id="6147" name="Content Placeholder 2"/>
+          <p:cNvSpPr>
+            <a:spLocks noGrp="1"/>
+          </p:cNvSpPr>
+          <p:nvPr>
+            <p:ph idx="1"/>
+          </p:nvPr>
+        </p:nvSpPr>
+        <p:spPr>
+          <a:xfrm>
+            <a:off x="0" y="1219200"/>
+            <a:ext cx="9144000" cy="4929188"/>
+          </a:xfrm>
+        </p:spPr>
+        <p:txBody>
+          <a:bodyPr/>
+          <a:lstStyle/>
+          <a:p>
+            <a:pPr marL="0" indent="0">
+              <a:lnSpc>
+                <a:spcPct val="100000"/>
+              </a:lnSpc>
+              <a:spcBef>
+                <a:spcPts val="0"/>
+              </a:spcBef>
+              <a:buNone/>
+            </a:pPr>
+            <a:r>
+              <a:rPr lang="en-US" sz="4800" dirty="0"/>
+              <a:t>private static </a:t>
+            </a:r>
+            <a:r>
+              <a:rPr lang="en-US" sz="4800" dirty="0" err="1"/>
+              <a:t>int</a:t>
+            </a:r>
+            <a:r>
+              <a:rPr lang="en-US" sz="4800" dirty="0"/>
+              <a:t> imperative</a:t>
+            </a:r>
+            <a:r>
+              <a:rPr lang="en-US" sz="4800" dirty="0" smtClean="0"/>
+              <a:t>() {</a:t>
+            </a:r>
+            <a:endParaRPr lang="en-US" sz="4800" dirty="0"/>
+          </a:p>
+          <a:p>
+            <a:pPr marL="0" indent="0">
+              <a:lnSpc>
+                <a:spcPct val="100000"/>
+              </a:lnSpc>
+              <a:spcBef>
+                <a:spcPts val="0"/>
+              </a:spcBef>
+              <a:buNone/>
+            </a:pPr>
+            <a:r>
+              <a:rPr lang="en-US" sz="4800" dirty="0" smtClean="0"/>
+              <a:t>    </a:t>
+            </a:r>
+            <a:r>
+              <a:rPr lang="en-US" sz="4800" dirty="0" err="1"/>
+              <a:t>var</a:t>
+            </a:r>
+            <a:r>
+              <a:rPr lang="en-US" sz="4800" dirty="0"/>
+              <a:t> result = 1;</a:t>
+            </a:r>
+          </a:p>
+          <a:p>
+            <a:pPr marL="0" indent="0">
+              <a:lnSpc>
+                <a:spcPct val="100000"/>
+              </a:lnSpc>
+              <a:spcBef>
+                <a:spcPts val="0"/>
+              </a:spcBef>
+              <a:buNone/>
+            </a:pPr>
+            <a:r>
+              <a:rPr lang="nn-NO" sz="4800" dirty="0" smtClean="0"/>
+              <a:t>    </a:t>
+            </a:r>
+            <a:r>
+              <a:rPr lang="nn-NO" sz="4800" dirty="0"/>
+              <a:t>for(int i = 2; i != 20; ++i</a:t>
+            </a:r>
+            <a:r>
+              <a:rPr lang="nn-NO" sz="4800" dirty="0" smtClean="0"/>
+              <a:t>)</a:t>
+            </a:r>
+          </a:p>
+          <a:p>
+            <a:pPr marL="0" indent="0">
+              <a:lnSpc>
+                <a:spcPct val="100000"/>
+              </a:lnSpc>
+              <a:spcBef>
+                <a:spcPts val="0"/>
+              </a:spcBef>
+              <a:buNone/>
+            </a:pPr>
+            <a:r>
+              <a:rPr lang="en-US" sz="4800" dirty="0" smtClean="0"/>
+              <a:t>        result </a:t>
+            </a:r>
+            <a:r>
+              <a:rPr lang="en-US" sz="4800" dirty="0"/>
+              <a:t>= lcm(result, </a:t>
+            </a:r>
+            <a:r>
+              <a:rPr lang="en-US" sz="4800" dirty="0" err="1"/>
+              <a:t>i</a:t>
+            </a:r>
+            <a:r>
+              <a:rPr lang="en-US" sz="4800" dirty="0"/>
+              <a:t>);</a:t>
+            </a:r>
+          </a:p>
+          <a:p>
+            <a:pPr marL="0" indent="0">
+              <a:lnSpc>
+                <a:spcPct val="100000"/>
+              </a:lnSpc>
+              <a:spcBef>
+                <a:spcPts val="0"/>
+              </a:spcBef>
+              <a:buNone/>
+            </a:pPr>
+            <a:r>
+              <a:rPr lang="en-US" sz="4800" dirty="0" smtClean="0"/>
+              <a:t>    return </a:t>
+            </a:r>
+            <a:r>
+              <a:rPr lang="en-US" sz="4800" dirty="0"/>
+              <a:t>result;</a:t>
+            </a:r>
+          </a:p>
+          <a:p>
+            <a:pPr marL="0" indent="0">
+              <a:lnSpc>
+                <a:spcPct val="100000"/>
+              </a:lnSpc>
+              <a:spcBef>
+                <a:spcPts val="0"/>
+              </a:spcBef>
+              <a:buNone/>
+            </a:pPr>
+            <a:r>
+              <a:rPr lang="en-US" sz="4800" dirty="0" smtClean="0"/>
+              <a:t>}</a:t>
+            </a:r>
+            <a:endParaRPr lang="en-US" sz="4800" dirty="0">
+              <a:solidFill>
+                <a:srgbClr val="FFFF00"/>
+              </a:solidFill>
+            </a:endParaRPr>
+          </a:p>
+        </p:txBody>
+      </p:sp>
+      <p:sp>
+        <p:nvSpPr>
+          <p:cNvPr id="6148" name="Footer Placeholder 3"/>
+          <p:cNvSpPr>
+            <a:spLocks noGrp="1"/>
+          </p:cNvSpPr>
+          <p:nvPr>
+            <p:ph type="ftr" sz="quarter" idx="11"/>
+          </p:nvPr>
+        </p:nvSpPr>
+        <p:spPr>
+          <a:noFill/>
+          <a:ln/>
+          <a:extLst>
+            <a:ext uri="{909E8E84-426E-40DD-AFC4-6F175D3DCCD1}">
+              <a14:hiddenFill xmlns:a14="http://schemas.microsoft.com/office/drawing/2010/main">
+                <a:solidFill>
+                  <a:srgbClr val="FFFFFF"/>
+                </a:solidFill>
+              </a14:hiddenFill>
+            </a:ext>
+            <a:ext uri="{91240B29-F687-4F45-9708-019B960494DF}">
+              <a14:hiddenLine xmlns:a14="http://schemas.microsoft.com/office/drawing/2010/main" w="9525">
+                <a:solidFill>
+                  <a:srgbClr val="000000"/>
+                </a:solidFill>
+                <a:miter lim="800000"/>
+                <a:headEnd/>
+                <a:tailEnd/>
+              </a14:hiddenLine>
+            </a:ext>
+          </a:extLst>
+        </p:spPr>
+        <p:txBody>
+          <a:bodyPr/>
+          <a:lstStyle>
+            <a:lvl1pPr eaLnBrk="0" hangingPunct="0">
+              <a:defRPr sz="2800" b="1">
+                <a:solidFill>
+                  <a:schemeClr val="tx1"/>
+                </a:solidFill>
+                <a:latin typeface="Arial" charset="0"/>
+              </a:defRPr>
+            </a:lvl1pPr>
+            <a:lvl2pPr marL="742950" indent="-285750" eaLnBrk="0" hangingPunct="0">
+              <a:defRPr sz="2800" b="1">
+                <a:solidFill>
+                  <a:schemeClr val="tx1"/>
+                </a:solidFill>
+                <a:latin typeface="Arial" charset="0"/>
+              </a:defRPr>
+            </a:lvl2pPr>
+            <a:lvl3pPr marL="1143000" indent="-228600" eaLnBrk="0" hangingPunct="0">
+              <a:defRPr sz="2800" b="1">
+                <a:solidFill>
+                  <a:schemeClr val="tx1"/>
+                </a:solidFill>
+                <a:latin typeface="Arial" charset="0"/>
+              </a:defRPr>
+            </a:lvl3pPr>
+            <a:lvl4pPr marL="1600200" indent="-228600" eaLnBrk="0" hangingPunct="0">
+              <a:defRPr sz="2800" b="1">
+                <a:solidFill>
+                  <a:schemeClr val="tx1"/>
+                </a:solidFill>
+                <a:latin typeface="Arial" charset="0"/>
+              </a:defRPr>
+            </a:lvl4pPr>
+            <a:lvl5pPr marL="2057400" indent="-228600" eaLnBrk="0" hangingPunct="0">
+              <a:defRPr sz="2800" b="1">
+                <a:solidFill>
+                  <a:schemeClr val="tx1"/>
+                </a:solidFill>
+                <a:latin typeface="Arial" charset="0"/>
+              </a:defRPr>
+            </a:lvl5pPr>
+            <a:lvl6pPr marL="2514600" indent="-228600" eaLnBrk="0" fontAlgn="base" hangingPunct="0">
+              <a:spcBef>
+                <a:spcPct val="0"/>
+              </a:spcBef>
+              <a:spcAft>
+                <a:spcPct val="0"/>
+              </a:spcAft>
+              <a:defRPr sz="2800" b="1">
+                <a:solidFill>
+                  <a:schemeClr val="tx1"/>
+                </a:solidFill>
+                <a:latin typeface="Arial" charset="0"/>
+              </a:defRPr>
+            </a:lvl6pPr>
+            <a:lvl7pPr marL="2971800" indent="-228600" eaLnBrk="0" fontAlgn="base" hangingPunct="0">
+              <a:spcBef>
+                <a:spcPct val="0"/>
+              </a:spcBef>
+              <a:spcAft>
+                <a:spcPct val="0"/>
+              </a:spcAft>
+              <a:defRPr sz="2800" b="1">
+                <a:solidFill>
+                  <a:schemeClr val="tx1"/>
+                </a:solidFill>
+                <a:latin typeface="Arial" charset="0"/>
+              </a:defRPr>
+            </a:lvl7pPr>
+            <a:lvl8pPr marL="3429000" indent="-228600" eaLnBrk="0" fontAlgn="base" hangingPunct="0">
+              <a:spcBef>
+                <a:spcPct val="0"/>
+              </a:spcBef>
+              <a:spcAft>
+                <a:spcPct val="0"/>
+              </a:spcAft>
+              <a:defRPr sz="2800" b="1">
+                <a:solidFill>
+                  <a:schemeClr val="tx1"/>
+                </a:solidFill>
+                <a:latin typeface="Arial" charset="0"/>
+              </a:defRPr>
+            </a:lvl8pPr>
+            <a:lvl9pPr marL="3886200" indent="-228600" eaLnBrk="0" fontAlgn="base" hangingPunct="0">
+              <a:spcBef>
+                <a:spcPct val="0"/>
+              </a:spcBef>
+              <a:spcAft>
+                <a:spcPct val="0"/>
+              </a:spcAft>
+              <a:defRPr sz="2800" b="1">
+                <a:solidFill>
+                  <a:schemeClr val="tx1"/>
+                </a:solidFill>
+                <a:latin typeface="Arial" charset="0"/>
+              </a:defRPr>
+            </a:lvl9pPr>
+          </a:lstStyle>
+          <a:p>
+            <a:r>
+              <a:rPr lang="en-US" sz="1400" b="0" smtClean="0">
+                <a:solidFill>
+                  <a:srgbClr val="FFFFFF"/>
+                </a:solidFill>
+              </a:rPr>
+              <a:t>Teradyne Confidential and Proprietary</a:t>
+            </a:r>
+          </a:p>
+        </p:txBody>
+      </p:sp>
+    </p:spTree>
+    <p:extLst>
+      <p:ext uri="{BB962C8B-B14F-4D97-AF65-F5344CB8AC3E}">
+        <p14:creationId xmlns:p14="http://schemas.microsoft.com/office/powerpoint/2010/main" val="2723938023"/>
+      </p:ext>
+    </p:extLst>
+  </p:cSld>
+  <p:clrMapOvr>
+    <a:masterClrMapping/>
+  </p:clrMapOvr>
+  <p:timing>
+    <p:tnLst>
+      <p:par>
+        <p:cTn id="1" dur="indefinite" restart="never" nodeType="tmRoot"/>
+      </p:par>
+    </p:tnLst>
+  </p:timing>
+</p:sld>
+</file>
+
+<file path=ppt/slides/slide8.xml><?xml version="1.0" encoding="utf-8"?>
+<p:sld xmlns:a="http://schemas.openxmlformats.org/drawingml/2006/main" xmlns:r="http://schemas.openxmlformats.org/officeDocument/2006/relationships" xmlns:p="http://schemas.openxmlformats.org/presentationml/2006/main">
+  <p:cSld>
+    <p:spTree>
+      <p:nvGrpSpPr>
+        <p:cNvPr id="1" name=""/>
+        <p:cNvGrpSpPr/>
+        <p:nvPr/>
+      </p:nvGrpSpPr>
+      <p:grpSpPr>
+        <a:xfrm>
+          <a:off x="0" y="0"/>
+          <a:ext cx="0" cy="0"/>
+          <a:chOff x="0" y="0"/>
+          <a:chExt cx="0" cy="0"/>
+        </a:xfrm>
+      </p:grpSpPr>
+      <p:sp>
+        <p:nvSpPr>
+          <p:cNvPr id="6146" name="Title 1"/>
+          <p:cNvSpPr>
+            <a:spLocks noGrp="1"/>
+          </p:cNvSpPr>
+          <p:nvPr>
+            <p:ph type="title"/>
+          </p:nvPr>
+        </p:nvSpPr>
+        <p:spPr/>
+        <p:txBody>
+          <a:bodyPr/>
+          <a:lstStyle/>
+          <a:p>
+            <a:r>
+              <a:rPr lang="en-US" dirty="0" smtClean="0"/>
               <a:t>Performance Comparison</a:t>
             </a:r>
           </a:p>
@@ -6115,14 +7396,14 @@
             <p:ph idx="1"/>
             <p:extLst>
               <p:ext uri="{D42A27DB-BD31-4B8C-83A1-F6EECF244321}">
-                <p14:modId xmlns:p14="http://schemas.microsoft.com/office/powerpoint/2010/main" val="3699688373"/>
+                <p14:modId xmlns:p14="http://schemas.microsoft.com/office/powerpoint/2010/main" val="1068759109"/>
               </p:ext>
             </p:extLst>
           </p:nvPr>
         </p:nvGraphicFramePr>
         <p:xfrm>
-          <a:off x="685800" y="1219200"/>
-          <a:ext cx="7773139" cy="1854200"/>
+          <a:off x="1696102" y="1286107"/>
+          <a:ext cx="5829854" cy="1381760"/>
         </p:xfrm>
         <a:graphic>
           <a:graphicData uri="http://schemas.openxmlformats.org/drawingml/2006/table">
@@ -6133,7 +7414,6 @@
               <a:tblGrid>
                 <a:gridCol w="2272255"/>
                 <a:gridCol w="1614314"/>
-                <a:gridCol w="1943285"/>
                 <a:gridCol w="1943285"/>
               </a:tblGrid>
               <a:tr h="370840">
@@ -6370,12 +7650,13 @@
                     <a:noFill/>
                   </a:tcPr>
                 </a:tc>
+              </a:tr>
+              <a:tr h="370840">
                 <a:tc>
                   <a:txBody>
                     <a:bodyPr/>
                     <a:lstStyle/>
                     <a:p>
-                      <a:pPr algn="r"/>
                       <a:r>
                         <a:rPr lang="en-US" dirty="0" smtClean="0">
                           <a:ln>
@@ -6385,75 +7666,7 @@
                             <a:srgbClr val="FFFF00"/>
                           </a:solidFill>
                         </a:rPr>
-                        <a:t>Iterations</a:t>
-                      </a:r>
-                      <a:endParaRPr lang="en-US" dirty="0">
-                        <a:ln>
-                          <a:noFill/>
-                        </a:ln>
-                        <a:solidFill>
-                          <a:srgbClr val="FFFF00"/>
-                        </a:solidFill>
-                      </a:endParaRPr>
-                    </a:p>
-                  </a:txBody>
-                  <a:tcPr marL="116313" marR="116313">
-                    <a:lnL w="12700" cap="flat" cmpd="sng" algn="ctr">
-                      <a:solidFill>
-                        <a:srgbClr val="FFFF00"/>
-                      </a:solidFill>
-                      <a:prstDash val="solid"/>
-                      <a:round/>
-                      <a:headEnd type="none" w="med" len="med"/>
-                      <a:tailEnd type="none" w="med" len="med"/>
-                    </a:lnL>
-                    <a:lnR w="12700" cap="flat" cmpd="sng" algn="ctr">
-                      <a:solidFill>
-                        <a:srgbClr val="FFFF00"/>
-                      </a:solidFill>
-                      <a:prstDash val="solid"/>
-                      <a:round/>
-                      <a:headEnd type="none" w="med" len="med"/>
-                      <a:tailEnd type="none" w="med" len="med"/>
-                    </a:lnR>
-                    <a:lnT w="12700" cap="flat" cmpd="sng" algn="ctr">
-                      <a:solidFill>
-                        <a:srgbClr val="FFFF00"/>
-                      </a:solidFill>
-                      <a:prstDash val="solid"/>
-                      <a:round/>
-                      <a:headEnd type="none" w="med" len="med"/>
-                      <a:tailEnd type="none" w="med" len="med"/>
-                    </a:lnT>
-                    <a:lnB w="12700" cap="flat" cmpd="sng" algn="ctr">
-                      <a:solidFill>
-                        <a:srgbClr val="FFFF00"/>
-                      </a:solidFill>
-                      <a:prstDash val="solid"/>
-                      <a:round/>
-                      <a:headEnd type="none" w="med" len="med"/>
-                      <a:tailEnd type="none" w="med" len="med"/>
-                    </a:lnB>
-                    <a:noFill/>
-                  </a:tcPr>
-                </a:tc>
-              </a:tr>
-              <a:tr h="370840">
-                <a:tc>
-                  <a:txBody>
-                    <a:bodyPr/>
-                    <a:lstStyle/>
-                    <a:p>
-                      <a:r>
-                        <a:rPr lang="en-US" dirty="0" err="1" smtClean="0">
-                          <a:ln>
-                            <a:noFill/>
-                          </a:ln>
-                          <a:solidFill>
-                            <a:srgbClr val="FFFF00"/>
-                          </a:solidFill>
-                        </a:rPr>
-                        <a:t>imperativeString</a:t>
+                        <a:t>Brute Force</a:t>
                       </a:r>
                       <a:endParaRPr lang="en-US" dirty="0">
                         <a:ln>
@@ -6520,7 +7733,7 @@
                             <a:srgbClr val="FFFF00"/>
                           </a:solidFill>
                         </a:rPr>
-                        <a:t>220</a:t>
+                        <a:t>1200</a:t>
                       </a:r>
                       <a:endParaRPr lang="en-US" dirty="0">
                         <a:ln>
@@ -6587,74 +7800,7 @@
                             <a:srgbClr val="FFFF00"/>
                           </a:solidFill>
                         </a:rPr>
-                        <a:t>210</a:t>
-                      </a:r>
-                      <a:endParaRPr lang="en-US" dirty="0">
-                        <a:ln>
-                          <a:noFill/>
-                        </a:ln>
-                        <a:solidFill>
-                          <a:srgbClr val="FFFF00"/>
-                        </a:solidFill>
-                      </a:endParaRPr>
-                    </a:p>
-                  </a:txBody>
-                  <a:tcPr marL="116313" marR="116313">
-                    <a:lnL w="12700" cap="flat" cmpd="sng" algn="ctr">
-                      <a:solidFill>
-                        <a:srgbClr val="FFFF00"/>
-                      </a:solidFill>
-                      <a:prstDash val="solid"/>
-                      <a:round/>
-                      <a:headEnd type="none" w="med" len="med"/>
-                      <a:tailEnd type="none" w="med" len="med"/>
-                    </a:lnL>
-                    <a:lnR w="12700" cap="flat" cmpd="sng" algn="ctr">
-                      <a:solidFill>
-                        <a:srgbClr val="FFFF00"/>
-                      </a:solidFill>
-                      <a:prstDash val="solid"/>
-                      <a:round/>
-                      <a:headEnd type="none" w="med" len="med"/>
-                      <a:tailEnd type="none" w="med" len="med"/>
-                    </a:lnR>
-                    <a:lnT w="12700" cap="flat" cmpd="sng" algn="ctr">
-                      <a:solidFill>
-                        <a:srgbClr val="FFFF00"/>
-                      </a:solidFill>
-                      <a:prstDash val="solid"/>
-                      <a:round/>
-                      <a:headEnd type="none" w="med" len="med"/>
-                      <a:tailEnd type="none" w="med" len="med"/>
-                    </a:lnT>
-                    <a:lnB w="12700" cap="flat" cmpd="sng" algn="ctr">
-                      <a:solidFill>
-                        <a:srgbClr val="FFFF00"/>
-                      </a:solidFill>
-                      <a:prstDash val="solid"/>
-                      <a:round/>
-                      <a:headEnd type="none" w="med" len="med"/>
-                      <a:tailEnd type="none" w="med" len="med"/>
-                    </a:lnB>
-                    <a:noFill/>
-                  </a:tcPr>
-                </a:tc>
-                <a:tc>
-                  <a:txBody>
-                    <a:bodyPr/>
-                    <a:lstStyle/>
-                    <a:p>
-                      <a:pPr algn="r"/>
-                      <a:r>
-                        <a:rPr lang="en-US" dirty="0" smtClean="0">
-                          <a:ln>
-                            <a:noFill/>
-                          </a:ln>
-                          <a:solidFill>
-                            <a:srgbClr val="FFFF00"/>
-                          </a:solidFill>
-                        </a:rPr>
-                        <a:t>810000</a:t>
+                        <a:t>1300</a:t>
                       </a:r>
                       <a:endParaRPr lang="en-US" dirty="0">
                         <a:ln>
@@ -6722,7 +7868,18 @@
                             <a:srgbClr val="FFFF00"/>
                           </a:solidFill>
                         </a:rPr>
-                        <a:t>imperativeString2</a:t>
+                        <a:t>Least</a:t>
+                      </a:r>
+                      <a:r>
+                        <a:rPr lang="en-US" baseline="0" dirty="0" smtClean="0">
+                          <a:ln>
+                            <a:noFill/>
+                          </a:ln>
+                          <a:solidFill>
+                            <a:srgbClr val="FFFF00"/>
+                          </a:solidFill>
+                        </a:rPr>
+                        <a:t> Common Multiple</a:t>
                       </a:r>
                       <a:endParaRPr lang="en-US" dirty="0">
                         <a:ln>
@@ -6789,7 +7946,7 @@
                             <a:srgbClr val="FFFF00"/>
                           </a:solidFill>
                         </a:rPr>
-                        <a:t>110</a:t>
+                        <a:t>0.31</a:t>
                       </a:r>
                       <a:endParaRPr lang="en-US" dirty="0">
                         <a:ln>
@@ -6856,612 +8013,7 @@
                             <a:srgbClr val="FFFF00"/>
                           </a:solidFill>
                         </a:rPr>
-                        <a:t>100</a:t>
-                      </a:r>
-                      <a:endParaRPr lang="en-US" dirty="0">
-                        <a:ln>
-                          <a:noFill/>
-                        </a:ln>
-                        <a:solidFill>
-                          <a:srgbClr val="FFFF00"/>
-                        </a:solidFill>
-                      </a:endParaRPr>
-                    </a:p>
-                  </a:txBody>
-                  <a:tcPr marL="116313" marR="116313">
-                    <a:lnL w="12700" cap="flat" cmpd="sng" algn="ctr">
-                      <a:solidFill>
-                        <a:srgbClr val="FFFF00"/>
-                      </a:solidFill>
-                      <a:prstDash val="solid"/>
-                      <a:round/>
-                      <a:headEnd type="none" w="med" len="med"/>
-                      <a:tailEnd type="none" w="med" len="med"/>
-                    </a:lnL>
-                    <a:lnR w="12700" cap="flat" cmpd="sng" algn="ctr">
-                      <a:solidFill>
-                        <a:srgbClr val="FFFF00"/>
-                      </a:solidFill>
-                      <a:prstDash val="solid"/>
-                      <a:round/>
-                      <a:headEnd type="none" w="med" len="med"/>
-                      <a:tailEnd type="none" w="med" len="med"/>
-                    </a:lnR>
-                    <a:lnT w="12700" cap="flat" cmpd="sng" algn="ctr">
-                      <a:solidFill>
-                        <a:srgbClr val="FFFF00"/>
-                      </a:solidFill>
-                      <a:prstDash val="solid"/>
-                      <a:round/>
-                      <a:headEnd type="none" w="med" len="med"/>
-                      <a:tailEnd type="none" w="med" len="med"/>
-                    </a:lnT>
-                    <a:lnB w="12700" cap="flat" cmpd="sng" algn="ctr">
-                      <a:solidFill>
-                        <a:srgbClr val="FFFF00"/>
-                      </a:solidFill>
-                      <a:prstDash val="solid"/>
-                      <a:round/>
-                      <a:headEnd type="none" w="med" len="med"/>
-                      <a:tailEnd type="none" w="med" len="med"/>
-                    </a:lnB>
-                    <a:noFill/>
-                  </a:tcPr>
-                </a:tc>
-                <a:tc>
-                  <a:txBody>
-                    <a:bodyPr/>
-                    <a:lstStyle/>
-                    <a:p>
-                      <a:pPr algn="r"/>
-                      <a:r>
-                        <a:rPr lang="en-US" dirty="0" smtClean="0">
-                          <a:ln>
-                            <a:noFill/>
-                          </a:ln>
-                          <a:solidFill>
-                            <a:srgbClr val="FFFF00"/>
-                          </a:solidFill>
-                        </a:rPr>
-                        <a:t>405450</a:t>
-                      </a:r>
-                      <a:endParaRPr lang="en-US" dirty="0">
-                        <a:ln>
-                          <a:noFill/>
-                        </a:ln>
-                        <a:solidFill>
-                          <a:srgbClr val="FFFF00"/>
-                        </a:solidFill>
-                      </a:endParaRPr>
-                    </a:p>
-                  </a:txBody>
-                  <a:tcPr marL="116313" marR="116313">
-                    <a:lnL w="12700" cap="flat" cmpd="sng" algn="ctr">
-                      <a:solidFill>
-                        <a:srgbClr val="FFFF00"/>
-                      </a:solidFill>
-                      <a:prstDash val="solid"/>
-                      <a:round/>
-                      <a:headEnd type="none" w="med" len="med"/>
-                      <a:tailEnd type="none" w="med" len="med"/>
-                    </a:lnL>
-                    <a:lnR w="12700" cap="flat" cmpd="sng" algn="ctr">
-                      <a:solidFill>
-                        <a:srgbClr val="FFFF00"/>
-                      </a:solidFill>
-                      <a:prstDash val="solid"/>
-                      <a:round/>
-                      <a:headEnd type="none" w="med" len="med"/>
-                      <a:tailEnd type="none" w="med" len="med"/>
-                    </a:lnR>
-                    <a:lnT w="12700" cap="flat" cmpd="sng" algn="ctr">
-                      <a:solidFill>
-                        <a:srgbClr val="FFFF00"/>
-                      </a:solidFill>
-                      <a:prstDash val="solid"/>
-                      <a:round/>
-                      <a:headEnd type="none" w="med" len="med"/>
-                      <a:tailEnd type="none" w="med" len="med"/>
-                    </a:lnT>
-                    <a:lnB w="12700" cap="flat" cmpd="sng" algn="ctr">
-                      <a:solidFill>
-                        <a:srgbClr val="FFFF00"/>
-                      </a:solidFill>
-                      <a:prstDash val="solid"/>
-                      <a:round/>
-                      <a:headEnd type="none" w="med" len="med"/>
-                      <a:tailEnd type="none" w="med" len="med"/>
-                    </a:lnB>
-                    <a:noFill/>
-                  </a:tcPr>
-                </a:tc>
-              </a:tr>
-              <a:tr h="370840">
-                <a:tc>
-                  <a:txBody>
-                    <a:bodyPr/>
-                    <a:lstStyle/>
-                    <a:p>
-                      <a:r>
-                        <a:rPr lang="en-US" dirty="0" err="1" smtClean="0">
-                          <a:ln>
-                            <a:noFill/>
-                          </a:ln>
-                          <a:solidFill>
-                            <a:srgbClr val="FFFF00"/>
-                          </a:solidFill>
-                        </a:rPr>
-                        <a:t>imperativeNumber</a:t>
-                      </a:r>
-                      <a:endParaRPr lang="en-US" dirty="0">
-                        <a:ln>
-                          <a:noFill/>
-                        </a:ln>
-                        <a:solidFill>
-                          <a:srgbClr val="FFFF00"/>
-                        </a:solidFill>
-                      </a:endParaRPr>
-                    </a:p>
-                  </a:txBody>
-                  <a:tcPr marL="116313" marR="116313">
-                    <a:lnL w="12700" cap="flat" cmpd="sng" algn="ctr">
-                      <a:solidFill>
-                        <a:srgbClr val="FFFF00"/>
-                      </a:solidFill>
-                      <a:prstDash val="solid"/>
-                      <a:round/>
-                      <a:headEnd type="none" w="med" len="med"/>
-                      <a:tailEnd type="none" w="med" len="med"/>
-                    </a:lnL>
-                    <a:lnR w="12700" cap="flat" cmpd="sng" algn="ctr">
-                      <a:solidFill>
-                        <a:srgbClr val="FFFF00"/>
-                      </a:solidFill>
-                      <a:prstDash val="solid"/>
-                      <a:round/>
-                      <a:headEnd type="none" w="med" len="med"/>
-                      <a:tailEnd type="none" w="med" len="med"/>
-                    </a:lnR>
-                    <a:lnT w="12700" cap="flat" cmpd="sng" algn="ctr">
-                      <a:solidFill>
-                        <a:srgbClr val="FFFF00"/>
-                      </a:solidFill>
-                      <a:prstDash val="solid"/>
-                      <a:round/>
-                      <a:headEnd type="none" w="med" len="med"/>
-                      <a:tailEnd type="none" w="med" len="med"/>
-                    </a:lnT>
-                    <a:lnB w="12700" cap="flat" cmpd="sng" algn="ctr">
-                      <a:solidFill>
-                        <a:srgbClr val="FFFF00"/>
-                      </a:solidFill>
-                      <a:prstDash val="solid"/>
-                      <a:round/>
-                      <a:headEnd type="none" w="med" len="med"/>
-                      <a:tailEnd type="none" w="med" len="med"/>
-                    </a:lnB>
-                    <a:noFill/>
-                  </a:tcPr>
-                </a:tc>
-                <a:tc>
-                  <a:txBody>
-                    <a:bodyPr/>
-                    <a:lstStyle/>
-                    <a:p>
-                      <a:pPr algn="r"/>
-                      <a:r>
-                        <a:rPr lang="en-US" dirty="0" smtClean="0">
-                          <a:ln>
-                            <a:noFill/>
-                          </a:ln>
-                          <a:solidFill>
-                            <a:srgbClr val="FFFF00"/>
-                          </a:solidFill>
-                        </a:rPr>
-                        <a:t>17</a:t>
-                      </a:r>
-                      <a:endParaRPr lang="en-US" dirty="0">
-                        <a:ln>
-                          <a:noFill/>
-                        </a:ln>
-                        <a:solidFill>
-                          <a:srgbClr val="FFFF00"/>
-                        </a:solidFill>
-                      </a:endParaRPr>
-                    </a:p>
-                  </a:txBody>
-                  <a:tcPr marL="116313" marR="116313">
-                    <a:lnL w="12700" cap="flat" cmpd="sng" algn="ctr">
-                      <a:solidFill>
-                        <a:srgbClr val="FFFF00"/>
-                      </a:solidFill>
-                      <a:prstDash val="solid"/>
-                      <a:round/>
-                      <a:headEnd type="none" w="med" len="med"/>
-                      <a:tailEnd type="none" w="med" len="med"/>
-                    </a:lnL>
-                    <a:lnR w="12700" cap="flat" cmpd="sng" algn="ctr">
-                      <a:solidFill>
-                        <a:srgbClr val="FFFF00"/>
-                      </a:solidFill>
-                      <a:prstDash val="solid"/>
-                      <a:round/>
-                      <a:headEnd type="none" w="med" len="med"/>
-                      <a:tailEnd type="none" w="med" len="med"/>
-                    </a:lnR>
-                    <a:lnT w="12700" cap="flat" cmpd="sng" algn="ctr">
-                      <a:solidFill>
-                        <a:srgbClr val="FFFF00"/>
-                      </a:solidFill>
-                      <a:prstDash val="solid"/>
-                      <a:round/>
-                      <a:headEnd type="none" w="med" len="med"/>
-                      <a:tailEnd type="none" w="med" len="med"/>
-                    </a:lnT>
-                    <a:lnB w="12700" cap="flat" cmpd="sng" algn="ctr">
-                      <a:solidFill>
-                        <a:srgbClr val="FFFF00"/>
-                      </a:solidFill>
-                      <a:prstDash val="solid"/>
-                      <a:round/>
-                      <a:headEnd type="none" w="med" len="med"/>
-                      <a:tailEnd type="none" w="med" len="med"/>
-                    </a:lnB>
-                    <a:noFill/>
-                  </a:tcPr>
-                </a:tc>
-                <a:tc>
-                  <a:txBody>
-                    <a:bodyPr/>
-                    <a:lstStyle/>
-                    <a:p>
-                      <a:pPr algn="r"/>
-                      <a:r>
-                        <a:rPr lang="en-US" dirty="0" smtClean="0">
-                          <a:ln>
-                            <a:noFill/>
-                          </a:ln>
-                          <a:solidFill>
-                            <a:srgbClr val="FFFF00"/>
-                          </a:solidFill>
-                        </a:rPr>
-                        <a:t>4.1</a:t>
-                      </a:r>
-                      <a:endParaRPr lang="en-US" dirty="0">
-                        <a:ln>
-                          <a:noFill/>
-                        </a:ln>
-                        <a:solidFill>
-                          <a:srgbClr val="FFFF00"/>
-                        </a:solidFill>
-                      </a:endParaRPr>
-                    </a:p>
-                  </a:txBody>
-                  <a:tcPr marL="116313" marR="116313">
-                    <a:lnL w="12700" cap="flat" cmpd="sng" algn="ctr">
-                      <a:solidFill>
-                        <a:srgbClr val="FFFF00"/>
-                      </a:solidFill>
-                      <a:prstDash val="solid"/>
-                      <a:round/>
-                      <a:headEnd type="none" w="med" len="med"/>
-                      <a:tailEnd type="none" w="med" len="med"/>
-                    </a:lnL>
-                    <a:lnR w="12700" cap="flat" cmpd="sng" algn="ctr">
-                      <a:solidFill>
-                        <a:srgbClr val="FFFF00"/>
-                      </a:solidFill>
-                      <a:prstDash val="solid"/>
-                      <a:round/>
-                      <a:headEnd type="none" w="med" len="med"/>
-                      <a:tailEnd type="none" w="med" len="med"/>
-                    </a:lnR>
-                    <a:lnT w="12700" cap="flat" cmpd="sng" algn="ctr">
-                      <a:solidFill>
-                        <a:srgbClr val="FFFF00"/>
-                      </a:solidFill>
-                      <a:prstDash val="solid"/>
-                      <a:round/>
-                      <a:headEnd type="none" w="med" len="med"/>
-                      <a:tailEnd type="none" w="med" len="med"/>
-                    </a:lnT>
-                    <a:lnB w="12700" cap="flat" cmpd="sng" algn="ctr">
-                      <a:solidFill>
-                        <a:srgbClr val="FFFF00"/>
-                      </a:solidFill>
-                      <a:prstDash val="solid"/>
-                      <a:round/>
-                      <a:headEnd type="none" w="med" len="med"/>
-                      <a:tailEnd type="none" w="med" len="med"/>
-                    </a:lnB>
-                    <a:noFill/>
-                  </a:tcPr>
-                </a:tc>
-                <a:tc>
-                  <a:txBody>
-                    <a:bodyPr/>
-                    <a:lstStyle/>
-                    <a:p>
-                      <a:pPr algn="r"/>
-                      <a:r>
-                        <a:rPr lang="en-US" dirty="0" smtClean="0">
-                          <a:ln>
-                            <a:noFill/>
-                          </a:ln>
-                          <a:solidFill>
-                            <a:srgbClr val="FFFF00"/>
-                          </a:solidFill>
-                        </a:rPr>
-                        <a:t>405450</a:t>
-                      </a:r>
-                      <a:endParaRPr lang="en-US" dirty="0">
-                        <a:ln>
-                          <a:noFill/>
-                        </a:ln>
-                        <a:solidFill>
-                          <a:srgbClr val="FFFF00"/>
-                        </a:solidFill>
-                      </a:endParaRPr>
-                    </a:p>
-                  </a:txBody>
-                  <a:tcPr marL="116313" marR="116313">
-                    <a:lnL w="12700" cap="flat" cmpd="sng" algn="ctr">
-                      <a:solidFill>
-                        <a:srgbClr val="FFFF00"/>
-                      </a:solidFill>
-                      <a:prstDash val="solid"/>
-                      <a:round/>
-                      <a:headEnd type="none" w="med" len="med"/>
-                      <a:tailEnd type="none" w="med" len="med"/>
-                    </a:lnL>
-                    <a:lnR w="12700" cap="flat" cmpd="sng" algn="ctr">
-                      <a:solidFill>
-                        <a:srgbClr val="FFFF00"/>
-                      </a:solidFill>
-                      <a:prstDash val="solid"/>
-                      <a:round/>
-                      <a:headEnd type="none" w="med" len="med"/>
-                      <a:tailEnd type="none" w="med" len="med"/>
-                    </a:lnR>
-                    <a:lnT w="12700" cap="flat" cmpd="sng" algn="ctr">
-                      <a:solidFill>
-                        <a:srgbClr val="FFFF00"/>
-                      </a:solidFill>
-                      <a:prstDash val="solid"/>
-                      <a:round/>
-                      <a:headEnd type="none" w="med" len="med"/>
-                      <a:tailEnd type="none" w="med" len="med"/>
-                    </a:lnT>
-                    <a:lnB w="12700" cap="flat" cmpd="sng" algn="ctr">
-                      <a:solidFill>
-                        <a:srgbClr val="FFFF00"/>
-                      </a:solidFill>
-                      <a:prstDash val="solid"/>
-                      <a:round/>
-                      <a:headEnd type="none" w="med" len="med"/>
-                      <a:tailEnd type="none" w="med" len="med"/>
-                    </a:lnB>
-                    <a:noFill/>
-                  </a:tcPr>
-                </a:tc>
-              </a:tr>
-              <a:tr h="370840">
-                <a:tc>
-                  <a:txBody>
-                    <a:bodyPr/>
-                    <a:lstStyle/>
-                    <a:p>
-                      <a:r>
-                        <a:rPr lang="en-US" dirty="0" smtClean="0">
-                          <a:ln>
-                            <a:noFill/>
-                          </a:ln>
-                          <a:solidFill>
-                            <a:srgbClr val="FFFF00"/>
-                          </a:solidFill>
-                        </a:rPr>
-                        <a:t>imperativeNumber2</a:t>
-                      </a:r>
-                      <a:endParaRPr lang="en-US" dirty="0">
-                        <a:ln>
-                          <a:noFill/>
-                        </a:ln>
-                        <a:solidFill>
-                          <a:srgbClr val="FFFF00"/>
-                        </a:solidFill>
-                      </a:endParaRPr>
-                    </a:p>
-                  </a:txBody>
-                  <a:tcPr marL="116313" marR="116313">
-                    <a:lnL w="12700" cap="flat" cmpd="sng" algn="ctr">
-                      <a:solidFill>
-                        <a:srgbClr val="FFFF00"/>
-                      </a:solidFill>
-                      <a:prstDash val="solid"/>
-                      <a:round/>
-                      <a:headEnd type="none" w="med" len="med"/>
-                      <a:tailEnd type="none" w="med" len="med"/>
-                    </a:lnL>
-                    <a:lnR w="12700" cap="flat" cmpd="sng" algn="ctr">
-                      <a:solidFill>
-                        <a:srgbClr val="FFFF00"/>
-                      </a:solidFill>
-                      <a:prstDash val="solid"/>
-                      <a:round/>
-                      <a:headEnd type="none" w="med" len="med"/>
-                      <a:tailEnd type="none" w="med" len="med"/>
-                    </a:lnR>
-                    <a:lnT w="12700" cap="flat" cmpd="sng" algn="ctr">
-                      <a:solidFill>
-                        <a:srgbClr val="FFFF00"/>
-                      </a:solidFill>
-                      <a:prstDash val="solid"/>
-                      <a:round/>
-                      <a:headEnd type="none" w="med" len="med"/>
-                      <a:tailEnd type="none" w="med" len="med"/>
-                    </a:lnT>
-                    <a:lnB w="12700" cap="flat" cmpd="sng" algn="ctr">
-                      <a:solidFill>
-                        <a:srgbClr val="FFFF00"/>
-                      </a:solidFill>
-                      <a:prstDash val="solid"/>
-                      <a:round/>
-                      <a:headEnd type="none" w="med" len="med"/>
-                      <a:tailEnd type="none" w="med" len="med"/>
-                    </a:lnB>
-                    <a:noFill/>
-                  </a:tcPr>
-                </a:tc>
-                <a:tc>
-                  <a:txBody>
-                    <a:bodyPr/>
-                    <a:lstStyle/>
-                    <a:p>
-                      <a:pPr algn="r"/>
-                      <a:r>
-                        <a:rPr lang="en-US" dirty="0" smtClean="0">
-                          <a:ln>
-                            <a:noFill/>
-                          </a:ln>
-                          <a:solidFill>
-                            <a:srgbClr val="FFFF00"/>
-                          </a:solidFill>
-                        </a:rPr>
-                        <a:t>0.13</a:t>
-                      </a:r>
-                      <a:endParaRPr lang="en-US" dirty="0">
-                        <a:ln>
-                          <a:noFill/>
-                        </a:ln>
-                        <a:solidFill>
-                          <a:srgbClr val="FFFF00"/>
-                        </a:solidFill>
-                      </a:endParaRPr>
-                    </a:p>
-                  </a:txBody>
-                  <a:tcPr marL="116313" marR="116313">
-                    <a:lnL w="12700" cap="flat" cmpd="sng" algn="ctr">
-                      <a:solidFill>
-                        <a:srgbClr val="FFFF00"/>
-                      </a:solidFill>
-                      <a:prstDash val="solid"/>
-                      <a:round/>
-                      <a:headEnd type="none" w="med" len="med"/>
-                      <a:tailEnd type="none" w="med" len="med"/>
-                    </a:lnL>
-                    <a:lnR w="12700" cap="flat" cmpd="sng" algn="ctr">
-                      <a:solidFill>
-                        <a:srgbClr val="FFFF00"/>
-                      </a:solidFill>
-                      <a:prstDash val="solid"/>
-                      <a:round/>
-                      <a:headEnd type="none" w="med" len="med"/>
-                      <a:tailEnd type="none" w="med" len="med"/>
-                    </a:lnR>
-                    <a:lnT w="12700" cap="flat" cmpd="sng" algn="ctr">
-                      <a:solidFill>
-                        <a:srgbClr val="FFFF00"/>
-                      </a:solidFill>
-                      <a:prstDash val="solid"/>
-                      <a:round/>
-                      <a:headEnd type="none" w="med" len="med"/>
-                      <a:tailEnd type="none" w="med" len="med"/>
-                    </a:lnT>
-                    <a:lnB w="12700" cap="flat" cmpd="sng" algn="ctr">
-                      <a:solidFill>
-                        <a:srgbClr val="FFFF00"/>
-                      </a:solidFill>
-                      <a:prstDash val="solid"/>
-                      <a:round/>
-                      <a:headEnd type="none" w="med" len="med"/>
-                      <a:tailEnd type="none" w="med" len="med"/>
-                    </a:lnB>
-                    <a:noFill/>
-                  </a:tcPr>
-                </a:tc>
-                <a:tc>
-                  <a:txBody>
-                    <a:bodyPr/>
-                    <a:lstStyle/>
-                    <a:p>
-                      <a:pPr algn="r"/>
-                      <a:r>
-                        <a:rPr lang="en-US" dirty="0" smtClean="0">
-                          <a:ln>
-                            <a:noFill/>
-                          </a:ln>
-                          <a:solidFill>
-                            <a:srgbClr val="FFFF00"/>
-                          </a:solidFill>
-                        </a:rPr>
-                        <a:t>0.035</a:t>
-                      </a:r>
-                      <a:endParaRPr lang="en-US" dirty="0">
-                        <a:ln>
-                          <a:noFill/>
-                        </a:ln>
-                        <a:solidFill>
-                          <a:srgbClr val="FFFF00"/>
-                        </a:solidFill>
-                      </a:endParaRPr>
-                    </a:p>
-                  </a:txBody>
-                  <a:tcPr marL="116313" marR="116313">
-                    <a:lnL w="12700" cap="flat" cmpd="sng" algn="ctr">
-                      <a:solidFill>
-                        <a:srgbClr val="FFFF00"/>
-                      </a:solidFill>
-                      <a:prstDash val="solid"/>
-                      <a:round/>
-                      <a:headEnd type="none" w="med" len="med"/>
-                      <a:tailEnd type="none" w="med" len="med"/>
-                    </a:lnL>
-                    <a:lnR w="12700" cap="flat" cmpd="sng" algn="ctr">
-                      <a:solidFill>
-                        <a:srgbClr val="FFFF00"/>
-                      </a:solidFill>
-                      <a:prstDash val="solid"/>
-                      <a:round/>
-                      <a:headEnd type="none" w="med" len="med"/>
-                      <a:tailEnd type="none" w="med" len="med"/>
-                    </a:lnR>
-                    <a:lnT w="12700" cap="flat" cmpd="sng" algn="ctr">
-                      <a:solidFill>
-                        <a:srgbClr val="FFFF00"/>
-                      </a:solidFill>
-                      <a:prstDash val="solid"/>
-                      <a:round/>
-                      <a:headEnd type="none" w="med" len="med"/>
-                      <a:tailEnd type="none" w="med" len="med"/>
-                    </a:lnT>
-                    <a:lnB w="12700" cap="flat" cmpd="sng" algn="ctr">
-                      <a:solidFill>
-                        <a:srgbClr val="FFFF00"/>
-                      </a:solidFill>
-                      <a:prstDash val="solid"/>
-                      <a:round/>
-                      <a:headEnd type="none" w="med" len="med"/>
-                      <a:tailEnd type="none" w="med" len="med"/>
-                    </a:lnB>
-                    <a:noFill/>
-                  </a:tcPr>
-                </a:tc>
-                <a:tc>
-                  <a:txBody>
-                    <a:bodyPr/>
-                    <a:lstStyle/>
-                    <a:p>
-                      <a:pPr algn="r"/>
-                      <a:r>
-                        <a:rPr lang="en-US" dirty="0" smtClean="0">
-                          <a:ln>
-                            <a:noFill/>
-                          </a:ln>
-                          <a:solidFill>
-                            <a:srgbClr val="FFFF00"/>
-                          </a:solidFill>
-                        </a:rPr>
-                        <a:t>3975</a:t>
+                        <a:t>0.30</a:t>
                       </a:r>
                       <a:endParaRPr lang="en-US" dirty="0">
                         <a:ln>
@@ -7671,3280 +8223,6 @@
         </p:nvSpPr>
         <p:spPr>
           <a:xfrm>
-            <a:off x="680224" y="3679190"/>
-            <a:ext cx="7861610" cy="954107"/>
-          </a:xfrm>
-          <a:prstGeom prst="rect">
-            <a:avLst/>
-          </a:prstGeom>
-          <a:noFill/>
-        </p:spPr>
-        <p:txBody>
-          <a:bodyPr wrap="square" rtlCol="0">
-            <a:spAutoFit/>
-          </a:bodyPr>
-          <a:lstStyle/>
-          <a:p>
-            <a:pPr marL="457200" indent="-457200">
-              <a:buFont typeface="Arial" pitchFamily="34" charset="0"/>
-              <a:buChar char="•"/>
-            </a:pPr>
-            <a:r>
-              <a:rPr lang="en-US" b="0" dirty="0" smtClean="0">
-                <a:solidFill>
-                  <a:srgbClr val="FFFF00"/>
-                </a:solidFill>
-              </a:rPr>
-              <a:t>Less Work = Less Time!</a:t>
-            </a:r>
-          </a:p>
-          <a:p>
-            <a:pPr marL="457200" indent="-457200">
-              <a:buFont typeface="Arial" pitchFamily="34" charset="0"/>
-              <a:buChar char="•"/>
-            </a:pPr>
-            <a:r>
-              <a:rPr lang="en-US" b="0" dirty="0" smtClean="0">
-                <a:solidFill>
-                  <a:srgbClr val="FFFF00"/>
-                </a:solidFill>
-              </a:rPr>
-              <a:t>Reduce the search space if possible.</a:t>
-            </a:r>
-            <a:endParaRPr lang="en-US" b="0" dirty="0" smtClean="0">
-              <a:solidFill>
-                <a:srgbClr val="FFFF00"/>
-              </a:solidFill>
-            </a:endParaRPr>
-          </a:p>
-        </p:txBody>
-      </p:sp>
-    </p:spTree>
-    <p:extLst>
-      <p:ext uri="{BB962C8B-B14F-4D97-AF65-F5344CB8AC3E}">
-        <p14:creationId xmlns:p14="http://schemas.microsoft.com/office/powerpoint/2010/main" val="4169635862"/>
-      </p:ext>
-    </p:extLst>
-  </p:cSld>
-  <p:clrMapOvr>
-    <a:masterClrMapping/>
-  </p:clrMapOvr>
-  <p:timing>
-    <p:tnLst>
-      <p:par>
-        <p:cTn id="1" dur="indefinite" restart="never" nodeType="tmRoot"/>
-      </p:par>
-    </p:tnLst>
-  </p:timing>
-</p:sld>
-</file>
-
-<file path=ppt/slides/slide12.xml><?xml version="1.0" encoding="utf-8"?>
-<p:sld xmlns:a="http://schemas.openxmlformats.org/drawingml/2006/main" xmlns:r="http://schemas.openxmlformats.org/officeDocument/2006/relationships" xmlns:p="http://schemas.openxmlformats.org/presentationml/2006/main">
-  <p:cSld>
-    <p:spTree>
-      <p:nvGrpSpPr>
-        <p:cNvPr id="1" name=""/>
-        <p:cNvGrpSpPr/>
-        <p:nvPr/>
-      </p:nvGrpSpPr>
-      <p:grpSpPr>
-        <a:xfrm>
-          <a:off x="0" y="0"/>
-          <a:ext cx="0" cy="0"/>
-          <a:chOff x="0" y="0"/>
-          <a:chExt cx="0" cy="0"/>
-        </a:xfrm>
-      </p:grpSpPr>
-      <p:sp>
-        <p:nvSpPr>
-          <p:cNvPr id="2" name="Title 1"/>
-          <p:cNvSpPr>
-            <a:spLocks noGrp="1"/>
-          </p:cNvSpPr>
-          <p:nvPr>
-            <p:ph type="title"/>
-          </p:nvPr>
-        </p:nvSpPr>
-        <p:spPr/>
-        <p:txBody>
-          <a:bodyPr/>
-          <a:lstStyle/>
-          <a:p>
-            <a:r>
-              <a:rPr lang="en-US" dirty="0" smtClean="0"/>
-              <a:t>Homework for Next Week</a:t>
-            </a:r>
-            <a:endParaRPr lang="en-US" dirty="0"/>
-          </a:p>
-        </p:txBody>
-      </p:sp>
-      <p:sp>
-        <p:nvSpPr>
-          <p:cNvPr id="3" name="Content Placeholder 2"/>
-          <p:cNvSpPr>
-            <a:spLocks noGrp="1"/>
-          </p:cNvSpPr>
-          <p:nvPr>
-            <p:ph idx="1"/>
-          </p:nvPr>
-        </p:nvSpPr>
-        <p:spPr>
-          <a:xfrm>
-            <a:off x="674649" y="1386468"/>
-            <a:ext cx="7772400" cy="4929188"/>
-          </a:xfrm>
-        </p:spPr>
-        <p:txBody>
-          <a:bodyPr/>
-          <a:lstStyle/>
-          <a:p>
-            <a:pPr marL="0" indent="0">
-              <a:buNone/>
-            </a:pPr>
-            <a:r>
-              <a:rPr lang="en-US" b="1" dirty="0"/>
-              <a:t>Smallest multiple</a:t>
-            </a:r>
-          </a:p>
-          <a:p>
-            <a:pPr marL="0" indent="0">
-              <a:buNone/>
-            </a:pPr>
-            <a:r>
-              <a:rPr lang="en-US" b="1" dirty="0"/>
-              <a:t>Problem 5</a:t>
-            </a:r>
-          </a:p>
-          <a:p>
-            <a:pPr marL="0" indent="0">
-              <a:buNone/>
-            </a:pPr>
-            <a:r>
-              <a:rPr lang="en-US" dirty="0"/>
-              <a:t>2520 is the smallest number that can be divided by each of the numbers from 1 to 10 without any remainder.</a:t>
-            </a:r>
-          </a:p>
-          <a:p>
-            <a:pPr marL="0" indent="0">
-              <a:buNone/>
-            </a:pPr>
-            <a:r>
-              <a:rPr lang="en-US" dirty="0"/>
-              <a:t>What is the smallest positive number that is evenly divisible by all of the numbers from 1 to 20?</a:t>
-            </a:r>
-          </a:p>
-        </p:txBody>
-      </p:sp>
-      <p:sp>
-        <p:nvSpPr>
-          <p:cNvPr id="4" name="Footer Placeholder 3"/>
-          <p:cNvSpPr>
-            <a:spLocks noGrp="1"/>
-          </p:cNvSpPr>
-          <p:nvPr>
-            <p:ph type="ftr" sz="quarter" idx="11"/>
-          </p:nvPr>
-        </p:nvSpPr>
-        <p:spPr/>
-        <p:txBody>
-          <a:bodyPr/>
-          <a:lstStyle/>
-          <a:p>
-            <a:pPr>
-              <a:defRPr/>
-            </a:pPr>
-            <a:r>
-              <a:rPr lang="en-US" smtClean="0"/>
-              <a:t>Teradyne Confidential and Proprietary</a:t>
-            </a:r>
-            <a:endParaRPr lang="en-US"/>
-          </a:p>
-        </p:txBody>
-      </p:sp>
-    </p:spTree>
-    <p:extLst>
-      <p:ext uri="{BB962C8B-B14F-4D97-AF65-F5344CB8AC3E}">
-        <p14:creationId xmlns:p14="http://schemas.microsoft.com/office/powerpoint/2010/main" val="773449529"/>
-      </p:ext>
-    </p:extLst>
-  </p:cSld>
-  <p:clrMapOvr>
-    <a:masterClrMapping/>
-  </p:clrMapOvr>
-  <p:timing>
-    <p:tnLst>
-      <p:par>
-        <p:cTn id="1" dur="indefinite" restart="never" nodeType="tmRoot"/>
-      </p:par>
-    </p:tnLst>
-  </p:timing>
-</p:sld>
-</file>
-
-<file path=ppt/slides/slide13.xml><?xml version="1.0" encoding="utf-8"?>
-<p:sld xmlns:a="http://schemas.openxmlformats.org/drawingml/2006/main" xmlns:r="http://schemas.openxmlformats.org/officeDocument/2006/relationships" xmlns:p="http://schemas.openxmlformats.org/presentationml/2006/main">
-  <p:cSld>
-    <p:spTree>
-      <p:nvGrpSpPr>
-        <p:cNvPr id="1" name=""/>
-        <p:cNvGrpSpPr/>
-        <p:nvPr/>
-      </p:nvGrpSpPr>
-      <p:grpSpPr>
-        <a:xfrm>
-          <a:off x="0" y="0"/>
-          <a:ext cx="0" cy="0"/>
-          <a:chOff x="0" y="0"/>
-          <a:chExt cx="0" cy="0"/>
-        </a:xfrm>
-      </p:grpSpPr>
-      <p:sp>
-        <p:nvSpPr>
-          <p:cNvPr id="2" name="Title 1"/>
-          <p:cNvSpPr>
-            <a:spLocks noGrp="1"/>
-          </p:cNvSpPr>
-          <p:nvPr>
-            <p:ph type="title"/>
-          </p:nvPr>
-        </p:nvSpPr>
-        <p:spPr/>
-        <p:txBody>
-          <a:bodyPr/>
-          <a:lstStyle/>
-          <a:p>
-            <a:r>
-              <a:rPr lang="en-US" dirty="0" smtClean="0"/>
-              <a:t>Further Reading</a:t>
-            </a:r>
-            <a:endParaRPr lang="en-US" dirty="0"/>
-          </a:p>
-        </p:txBody>
-      </p:sp>
-      <p:sp>
-        <p:nvSpPr>
-          <p:cNvPr id="3" name="Content Placeholder 2"/>
-          <p:cNvSpPr>
-            <a:spLocks noGrp="1"/>
-          </p:cNvSpPr>
-          <p:nvPr>
-            <p:ph idx="1"/>
-          </p:nvPr>
-        </p:nvSpPr>
-        <p:spPr>
-          <a:xfrm>
-            <a:off x="1063333" y="1243745"/>
-            <a:ext cx="6350620" cy="4929188"/>
-          </a:xfrm>
-        </p:spPr>
-        <p:txBody>
-          <a:bodyPr/>
-          <a:lstStyle/>
-          <a:p>
-            <a:r>
-              <a:rPr lang="en-US" dirty="0" smtClean="0">
-                <a:hlinkClick r:id="rId2"/>
-              </a:rPr>
-              <a:t>https</a:t>
-            </a:r>
-            <a:r>
-              <a:rPr lang="en-US" dirty="0">
-                <a:hlinkClick r:id="rId2"/>
-              </a:rPr>
-              <a:t>://projecteuler.net/overview=004</a:t>
-            </a:r>
-            <a:endParaRPr lang="en-US" dirty="0" smtClean="0"/>
-          </a:p>
-        </p:txBody>
-      </p:sp>
-      <p:sp>
-        <p:nvSpPr>
-          <p:cNvPr id="4" name="Footer Placeholder 3"/>
-          <p:cNvSpPr>
-            <a:spLocks noGrp="1"/>
-          </p:cNvSpPr>
-          <p:nvPr>
-            <p:ph type="ftr" sz="quarter" idx="11"/>
-          </p:nvPr>
-        </p:nvSpPr>
-        <p:spPr/>
-        <p:txBody>
-          <a:bodyPr/>
-          <a:lstStyle/>
-          <a:p>
-            <a:pPr>
-              <a:defRPr/>
-            </a:pPr>
-            <a:r>
-              <a:rPr lang="en-US" smtClean="0"/>
-              <a:t>Teradyne Confidential and Proprietary</a:t>
-            </a:r>
-            <a:endParaRPr lang="en-US"/>
-          </a:p>
-        </p:txBody>
-      </p:sp>
-    </p:spTree>
-    <p:extLst>
-      <p:ext uri="{BB962C8B-B14F-4D97-AF65-F5344CB8AC3E}">
-        <p14:creationId xmlns:p14="http://schemas.microsoft.com/office/powerpoint/2010/main" val="1593590714"/>
-      </p:ext>
-    </p:extLst>
-  </p:cSld>
-  <p:clrMapOvr>
-    <a:masterClrMapping/>
-  </p:clrMapOvr>
-  <p:timing>
-    <p:tnLst>
-      <p:par>
-        <p:cTn id="1" dur="indefinite" restart="never" nodeType="tmRoot"/>
-      </p:par>
-    </p:tnLst>
-  </p:timing>
-</p:sld>
-</file>
-
-<file path=ppt/slides/slide2.xml><?xml version="1.0" encoding="utf-8"?>
-<p:sld xmlns:a="http://schemas.openxmlformats.org/drawingml/2006/main" xmlns:r="http://schemas.openxmlformats.org/officeDocument/2006/relationships" xmlns:p="http://schemas.openxmlformats.org/presentationml/2006/main">
-  <p:cSld>
-    <p:spTree>
-      <p:nvGrpSpPr>
-        <p:cNvPr id="1" name=""/>
-        <p:cNvGrpSpPr/>
-        <p:nvPr/>
-      </p:nvGrpSpPr>
-      <p:grpSpPr>
-        <a:xfrm>
-          <a:off x="0" y="0"/>
-          <a:ext cx="0" cy="0"/>
-          <a:chOff x="0" y="0"/>
-          <a:chExt cx="0" cy="0"/>
-        </a:xfrm>
-      </p:grpSpPr>
-      <p:sp>
-        <p:nvSpPr>
-          <p:cNvPr id="5122" name="Title 1"/>
-          <p:cNvSpPr>
-            <a:spLocks noGrp="1"/>
-          </p:cNvSpPr>
-          <p:nvPr>
-            <p:ph type="title"/>
-          </p:nvPr>
-        </p:nvSpPr>
-        <p:spPr/>
-        <p:txBody>
-          <a:bodyPr/>
-          <a:lstStyle/>
-          <a:p>
-            <a:r>
-              <a:rPr lang="en-US" dirty="0" smtClean="0"/>
-              <a:t>The </a:t>
-            </a:r>
-            <a:r>
-              <a:rPr lang="en-US" dirty="0" smtClean="0"/>
-              <a:t>Fourth Piece</a:t>
-            </a:r>
-            <a:endParaRPr lang="en-US" dirty="0" smtClean="0"/>
-          </a:p>
-        </p:txBody>
-      </p:sp>
-      <p:sp>
-        <p:nvSpPr>
-          <p:cNvPr id="5123" name="Content Placeholder 2"/>
-          <p:cNvSpPr>
-            <a:spLocks noGrp="1"/>
-          </p:cNvSpPr>
-          <p:nvPr>
-            <p:ph idx="1"/>
-          </p:nvPr>
-        </p:nvSpPr>
-        <p:spPr/>
-        <p:txBody>
-          <a:bodyPr/>
-          <a:lstStyle/>
-          <a:p>
-            <a:pPr marL="0" indent="0">
-              <a:buNone/>
-            </a:pPr>
-            <a:r>
-              <a:rPr lang="en-US" b="1" dirty="0"/>
-              <a:t>Largest palindrome product</a:t>
-            </a:r>
-          </a:p>
-          <a:p>
-            <a:pPr marL="0" indent="0">
-              <a:buNone/>
-            </a:pPr>
-            <a:r>
-              <a:rPr lang="en-US" b="1" dirty="0"/>
-              <a:t>Problem 4</a:t>
-            </a:r>
-          </a:p>
-          <a:p>
-            <a:pPr marL="0" indent="0">
-              <a:buNone/>
-            </a:pPr>
-            <a:r>
-              <a:rPr lang="en-US" dirty="0"/>
-              <a:t>A palindromic number reads the same both ways. The largest palindrome made from the product of two 2-digit numbers is 9009 = 91 × 99.</a:t>
-            </a:r>
-          </a:p>
-          <a:p>
-            <a:pPr marL="0" indent="0">
-              <a:buNone/>
-            </a:pPr>
-            <a:r>
-              <a:rPr lang="en-US" dirty="0"/>
-              <a:t>Find the largest palindrome made from the product of two 3-digit numbers.</a:t>
-            </a:r>
-          </a:p>
-        </p:txBody>
-      </p:sp>
-      <p:sp>
-        <p:nvSpPr>
-          <p:cNvPr id="5124" name="Footer Placeholder 3"/>
-          <p:cNvSpPr>
-            <a:spLocks noGrp="1"/>
-          </p:cNvSpPr>
-          <p:nvPr>
-            <p:ph type="ftr" sz="quarter" idx="11"/>
-          </p:nvPr>
-        </p:nvSpPr>
-        <p:spPr>
-          <a:noFill/>
-          <a:ln/>
-          <a:extLst>
-            <a:ext uri="{909E8E84-426E-40DD-AFC4-6F175D3DCCD1}">
-              <a14:hiddenFill xmlns:a14="http://schemas.microsoft.com/office/drawing/2010/main">
-                <a:solidFill>
-                  <a:srgbClr val="FFFFFF"/>
-                </a:solidFill>
-              </a14:hiddenFill>
-            </a:ext>
-            <a:ext uri="{91240B29-F687-4F45-9708-019B960494DF}">
-              <a14:hiddenLine xmlns:a14="http://schemas.microsoft.com/office/drawing/2010/main" w="9525">
-                <a:solidFill>
-                  <a:srgbClr val="000000"/>
-                </a:solidFill>
-                <a:miter lim="800000"/>
-                <a:headEnd/>
-                <a:tailEnd/>
-              </a14:hiddenLine>
-            </a:ext>
-          </a:extLst>
-        </p:spPr>
-        <p:txBody>
-          <a:bodyPr/>
-          <a:lstStyle>
-            <a:lvl1pPr eaLnBrk="0" hangingPunct="0">
-              <a:defRPr sz="2800" b="1">
-                <a:solidFill>
-                  <a:schemeClr val="tx1"/>
-                </a:solidFill>
-                <a:latin typeface="Arial" charset="0"/>
-              </a:defRPr>
-            </a:lvl1pPr>
-            <a:lvl2pPr marL="742950" indent="-285750" eaLnBrk="0" hangingPunct="0">
-              <a:defRPr sz="2800" b="1">
-                <a:solidFill>
-                  <a:schemeClr val="tx1"/>
-                </a:solidFill>
-                <a:latin typeface="Arial" charset="0"/>
-              </a:defRPr>
-            </a:lvl2pPr>
-            <a:lvl3pPr marL="1143000" indent="-228600" eaLnBrk="0" hangingPunct="0">
-              <a:defRPr sz="2800" b="1">
-                <a:solidFill>
-                  <a:schemeClr val="tx1"/>
-                </a:solidFill>
-                <a:latin typeface="Arial" charset="0"/>
-              </a:defRPr>
-            </a:lvl3pPr>
-            <a:lvl4pPr marL="1600200" indent="-228600" eaLnBrk="0" hangingPunct="0">
-              <a:defRPr sz="2800" b="1">
-                <a:solidFill>
-                  <a:schemeClr val="tx1"/>
-                </a:solidFill>
-                <a:latin typeface="Arial" charset="0"/>
-              </a:defRPr>
-            </a:lvl4pPr>
-            <a:lvl5pPr marL="2057400" indent="-228600" eaLnBrk="0" hangingPunct="0">
-              <a:defRPr sz="2800" b="1">
-                <a:solidFill>
-                  <a:schemeClr val="tx1"/>
-                </a:solidFill>
-                <a:latin typeface="Arial" charset="0"/>
-              </a:defRPr>
-            </a:lvl5pPr>
-            <a:lvl6pPr marL="2514600" indent="-228600" eaLnBrk="0" fontAlgn="base" hangingPunct="0">
-              <a:spcBef>
-                <a:spcPct val="0"/>
-              </a:spcBef>
-              <a:spcAft>
-                <a:spcPct val="0"/>
-              </a:spcAft>
-              <a:defRPr sz="2800" b="1">
-                <a:solidFill>
-                  <a:schemeClr val="tx1"/>
-                </a:solidFill>
-                <a:latin typeface="Arial" charset="0"/>
-              </a:defRPr>
-            </a:lvl6pPr>
-            <a:lvl7pPr marL="2971800" indent="-228600" eaLnBrk="0" fontAlgn="base" hangingPunct="0">
-              <a:spcBef>
-                <a:spcPct val="0"/>
-              </a:spcBef>
-              <a:spcAft>
-                <a:spcPct val="0"/>
-              </a:spcAft>
-              <a:defRPr sz="2800" b="1">
-                <a:solidFill>
-                  <a:schemeClr val="tx1"/>
-                </a:solidFill>
-                <a:latin typeface="Arial" charset="0"/>
-              </a:defRPr>
-            </a:lvl7pPr>
-            <a:lvl8pPr marL="3429000" indent="-228600" eaLnBrk="0" fontAlgn="base" hangingPunct="0">
-              <a:spcBef>
-                <a:spcPct val="0"/>
-              </a:spcBef>
-              <a:spcAft>
-                <a:spcPct val="0"/>
-              </a:spcAft>
-              <a:defRPr sz="2800" b="1">
-                <a:solidFill>
-                  <a:schemeClr val="tx1"/>
-                </a:solidFill>
-                <a:latin typeface="Arial" charset="0"/>
-              </a:defRPr>
-            </a:lvl8pPr>
-            <a:lvl9pPr marL="3886200" indent="-228600" eaLnBrk="0" fontAlgn="base" hangingPunct="0">
-              <a:spcBef>
-                <a:spcPct val="0"/>
-              </a:spcBef>
-              <a:spcAft>
-                <a:spcPct val="0"/>
-              </a:spcAft>
-              <a:defRPr sz="2800" b="1">
-                <a:solidFill>
-                  <a:schemeClr val="tx1"/>
-                </a:solidFill>
-                <a:latin typeface="Arial" charset="0"/>
-              </a:defRPr>
-            </a:lvl9pPr>
-          </a:lstStyle>
-          <a:p>
-            <a:r>
-              <a:rPr lang="en-US" sz="1400" b="0" smtClean="0">
-                <a:solidFill>
-                  <a:srgbClr val="FFFFFF"/>
-                </a:solidFill>
-              </a:rPr>
-              <a:t>Teradyne Confidential and Proprietary</a:t>
-            </a:r>
-          </a:p>
-        </p:txBody>
-      </p:sp>
-    </p:spTree>
-  </p:cSld>
-  <p:clrMapOvr>
-    <a:masterClrMapping/>
-  </p:clrMapOvr>
-  <p:timing>
-    <p:tnLst>
-      <p:par>
-        <p:cTn id="1" dur="indefinite" restart="never" nodeType="tmRoot"/>
-      </p:par>
-    </p:tnLst>
-  </p:timing>
-</p:sld>
-</file>
-
-<file path=ppt/slides/slide3.xml><?xml version="1.0" encoding="utf-8"?>
-<p:sld xmlns:a="http://schemas.openxmlformats.org/drawingml/2006/main" xmlns:r="http://schemas.openxmlformats.org/officeDocument/2006/relationships" xmlns:p="http://schemas.openxmlformats.org/presentationml/2006/main">
-  <p:cSld>
-    <p:spTree>
-      <p:nvGrpSpPr>
-        <p:cNvPr id="1" name=""/>
-        <p:cNvGrpSpPr/>
-        <p:nvPr/>
-      </p:nvGrpSpPr>
-      <p:grpSpPr>
-        <a:xfrm>
-          <a:off x="0" y="0"/>
-          <a:ext cx="0" cy="0"/>
-          <a:chOff x="0" y="0"/>
-          <a:chExt cx="0" cy="0"/>
-        </a:xfrm>
-      </p:grpSpPr>
-      <p:sp>
-        <p:nvSpPr>
-          <p:cNvPr id="6146" name="Title 1"/>
-          <p:cNvSpPr>
-            <a:spLocks noGrp="1"/>
-          </p:cNvSpPr>
-          <p:nvPr>
-            <p:ph type="title"/>
-          </p:nvPr>
-        </p:nvSpPr>
-        <p:spPr/>
-        <p:txBody>
-          <a:bodyPr/>
-          <a:lstStyle/>
-          <a:p>
-            <a:r>
-              <a:rPr lang="en-US" dirty="0" smtClean="0"/>
-              <a:t>Is a Number a Palindrome—C#</a:t>
-            </a:r>
-            <a:endParaRPr lang="en-US" dirty="0" smtClean="0"/>
-          </a:p>
-        </p:txBody>
-      </p:sp>
-      <p:sp>
-        <p:nvSpPr>
-          <p:cNvPr id="6147" name="Content Placeholder 2"/>
-          <p:cNvSpPr>
-            <a:spLocks noGrp="1"/>
-          </p:cNvSpPr>
-          <p:nvPr>
-            <p:ph idx="1"/>
-          </p:nvPr>
-        </p:nvSpPr>
-        <p:spPr>
-          <a:xfrm>
-            <a:off x="0" y="1219200"/>
-            <a:ext cx="9144000" cy="4929188"/>
-          </a:xfrm>
-        </p:spPr>
-        <p:txBody>
-          <a:bodyPr/>
-          <a:lstStyle/>
-          <a:p>
-            <a:pPr marL="0" indent="0">
-              <a:buNone/>
-            </a:pPr>
-            <a:r>
-              <a:rPr lang="en-US" sz="3600" dirty="0"/>
-              <a:t>private static </a:t>
-            </a:r>
-            <a:r>
-              <a:rPr lang="en-US" sz="3600" dirty="0" err="1"/>
-              <a:t>bool</a:t>
-            </a:r>
-            <a:r>
-              <a:rPr lang="en-US" sz="3600" dirty="0"/>
-              <a:t> </a:t>
-            </a:r>
-            <a:r>
-              <a:rPr lang="en-US" sz="3600" dirty="0" err="1"/>
-              <a:t>isPalindromeString</a:t>
-            </a:r>
-            <a:r>
-              <a:rPr lang="en-US" sz="3600" dirty="0"/>
-              <a:t>(</a:t>
-            </a:r>
-            <a:r>
-              <a:rPr lang="en-US" sz="3600" dirty="0" err="1"/>
-              <a:t>int</a:t>
-            </a:r>
-            <a:r>
-              <a:rPr lang="en-US" sz="3600" dirty="0"/>
-              <a:t> x)</a:t>
-            </a:r>
-          </a:p>
-          <a:p>
-            <a:pPr marL="0" indent="0">
-              <a:buNone/>
-            </a:pPr>
-            <a:r>
-              <a:rPr lang="en-US" sz="3600" dirty="0" smtClean="0"/>
-              <a:t>{</a:t>
-            </a:r>
-            <a:endParaRPr lang="en-US" sz="3600" dirty="0"/>
-          </a:p>
-          <a:p>
-            <a:pPr marL="0" indent="0">
-              <a:buNone/>
-            </a:pPr>
-            <a:r>
-              <a:rPr lang="en-US" sz="3600" dirty="0" smtClean="0"/>
-              <a:t>    </a:t>
-            </a:r>
-            <a:r>
-              <a:rPr lang="en-US" sz="3600" dirty="0" err="1"/>
-              <a:t>var</a:t>
-            </a:r>
-            <a:r>
-              <a:rPr lang="en-US" sz="3600" dirty="0"/>
-              <a:t> s = </a:t>
-            </a:r>
-            <a:r>
-              <a:rPr lang="en-US" sz="3600" dirty="0" err="1"/>
-              <a:t>x.ToString</a:t>
-            </a:r>
-            <a:r>
-              <a:rPr lang="en-US" sz="3600" dirty="0"/>
-              <a:t>();</a:t>
-            </a:r>
-          </a:p>
-          <a:p>
-            <a:pPr marL="0" indent="0">
-              <a:buNone/>
-            </a:pPr>
-            <a:r>
-              <a:rPr lang="en-US" sz="3600" dirty="0" smtClean="0"/>
-              <a:t>    </a:t>
-            </a:r>
-            <a:r>
-              <a:rPr lang="en-US" sz="3600" dirty="0"/>
-              <a:t>return </a:t>
-            </a:r>
-            <a:r>
-              <a:rPr lang="en-US" sz="3600" dirty="0" err="1"/>
-              <a:t>s.SequenceEqual</a:t>
-            </a:r>
-            <a:r>
-              <a:rPr lang="en-US" sz="3600" dirty="0"/>
-              <a:t>(</a:t>
-            </a:r>
-            <a:r>
-              <a:rPr lang="en-US" sz="3600" dirty="0" err="1"/>
-              <a:t>s.Reverse</a:t>
-            </a:r>
-            <a:r>
-              <a:rPr lang="en-US" sz="3600" dirty="0"/>
-              <a:t>());</a:t>
-            </a:r>
-          </a:p>
-          <a:p>
-            <a:pPr marL="0" indent="0">
-              <a:buNone/>
-            </a:pPr>
-            <a:r>
-              <a:rPr lang="en-US" sz="3600" dirty="0" smtClean="0"/>
-              <a:t>}</a:t>
-            </a:r>
-            <a:endParaRPr lang="en-US" sz="3600" dirty="0"/>
-          </a:p>
-        </p:txBody>
-      </p:sp>
-      <p:sp>
-        <p:nvSpPr>
-          <p:cNvPr id="6148" name="Footer Placeholder 3"/>
-          <p:cNvSpPr>
-            <a:spLocks noGrp="1"/>
-          </p:cNvSpPr>
-          <p:nvPr>
-            <p:ph type="ftr" sz="quarter" idx="11"/>
-          </p:nvPr>
-        </p:nvSpPr>
-        <p:spPr>
-          <a:noFill/>
-          <a:ln/>
-          <a:extLst>
-            <a:ext uri="{909E8E84-426E-40DD-AFC4-6F175D3DCCD1}">
-              <a14:hiddenFill xmlns:a14="http://schemas.microsoft.com/office/drawing/2010/main">
-                <a:solidFill>
-                  <a:srgbClr val="FFFFFF"/>
-                </a:solidFill>
-              </a14:hiddenFill>
-            </a:ext>
-            <a:ext uri="{91240B29-F687-4F45-9708-019B960494DF}">
-              <a14:hiddenLine xmlns:a14="http://schemas.microsoft.com/office/drawing/2010/main" w="9525">
-                <a:solidFill>
-                  <a:srgbClr val="000000"/>
-                </a:solidFill>
-                <a:miter lim="800000"/>
-                <a:headEnd/>
-                <a:tailEnd/>
-              </a14:hiddenLine>
-            </a:ext>
-          </a:extLst>
-        </p:spPr>
-        <p:txBody>
-          <a:bodyPr/>
-          <a:lstStyle>
-            <a:lvl1pPr eaLnBrk="0" hangingPunct="0">
-              <a:defRPr sz="2800" b="1">
-                <a:solidFill>
-                  <a:schemeClr val="tx1"/>
-                </a:solidFill>
-                <a:latin typeface="Arial" charset="0"/>
-              </a:defRPr>
-            </a:lvl1pPr>
-            <a:lvl2pPr marL="742950" indent="-285750" eaLnBrk="0" hangingPunct="0">
-              <a:defRPr sz="2800" b="1">
-                <a:solidFill>
-                  <a:schemeClr val="tx1"/>
-                </a:solidFill>
-                <a:latin typeface="Arial" charset="0"/>
-              </a:defRPr>
-            </a:lvl2pPr>
-            <a:lvl3pPr marL="1143000" indent="-228600" eaLnBrk="0" hangingPunct="0">
-              <a:defRPr sz="2800" b="1">
-                <a:solidFill>
-                  <a:schemeClr val="tx1"/>
-                </a:solidFill>
-                <a:latin typeface="Arial" charset="0"/>
-              </a:defRPr>
-            </a:lvl3pPr>
-            <a:lvl4pPr marL="1600200" indent="-228600" eaLnBrk="0" hangingPunct="0">
-              <a:defRPr sz="2800" b="1">
-                <a:solidFill>
-                  <a:schemeClr val="tx1"/>
-                </a:solidFill>
-                <a:latin typeface="Arial" charset="0"/>
-              </a:defRPr>
-            </a:lvl4pPr>
-            <a:lvl5pPr marL="2057400" indent="-228600" eaLnBrk="0" hangingPunct="0">
-              <a:defRPr sz="2800" b="1">
-                <a:solidFill>
-                  <a:schemeClr val="tx1"/>
-                </a:solidFill>
-                <a:latin typeface="Arial" charset="0"/>
-              </a:defRPr>
-            </a:lvl5pPr>
-            <a:lvl6pPr marL="2514600" indent="-228600" eaLnBrk="0" fontAlgn="base" hangingPunct="0">
-              <a:spcBef>
-                <a:spcPct val="0"/>
-              </a:spcBef>
-              <a:spcAft>
-                <a:spcPct val="0"/>
-              </a:spcAft>
-              <a:defRPr sz="2800" b="1">
-                <a:solidFill>
-                  <a:schemeClr val="tx1"/>
-                </a:solidFill>
-                <a:latin typeface="Arial" charset="0"/>
-              </a:defRPr>
-            </a:lvl6pPr>
-            <a:lvl7pPr marL="2971800" indent="-228600" eaLnBrk="0" fontAlgn="base" hangingPunct="0">
-              <a:spcBef>
-                <a:spcPct val="0"/>
-              </a:spcBef>
-              <a:spcAft>
-                <a:spcPct val="0"/>
-              </a:spcAft>
-              <a:defRPr sz="2800" b="1">
-                <a:solidFill>
-                  <a:schemeClr val="tx1"/>
-                </a:solidFill>
-                <a:latin typeface="Arial" charset="0"/>
-              </a:defRPr>
-            </a:lvl7pPr>
-            <a:lvl8pPr marL="3429000" indent="-228600" eaLnBrk="0" fontAlgn="base" hangingPunct="0">
-              <a:spcBef>
-                <a:spcPct val="0"/>
-              </a:spcBef>
-              <a:spcAft>
-                <a:spcPct val="0"/>
-              </a:spcAft>
-              <a:defRPr sz="2800" b="1">
-                <a:solidFill>
-                  <a:schemeClr val="tx1"/>
-                </a:solidFill>
-                <a:latin typeface="Arial" charset="0"/>
-              </a:defRPr>
-            </a:lvl8pPr>
-            <a:lvl9pPr marL="3886200" indent="-228600" eaLnBrk="0" fontAlgn="base" hangingPunct="0">
-              <a:spcBef>
-                <a:spcPct val="0"/>
-              </a:spcBef>
-              <a:spcAft>
-                <a:spcPct val="0"/>
-              </a:spcAft>
-              <a:defRPr sz="2800" b="1">
-                <a:solidFill>
-                  <a:schemeClr val="tx1"/>
-                </a:solidFill>
-                <a:latin typeface="Arial" charset="0"/>
-              </a:defRPr>
-            </a:lvl9pPr>
-          </a:lstStyle>
-          <a:p>
-            <a:r>
-              <a:rPr lang="en-US" sz="1400" b="0" smtClean="0">
-                <a:solidFill>
-                  <a:srgbClr val="FFFFFF"/>
-                </a:solidFill>
-              </a:rPr>
-              <a:t>Teradyne Confidential and Proprietary</a:t>
-            </a:r>
-          </a:p>
-        </p:txBody>
-      </p:sp>
-    </p:spTree>
-    <p:extLst>
-      <p:ext uri="{BB962C8B-B14F-4D97-AF65-F5344CB8AC3E}">
-        <p14:creationId xmlns:p14="http://schemas.microsoft.com/office/powerpoint/2010/main" val="3060696317"/>
-      </p:ext>
-    </p:extLst>
-  </p:cSld>
-  <p:clrMapOvr>
-    <a:masterClrMapping/>
-  </p:clrMapOvr>
-  <p:timing>
-    <p:tnLst>
-      <p:par>
-        <p:cTn id="1" dur="indefinite" restart="never" nodeType="tmRoot"/>
-      </p:par>
-    </p:tnLst>
-  </p:timing>
-</p:sld>
-</file>
-
-<file path=ppt/slides/slide4.xml><?xml version="1.0" encoding="utf-8"?>
-<p:sld xmlns:a="http://schemas.openxmlformats.org/drawingml/2006/main" xmlns:r="http://schemas.openxmlformats.org/officeDocument/2006/relationships" xmlns:p="http://schemas.openxmlformats.org/presentationml/2006/main">
-  <p:cSld>
-    <p:spTree>
-      <p:nvGrpSpPr>
-        <p:cNvPr id="1" name=""/>
-        <p:cNvGrpSpPr/>
-        <p:nvPr/>
-      </p:nvGrpSpPr>
-      <p:grpSpPr>
-        <a:xfrm>
-          <a:off x="0" y="0"/>
-          <a:ext cx="0" cy="0"/>
-          <a:chOff x="0" y="0"/>
-          <a:chExt cx="0" cy="0"/>
-        </a:xfrm>
-      </p:grpSpPr>
-      <p:sp>
-        <p:nvSpPr>
-          <p:cNvPr id="6146" name="Title 1"/>
-          <p:cNvSpPr>
-            <a:spLocks noGrp="1"/>
-          </p:cNvSpPr>
-          <p:nvPr>
-            <p:ph type="title"/>
-          </p:nvPr>
-        </p:nvSpPr>
-        <p:spPr/>
-        <p:txBody>
-          <a:bodyPr/>
-          <a:lstStyle/>
-          <a:p>
-            <a:r>
-              <a:rPr lang="en-US" dirty="0" smtClean="0"/>
-              <a:t>Is a Number a Palindrome—C++</a:t>
-            </a:r>
-            <a:endParaRPr lang="en-US" dirty="0" smtClean="0"/>
-          </a:p>
-        </p:txBody>
-      </p:sp>
-      <p:sp>
-        <p:nvSpPr>
-          <p:cNvPr id="6147" name="Content Placeholder 2"/>
-          <p:cNvSpPr>
-            <a:spLocks noGrp="1"/>
-          </p:cNvSpPr>
-          <p:nvPr>
-            <p:ph idx="1"/>
-          </p:nvPr>
-        </p:nvSpPr>
-        <p:spPr>
-          <a:xfrm>
-            <a:off x="0" y="1219200"/>
-            <a:ext cx="9144000" cy="4929188"/>
-          </a:xfrm>
-        </p:spPr>
-        <p:txBody>
-          <a:bodyPr/>
-          <a:lstStyle/>
-          <a:p>
-            <a:pPr marL="0" indent="0">
-              <a:buNone/>
-            </a:pPr>
-            <a:r>
-              <a:rPr lang="en-US" dirty="0"/>
-              <a:t>static </a:t>
-            </a:r>
-            <a:r>
-              <a:rPr lang="en-US" dirty="0" err="1"/>
-              <a:t>bool</a:t>
-            </a:r>
-            <a:r>
-              <a:rPr lang="en-US" dirty="0"/>
-              <a:t> </a:t>
-            </a:r>
-            <a:r>
-              <a:rPr lang="en-US" dirty="0" err="1"/>
-              <a:t>isPalindromeString</a:t>
-            </a:r>
-            <a:r>
-              <a:rPr lang="en-US" dirty="0"/>
-              <a:t>(long </a:t>
-            </a:r>
-            <a:r>
-              <a:rPr lang="en-US" dirty="0" err="1"/>
-              <a:t>long</a:t>
-            </a:r>
-            <a:r>
-              <a:rPr lang="en-US" dirty="0"/>
-              <a:t> x)</a:t>
-            </a:r>
-          </a:p>
-          <a:p>
-            <a:pPr marL="0" indent="0">
-              <a:buNone/>
-            </a:pPr>
-            <a:r>
-              <a:rPr lang="en-US" dirty="0"/>
-              <a:t>{</a:t>
-            </a:r>
-          </a:p>
-          <a:p>
-            <a:pPr marL="0" indent="0">
-              <a:buNone/>
-            </a:pPr>
-            <a:r>
-              <a:rPr lang="en-US" dirty="0"/>
-              <a:t>    auto s = </a:t>
-            </a:r>
-            <a:r>
-              <a:rPr lang="en-US" dirty="0" err="1"/>
-              <a:t>std</a:t>
-            </a:r>
-            <a:r>
-              <a:rPr lang="en-US" dirty="0"/>
-              <a:t>::</a:t>
-            </a:r>
-            <a:r>
-              <a:rPr lang="en-US" dirty="0" err="1"/>
-              <a:t>to_string</a:t>
-            </a:r>
-            <a:r>
-              <a:rPr lang="en-US" dirty="0"/>
-              <a:t>(x);</a:t>
-            </a:r>
-          </a:p>
-          <a:p>
-            <a:pPr marL="0" indent="0">
-              <a:buNone/>
-            </a:pPr>
-            <a:r>
-              <a:rPr lang="en-US" dirty="0"/>
-              <a:t>    return boost::equal(s, s | boost::adaptors::reversed);</a:t>
-            </a:r>
-          </a:p>
-          <a:p>
-            <a:pPr marL="0" indent="0">
-              <a:buNone/>
-            </a:pPr>
-            <a:r>
-              <a:rPr lang="en-US" dirty="0"/>
-              <a:t>}</a:t>
-            </a:r>
-          </a:p>
-        </p:txBody>
-      </p:sp>
-      <p:sp>
-        <p:nvSpPr>
-          <p:cNvPr id="6148" name="Footer Placeholder 3"/>
-          <p:cNvSpPr>
-            <a:spLocks noGrp="1"/>
-          </p:cNvSpPr>
-          <p:nvPr>
-            <p:ph type="ftr" sz="quarter" idx="11"/>
-          </p:nvPr>
-        </p:nvSpPr>
-        <p:spPr>
-          <a:noFill/>
-          <a:ln/>
-          <a:extLst>
-            <a:ext uri="{909E8E84-426E-40DD-AFC4-6F175D3DCCD1}">
-              <a14:hiddenFill xmlns:a14="http://schemas.microsoft.com/office/drawing/2010/main">
-                <a:solidFill>
-                  <a:srgbClr val="FFFFFF"/>
-                </a:solidFill>
-              </a14:hiddenFill>
-            </a:ext>
-            <a:ext uri="{91240B29-F687-4F45-9708-019B960494DF}">
-              <a14:hiddenLine xmlns:a14="http://schemas.microsoft.com/office/drawing/2010/main" w="9525">
-                <a:solidFill>
-                  <a:srgbClr val="000000"/>
-                </a:solidFill>
-                <a:miter lim="800000"/>
-                <a:headEnd/>
-                <a:tailEnd/>
-              </a14:hiddenLine>
-            </a:ext>
-          </a:extLst>
-        </p:spPr>
-        <p:txBody>
-          <a:bodyPr/>
-          <a:lstStyle>
-            <a:lvl1pPr eaLnBrk="0" hangingPunct="0">
-              <a:defRPr sz="2800" b="1">
-                <a:solidFill>
-                  <a:schemeClr val="tx1"/>
-                </a:solidFill>
-                <a:latin typeface="Arial" charset="0"/>
-              </a:defRPr>
-            </a:lvl1pPr>
-            <a:lvl2pPr marL="742950" indent="-285750" eaLnBrk="0" hangingPunct="0">
-              <a:defRPr sz="2800" b="1">
-                <a:solidFill>
-                  <a:schemeClr val="tx1"/>
-                </a:solidFill>
-                <a:latin typeface="Arial" charset="0"/>
-              </a:defRPr>
-            </a:lvl2pPr>
-            <a:lvl3pPr marL="1143000" indent="-228600" eaLnBrk="0" hangingPunct="0">
-              <a:defRPr sz="2800" b="1">
-                <a:solidFill>
-                  <a:schemeClr val="tx1"/>
-                </a:solidFill>
-                <a:latin typeface="Arial" charset="0"/>
-              </a:defRPr>
-            </a:lvl3pPr>
-            <a:lvl4pPr marL="1600200" indent="-228600" eaLnBrk="0" hangingPunct="0">
-              <a:defRPr sz="2800" b="1">
-                <a:solidFill>
-                  <a:schemeClr val="tx1"/>
-                </a:solidFill>
-                <a:latin typeface="Arial" charset="0"/>
-              </a:defRPr>
-            </a:lvl4pPr>
-            <a:lvl5pPr marL="2057400" indent="-228600" eaLnBrk="0" hangingPunct="0">
-              <a:defRPr sz="2800" b="1">
-                <a:solidFill>
-                  <a:schemeClr val="tx1"/>
-                </a:solidFill>
-                <a:latin typeface="Arial" charset="0"/>
-              </a:defRPr>
-            </a:lvl5pPr>
-            <a:lvl6pPr marL="2514600" indent="-228600" eaLnBrk="0" fontAlgn="base" hangingPunct="0">
-              <a:spcBef>
-                <a:spcPct val="0"/>
-              </a:spcBef>
-              <a:spcAft>
-                <a:spcPct val="0"/>
-              </a:spcAft>
-              <a:defRPr sz="2800" b="1">
-                <a:solidFill>
-                  <a:schemeClr val="tx1"/>
-                </a:solidFill>
-                <a:latin typeface="Arial" charset="0"/>
-              </a:defRPr>
-            </a:lvl6pPr>
-            <a:lvl7pPr marL="2971800" indent="-228600" eaLnBrk="0" fontAlgn="base" hangingPunct="0">
-              <a:spcBef>
-                <a:spcPct val="0"/>
-              </a:spcBef>
-              <a:spcAft>
-                <a:spcPct val="0"/>
-              </a:spcAft>
-              <a:defRPr sz="2800" b="1">
-                <a:solidFill>
-                  <a:schemeClr val="tx1"/>
-                </a:solidFill>
-                <a:latin typeface="Arial" charset="0"/>
-              </a:defRPr>
-            </a:lvl7pPr>
-            <a:lvl8pPr marL="3429000" indent="-228600" eaLnBrk="0" fontAlgn="base" hangingPunct="0">
-              <a:spcBef>
-                <a:spcPct val="0"/>
-              </a:spcBef>
-              <a:spcAft>
-                <a:spcPct val="0"/>
-              </a:spcAft>
-              <a:defRPr sz="2800" b="1">
-                <a:solidFill>
-                  <a:schemeClr val="tx1"/>
-                </a:solidFill>
-                <a:latin typeface="Arial" charset="0"/>
-              </a:defRPr>
-            </a:lvl8pPr>
-            <a:lvl9pPr marL="3886200" indent="-228600" eaLnBrk="0" fontAlgn="base" hangingPunct="0">
-              <a:spcBef>
-                <a:spcPct val="0"/>
-              </a:spcBef>
-              <a:spcAft>
-                <a:spcPct val="0"/>
-              </a:spcAft>
-              <a:defRPr sz="2800" b="1">
-                <a:solidFill>
-                  <a:schemeClr val="tx1"/>
-                </a:solidFill>
-                <a:latin typeface="Arial" charset="0"/>
-              </a:defRPr>
-            </a:lvl9pPr>
-          </a:lstStyle>
-          <a:p>
-            <a:r>
-              <a:rPr lang="en-US" sz="1400" b="0" smtClean="0">
-                <a:solidFill>
-                  <a:srgbClr val="FFFFFF"/>
-                </a:solidFill>
-              </a:rPr>
-              <a:t>Teradyne Confidential and Proprietary</a:t>
-            </a:r>
-          </a:p>
-        </p:txBody>
-      </p:sp>
-    </p:spTree>
-    <p:extLst>
-      <p:ext uri="{BB962C8B-B14F-4D97-AF65-F5344CB8AC3E}">
-        <p14:creationId xmlns:p14="http://schemas.microsoft.com/office/powerpoint/2010/main" val="2813456632"/>
-      </p:ext>
-    </p:extLst>
-  </p:cSld>
-  <p:clrMapOvr>
-    <a:masterClrMapping/>
-  </p:clrMapOvr>
-  <p:timing>
-    <p:tnLst>
-      <p:par>
-        <p:cTn id="1" dur="indefinite" restart="never" nodeType="tmRoot"/>
-      </p:par>
-    </p:tnLst>
-  </p:timing>
-</p:sld>
-</file>
-
-<file path=ppt/slides/slide5.xml><?xml version="1.0" encoding="utf-8"?>
-<p:sld xmlns:a="http://schemas.openxmlformats.org/drawingml/2006/main" xmlns:r="http://schemas.openxmlformats.org/officeDocument/2006/relationships" xmlns:p="http://schemas.openxmlformats.org/presentationml/2006/main">
-  <p:cSld>
-    <p:spTree>
-      <p:nvGrpSpPr>
-        <p:cNvPr id="1" name=""/>
-        <p:cNvGrpSpPr/>
-        <p:nvPr/>
-      </p:nvGrpSpPr>
-      <p:grpSpPr>
-        <a:xfrm>
-          <a:off x="0" y="0"/>
-          <a:ext cx="0" cy="0"/>
-          <a:chOff x="0" y="0"/>
-          <a:chExt cx="0" cy="0"/>
-        </a:xfrm>
-      </p:grpSpPr>
-      <p:sp>
-        <p:nvSpPr>
-          <p:cNvPr id="6146" name="Title 1"/>
-          <p:cNvSpPr>
-            <a:spLocks noGrp="1"/>
-          </p:cNvSpPr>
-          <p:nvPr>
-            <p:ph type="title"/>
-          </p:nvPr>
-        </p:nvSpPr>
-        <p:spPr/>
-        <p:txBody>
-          <a:bodyPr/>
-          <a:lstStyle/>
-          <a:p>
-            <a:r>
-              <a:rPr lang="en-US" dirty="0" smtClean="0"/>
-              <a:t>Simplest Thing I Could Think Of</a:t>
-            </a:r>
-            <a:endParaRPr lang="en-US" dirty="0" smtClean="0"/>
-          </a:p>
-        </p:txBody>
-      </p:sp>
-      <p:sp>
-        <p:nvSpPr>
-          <p:cNvPr id="6147" name="Content Placeholder 2"/>
-          <p:cNvSpPr>
-            <a:spLocks noGrp="1"/>
-          </p:cNvSpPr>
-          <p:nvPr>
-            <p:ph idx="1"/>
-          </p:nvPr>
-        </p:nvSpPr>
-        <p:spPr>
-          <a:xfrm>
-            <a:off x="0" y="1219200"/>
-            <a:ext cx="9144000" cy="4929188"/>
-          </a:xfrm>
-        </p:spPr>
-        <p:txBody>
-          <a:bodyPr/>
-          <a:lstStyle/>
-          <a:p>
-            <a:pPr marL="0" indent="0">
-              <a:buNone/>
-            </a:pPr>
-            <a:r>
-              <a:rPr lang="en-US" sz="2400" dirty="0"/>
-              <a:t>private static </a:t>
-            </a:r>
-            <a:r>
-              <a:rPr lang="en-US" sz="2400" dirty="0" err="1"/>
-              <a:t>int</a:t>
-            </a:r>
-            <a:r>
-              <a:rPr lang="en-US" sz="2400" dirty="0"/>
-              <a:t> </a:t>
-            </a:r>
-            <a:r>
-              <a:rPr lang="en-US" sz="2400" dirty="0" err="1"/>
-              <a:t>imperativeString</a:t>
-            </a:r>
-            <a:r>
-              <a:rPr lang="en-US" sz="2400" dirty="0" smtClean="0"/>
-              <a:t>() {</a:t>
-            </a:r>
-            <a:endParaRPr lang="en-US" sz="2400" dirty="0"/>
-          </a:p>
-          <a:p>
-            <a:pPr marL="0" indent="0">
-              <a:buNone/>
-            </a:pPr>
-            <a:r>
-              <a:rPr lang="en-US" sz="2400" dirty="0" smtClean="0"/>
-              <a:t>    </a:t>
-            </a:r>
-            <a:r>
-              <a:rPr lang="en-US" sz="2400" dirty="0" err="1"/>
-              <a:t>var</a:t>
-            </a:r>
-            <a:r>
-              <a:rPr lang="en-US" sz="2400" dirty="0"/>
-              <a:t> maximum = </a:t>
-            </a:r>
-            <a:r>
-              <a:rPr lang="en-US" sz="2400" dirty="0" err="1"/>
-              <a:t>int.MinValue</a:t>
-            </a:r>
-            <a:r>
-              <a:rPr lang="en-US" sz="2400" dirty="0"/>
-              <a:t>;</a:t>
-            </a:r>
-          </a:p>
-          <a:p>
-            <a:pPr marL="0" indent="0">
-              <a:buNone/>
-            </a:pPr>
-            <a:r>
-              <a:rPr lang="nn-NO" sz="2400" dirty="0" smtClean="0"/>
-              <a:t>    </a:t>
-            </a:r>
-            <a:r>
-              <a:rPr lang="nn-NO" sz="2400" dirty="0"/>
-              <a:t>for (var i = 100; i != 1000; ++i)</a:t>
-            </a:r>
-          </a:p>
-          <a:p>
-            <a:pPr marL="0" indent="0">
-              <a:buNone/>
-            </a:pPr>
-            <a:r>
-              <a:rPr lang="en-US" sz="2400" dirty="0" smtClean="0"/>
-              <a:t>        </a:t>
-            </a:r>
-            <a:r>
-              <a:rPr lang="en-US" sz="2400" dirty="0"/>
-              <a:t>for (</a:t>
-            </a:r>
-            <a:r>
-              <a:rPr lang="en-US" sz="2400" dirty="0" err="1"/>
-              <a:t>var</a:t>
-            </a:r>
-            <a:r>
-              <a:rPr lang="en-US" sz="2400" dirty="0"/>
-              <a:t> j = 100; j != 1000; ++j</a:t>
-            </a:r>
-            <a:r>
-              <a:rPr lang="en-US" sz="2400" dirty="0" smtClean="0"/>
-              <a:t>) {</a:t>
-            </a:r>
-            <a:endParaRPr lang="en-US" sz="2400" dirty="0"/>
-          </a:p>
-          <a:p>
-            <a:pPr marL="0" indent="0">
-              <a:buNone/>
-            </a:pPr>
-            <a:r>
-              <a:rPr lang="en-US" sz="2400" dirty="0" smtClean="0"/>
-              <a:t>            </a:t>
-            </a:r>
-            <a:r>
-              <a:rPr lang="en-US" sz="2400" dirty="0" err="1"/>
-              <a:t>var</a:t>
-            </a:r>
-            <a:r>
-              <a:rPr lang="en-US" sz="2400" dirty="0"/>
-              <a:t> product = </a:t>
-            </a:r>
-            <a:r>
-              <a:rPr lang="en-US" sz="2400" dirty="0" err="1"/>
-              <a:t>i</a:t>
-            </a:r>
-            <a:r>
-              <a:rPr lang="en-US" sz="2400" dirty="0"/>
-              <a:t> * j;</a:t>
-            </a:r>
-          </a:p>
-          <a:p>
-            <a:pPr marL="0" indent="0">
-              <a:buNone/>
-            </a:pPr>
-            <a:r>
-              <a:rPr lang="en-US" sz="2400" dirty="0" smtClean="0"/>
-              <a:t>            </a:t>
-            </a:r>
-            <a:r>
-              <a:rPr lang="en-US" sz="2400" dirty="0"/>
-              <a:t>if (</a:t>
-            </a:r>
-            <a:r>
-              <a:rPr lang="en-US" sz="2400" dirty="0" err="1"/>
-              <a:t>isPalindromeString</a:t>
-            </a:r>
-            <a:r>
-              <a:rPr lang="en-US" sz="2400" dirty="0"/>
-              <a:t>(product) &amp;&amp; product &gt; maximum)</a:t>
-            </a:r>
-          </a:p>
-          <a:p>
-            <a:pPr marL="0" indent="0">
-              <a:buNone/>
-            </a:pPr>
-            <a:r>
-              <a:rPr lang="en-US" sz="2400" dirty="0" smtClean="0"/>
-              <a:t>                </a:t>
-            </a:r>
-            <a:r>
-              <a:rPr lang="en-US" sz="2400" dirty="0"/>
-              <a:t>maximum = product;</a:t>
-            </a:r>
-          </a:p>
-          <a:p>
-            <a:pPr marL="0" indent="0">
-              <a:buNone/>
-            </a:pPr>
-            <a:r>
-              <a:rPr lang="en-US" sz="2400" dirty="0" smtClean="0"/>
-              <a:t>        </a:t>
-            </a:r>
-            <a:r>
-              <a:rPr lang="en-US" sz="2400" dirty="0"/>
-              <a:t>}</a:t>
-            </a:r>
-          </a:p>
-          <a:p>
-            <a:pPr marL="0" indent="0">
-              <a:buNone/>
-            </a:pPr>
-            <a:r>
-              <a:rPr lang="en-US" sz="2400" dirty="0" smtClean="0"/>
-              <a:t>    </a:t>
-            </a:r>
-            <a:r>
-              <a:rPr lang="en-US" sz="2400" dirty="0"/>
-              <a:t>return maximum;</a:t>
-            </a:r>
-          </a:p>
-          <a:p>
-            <a:pPr marL="0" indent="0">
-              <a:buNone/>
-            </a:pPr>
-            <a:r>
-              <a:rPr lang="en-US" sz="2400" dirty="0" smtClean="0"/>
-              <a:t>}</a:t>
-            </a:r>
-            <a:endParaRPr lang="en-US" sz="2400" dirty="0"/>
-          </a:p>
-        </p:txBody>
-      </p:sp>
-      <p:sp>
-        <p:nvSpPr>
-          <p:cNvPr id="6148" name="Footer Placeholder 3"/>
-          <p:cNvSpPr>
-            <a:spLocks noGrp="1"/>
-          </p:cNvSpPr>
-          <p:nvPr>
-            <p:ph type="ftr" sz="quarter" idx="11"/>
-          </p:nvPr>
-        </p:nvSpPr>
-        <p:spPr>
-          <a:noFill/>
-          <a:ln/>
-          <a:extLst>
-            <a:ext uri="{909E8E84-426E-40DD-AFC4-6F175D3DCCD1}">
-              <a14:hiddenFill xmlns:a14="http://schemas.microsoft.com/office/drawing/2010/main">
-                <a:solidFill>
-                  <a:srgbClr val="FFFFFF"/>
-                </a:solidFill>
-              </a14:hiddenFill>
-            </a:ext>
-            <a:ext uri="{91240B29-F687-4F45-9708-019B960494DF}">
-              <a14:hiddenLine xmlns:a14="http://schemas.microsoft.com/office/drawing/2010/main" w="9525">
-                <a:solidFill>
-                  <a:srgbClr val="000000"/>
-                </a:solidFill>
-                <a:miter lim="800000"/>
-                <a:headEnd/>
-                <a:tailEnd/>
-              </a14:hiddenLine>
-            </a:ext>
-          </a:extLst>
-        </p:spPr>
-        <p:txBody>
-          <a:bodyPr/>
-          <a:lstStyle>
-            <a:lvl1pPr eaLnBrk="0" hangingPunct="0">
-              <a:defRPr sz="2800" b="1">
-                <a:solidFill>
-                  <a:schemeClr val="tx1"/>
-                </a:solidFill>
-                <a:latin typeface="Arial" charset="0"/>
-              </a:defRPr>
-            </a:lvl1pPr>
-            <a:lvl2pPr marL="742950" indent="-285750" eaLnBrk="0" hangingPunct="0">
-              <a:defRPr sz="2800" b="1">
-                <a:solidFill>
-                  <a:schemeClr val="tx1"/>
-                </a:solidFill>
-                <a:latin typeface="Arial" charset="0"/>
-              </a:defRPr>
-            </a:lvl2pPr>
-            <a:lvl3pPr marL="1143000" indent="-228600" eaLnBrk="0" hangingPunct="0">
-              <a:defRPr sz="2800" b="1">
-                <a:solidFill>
-                  <a:schemeClr val="tx1"/>
-                </a:solidFill>
-                <a:latin typeface="Arial" charset="0"/>
-              </a:defRPr>
-            </a:lvl3pPr>
-            <a:lvl4pPr marL="1600200" indent="-228600" eaLnBrk="0" hangingPunct="0">
-              <a:defRPr sz="2800" b="1">
-                <a:solidFill>
-                  <a:schemeClr val="tx1"/>
-                </a:solidFill>
-                <a:latin typeface="Arial" charset="0"/>
-              </a:defRPr>
-            </a:lvl4pPr>
-            <a:lvl5pPr marL="2057400" indent="-228600" eaLnBrk="0" hangingPunct="0">
-              <a:defRPr sz="2800" b="1">
-                <a:solidFill>
-                  <a:schemeClr val="tx1"/>
-                </a:solidFill>
-                <a:latin typeface="Arial" charset="0"/>
-              </a:defRPr>
-            </a:lvl5pPr>
-            <a:lvl6pPr marL="2514600" indent="-228600" eaLnBrk="0" fontAlgn="base" hangingPunct="0">
-              <a:spcBef>
-                <a:spcPct val="0"/>
-              </a:spcBef>
-              <a:spcAft>
-                <a:spcPct val="0"/>
-              </a:spcAft>
-              <a:defRPr sz="2800" b="1">
-                <a:solidFill>
-                  <a:schemeClr val="tx1"/>
-                </a:solidFill>
-                <a:latin typeface="Arial" charset="0"/>
-              </a:defRPr>
-            </a:lvl6pPr>
-            <a:lvl7pPr marL="2971800" indent="-228600" eaLnBrk="0" fontAlgn="base" hangingPunct="0">
-              <a:spcBef>
-                <a:spcPct val="0"/>
-              </a:spcBef>
-              <a:spcAft>
-                <a:spcPct val="0"/>
-              </a:spcAft>
-              <a:defRPr sz="2800" b="1">
-                <a:solidFill>
-                  <a:schemeClr val="tx1"/>
-                </a:solidFill>
-                <a:latin typeface="Arial" charset="0"/>
-              </a:defRPr>
-            </a:lvl7pPr>
-            <a:lvl8pPr marL="3429000" indent="-228600" eaLnBrk="0" fontAlgn="base" hangingPunct="0">
-              <a:spcBef>
-                <a:spcPct val="0"/>
-              </a:spcBef>
-              <a:spcAft>
-                <a:spcPct val="0"/>
-              </a:spcAft>
-              <a:defRPr sz="2800" b="1">
-                <a:solidFill>
-                  <a:schemeClr val="tx1"/>
-                </a:solidFill>
-                <a:latin typeface="Arial" charset="0"/>
-              </a:defRPr>
-            </a:lvl8pPr>
-            <a:lvl9pPr marL="3886200" indent="-228600" eaLnBrk="0" fontAlgn="base" hangingPunct="0">
-              <a:spcBef>
-                <a:spcPct val="0"/>
-              </a:spcBef>
-              <a:spcAft>
-                <a:spcPct val="0"/>
-              </a:spcAft>
-              <a:defRPr sz="2800" b="1">
-                <a:solidFill>
-                  <a:schemeClr val="tx1"/>
-                </a:solidFill>
-                <a:latin typeface="Arial" charset="0"/>
-              </a:defRPr>
-            </a:lvl9pPr>
-          </a:lstStyle>
-          <a:p>
-            <a:r>
-              <a:rPr lang="en-US" sz="1400" b="0" smtClean="0">
-                <a:solidFill>
-                  <a:srgbClr val="FFFFFF"/>
-                </a:solidFill>
-              </a:rPr>
-              <a:t>Teradyne Confidential and Proprietary</a:t>
-            </a:r>
-          </a:p>
-        </p:txBody>
-      </p:sp>
-    </p:spTree>
-    <p:extLst>
-      <p:ext uri="{BB962C8B-B14F-4D97-AF65-F5344CB8AC3E}">
-        <p14:creationId xmlns:p14="http://schemas.microsoft.com/office/powerpoint/2010/main" val="2351061094"/>
-      </p:ext>
-    </p:extLst>
-  </p:cSld>
-  <p:clrMapOvr>
-    <a:masterClrMapping/>
-  </p:clrMapOvr>
-  <p:timing>
-    <p:tnLst>
-      <p:par>
-        <p:cTn id="1" dur="indefinite" restart="never" nodeType="tmRoot"/>
-      </p:par>
-    </p:tnLst>
-  </p:timing>
-</p:sld>
-</file>
-
-<file path=ppt/slides/slide6.xml><?xml version="1.0" encoding="utf-8"?>
-<p:sld xmlns:a="http://schemas.openxmlformats.org/drawingml/2006/main" xmlns:r="http://schemas.openxmlformats.org/officeDocument/2006/relationships" xmlns:p="http://schemas.openxmlformats.org/presentationml/2006/main">
-  <p:cSld>
-    <p:spTree>
-      <p:nvGrpSpPr>
-        <p:cNvPr id="1" name=""/>
-        <p:cNvGrpSpPr/>
-        <p:nvPr/>
-      </p:nvGrpSpPr>
-      <p:grpSpPr>
-        <a:xfrm>
-          <a:off x="0" y="0"/>
-          <a:ext cx="0" cy="0"/>
-          <a:chOff x="0" y="0"/>
-          <a:chExt cx="0" cy="0"/>
-        </a:xfrm>
-      </p:grpSpPr>
-      <p:sp>
-        <p:nvSpPr>
-          <p:cNvPr id="6146" name="Title 1"/>
-          <p:cNvSpPr>
-            <a:spLocks noGrp="1"/>
-          </p:cNvSpPr>
-          <p:nvPr>
-            <p:ph type="title"/>
-          </p:nvPr>
-        </p:nvSpPr>
-        <p:spPr/>
-        <p:txBody>
-          <a:bodyPr/>
-          <a:lstStyle/>
-          <a:p>
-            <a:r>
-              <a:rPr lang="en-US" dirty="0" smtClean="0"/>
-              <a:t>Reduce Search Space</a:t>
-            </a:r>
-            <a:endParaRPr lang="en-US" dirty="0" smtClean="0"/>
-          </a:p>
-        </p:txBody>
-      </p:sp>
-      <p:sp>
-        <p:nvSpPr>
-          <p:cNvPr id="6147" name="Content Placeholder 2"/>
-          <p:cNvSpPr>
-            <a:spLocks noGrp="1"/>
-          </p:cNvSpPr>
-          <p:nvPr>
-            <p:ph idx="1"/>
-          </p:nvPr>
-        </p:nvSpPr>
-        <p:spPr>
-          <a:xfrm>
-            <a:off x="0" y="1219200"/>
-            <a:ext cx="9144000" cy="4929188"/>
-          </a:xfrm>
-        </p:spPr>
-        <p:txBody>
-          <a:bodyPr/>
-          <a:lstStyle/>
-          <a:p>
-            <a:pPr marL="0" indent="0">
-              <a:buNone/>
-            </a:pPr>
-            <a:r>
-              <a:rPr lang="en-US" sz="2400" dirty="0">
-                <a:solidFill>
-                  <a:srgbClr val="FFFF00"/>
-                </a:solidFill>
-              </a:rPr>
-              <a:t>private static </a:t>
-            </a:r>
-            <a:r>
-              <a:rPr lang="en-US" sz="2400" dirty="0" err="1">
-                <a:solidFill>
-                  <a:srgbClr val="FFFF00"/>
-                </a:solidFill>
-              </a:rPr>
-              <a:t>int</a:t>
-            </a:r>
-            <a:r>
-              <a:rPr lang="en-US" sz="2400" dirty="0">
-                <a:solidFill>
-                  <a:srgbClr val="FFFF00"/>
-                </a:solidFill>
-              </a:rPr>
-              <a:t> imperativeString2</a:t>
-            </a:r>
-            <a:r>
-              <a:rPr lang="en-US" sz="2400" dirty="0" smtClean="0">
-                <a:solidFill>
-                  <a:srgbClr val="FFFF00"/>
-                </a:solidFill>
-              </a:rPr>
-              <a:t>() {</a:t>
-            </a:r>
-            <a:endParaRPr lang="en-US" sz="2400" dirty="0">
-              <a:solidFill>
-                <a:srgbClr val="FFFF00"/>
-              </a:solidFill>
-            </a:endParaRPr>
-          </a:p>
-          <a:p>
-            <a:pPr marL="0" indent="0">
-              <a:buNone/>
-            </a:pPr>
-            <a:r>
-              <a:rPr lang="en-US" sz="2400" dirty="0" smtClean="0">
-                <a:solidFill>
-                  <a:srgbClr val="FFFF00"/>
-                </a:solidFill>
-              </a:rPr>
-              <a:t>    </a:t>
-            </a:r>
-            <a:r>
-              <a:rPr lang="en-US" sz="2400" dirty="0" err="1">
-                <a:solidFill>
-                  <a:srgbClr val="FFFF00"/>
-                </a:solidFill>
-              </a:rPr>
-              <a:t>var</a:t>
-            </a:r>
-            <a:r>
-              <a:rPr lang="en-US" sz="2400" dirty="0">
-                <a:solidFill>
-                  <a:srgbClr val="FFFF00"/>
-                </a:solidFill>
-              </a:rPr>
-              <a:t> maximum = </a:t>
-            </a:r>
-            <a:r>
-              <a:rPr lang="en-US" sz="2400" dirty="0" err="1">
-                <a:solidFill>
-                  <a:srgbClr val="FFFF00"/>
-                </a:solidFill>
-              </a:rPr>
-              <a:t>int.MinValue</a:t>
-            </a:r>
-            <a:r>
-              <a:rPr lang="en-US" sz="2400" dirty="0">
-                <a:solidFill>
-                  <a:srgbClr val="FFFF00"/>
-                </a:solidFill>
-              </a:rPr>
-              <a:t>;</a:t>
-            </a:r>
-          </a:p>
-          <a:p>
-            <a:pPr marL="0" indent="0">
-              <a:buNone/>
-            </a:pPr>
-            <a:r>
-              <a:rPr lang="nn-NO" sz="2400" dirty="0" smtClean="0">
-                <a:solidFill>
-                  <a:srgbClr val="FFFF00"/>
-                </a:solidFill>
-              </a:rPr>
-              <a:t>    </a:t>
-            </a:r>
-            <a:r>
-              <a:rPr lang="nn-NO" sz="2400" dirty="0">
-                <a:solidFill>
-                  <a:srgbClr val="FFFF00"/>
-                </a:solidFill>
-              </a:rPr>
-              <a:t>for(var i = 100; i != 1000; ++i)</a:t>
-            </a:r>
-          </a:p>
-          <a:p>
-            <a:pPr marL="0" indent="0">
-              <a:buNone/>
-            </a:pPr>
-            <a:r>
-              <a:rPr lang="en-US" sz="2400" dirty="0" smtClean="0">
-                <a:solidFill>
-                  <a:srgbClr val="FFFF00"/>
-                </a:solidFill>
-              </a:rPr>
-              <a:t>        </a:t>
-            </a:r>
-            <a:r>
-              <a:rPr lang="en-US" sz="2400" dirty="0">
-                <a:solidFill>
-                  <a:srgbClr val="FFFF00"/>
-                </a:solidFill>
-              </a:rPr>
-              <a:t>for (</a:t>
-            </a:r>
-            <a:r>
-              <a:rPr lang="en-US" sz="2400" dirty="0" err="1">
-                <a:solidFill>
-                  <a:srgbClr val="FFFF00"/>
-                </a:solidFill>
-              </a:rPr>
-              <a:t>var</a:t>
-            </a:r>
-            <a:r>
-              <a:rPr lang="en-US" sz="2400" dirty="0">
-                <a:solidFill>
-                  <a:srgbClr val="FFFF00"/>
-                </a:solidFill>
-              </a:rPr>
-              <a:t> j = </a:t>
-            </a:r>
-            <a:r>
-              <a:rPr lang="en-US" sz="2400" dirty="0" err="1">
-                <a:solidFill>
-                  <a:srgbClr val="FF0000"/>
-                </a:solidFill>
-              </a:rPr>
-              <a:t>i</a:t>
-            </a:r>
-            <a:r>
-              <a:rPr lang="en-US" sz="2400" dirty="0">
-                <a:solidFill>
-                  <a:srgbClr val="FFFF00"/>
-                </a:solidFill>
-              </a:rPr>
-              <a:t>; j != 1000; ++j</a:t>
-            </a:r>
-            <a:r>
-              <a:rPr lang="en-US" sz="2400" dirty="0" smtClean="0">
-                <a:solidFill>
-                  <a:srgbClr val="FFFF00"/>
-                </a:solidFill>
-              </a:rPr>
-              <a:t>) {</a:t>
-            </a:r>
-            <a:endParaRPr lang="en-US" sz="2400" dirty="0">
-              <a:solidFill>
-                <a:srgbClr val="FFFF00"/>
-              </a:solidFill>
-            </a:endParaRPr>
-          </a:p>
-          <a:p>
-            <a:pPr marL="0" indent="0">
-              <a:buNone/>
-            </a:pPr>
-            <a:r>
-              <a:rPr lang="en-US" sz="2400" dirty="0" smtClean="0">
-                <a:solidFill>
-                  <a:srgbClr val="FFFF00"/>
-                </a:solidFill>
-              </a:rPr>
-              <a:t>            </a:t>
-            </a:r>
-            <a:r>
-              <a:rPr lang="en-US" sz="2400" dirty="0" err="1">
-                <a:solidFill>
-                  <a:srgbClr val="FFFF00"/>
-                </a:solidFill>
-              </a:rPr>
-              <a:t>var</a:t>
-            </a:r>
-            <a:r>
-              <a:rPr lang="en-US" sz="2400" dirty="0">
-                <a:solidFill>
-                  <a:srgbClr val="FFFF00"/>
-                </a:solidFill>
-              </a:rPr>
-              <a:t> product = </a:t>
-            </a:r>
-            <a:r>
-              <a:rPr lang="en-US" sz="2400" dirty="0" err="1">
-                <a:solidFill>
-                  <a:srgbClr val="FFFF00"/>
-                </a:solidFill>
-              </a:rPr>
-              <a:t>i</a:t>
-            </a:r>
-            <a:r>
-              <a:rPr lang="en-US" sz="2400" dirty="0">
-                <a:solidFill>
-                  <a:srgbClr val="FFFF00"/>
-                </a:solidFill>
-              </a:rPr>
-              <a:t> * j;</a:t>
-            </a:r>
-          </a:p>
-          <a:p>
-            <a:pPr marL="0" indent="0">
-              <a:buNone/>
-            </a:pPr>
-            <a:r>
-              <a:rPr lang="en-US" sz="2400" dirty="0" smtClean="0">
-                <a:solidFill>
-                  <a:srgbClr val="FFFF00"/>
-                </a:solidFill>
-              </a:rPr>
-              <a:t>            </a:t>
-            </a:r>
-            <a:r>
-              <a:rPr lang="en-US" sz="2400" dirty="0">
-                <a:solidFill>
-                  <a:srgbClr val="FFFF00"/>
-                </a:solidFill>
-              </a:rPr>
-              <a:t>if (</a:t>
-            </a:r>
-            <a:r>
-              <a:rPr lang="en-US" sz="2400" dirty="0" err="1">
-                <a:solidFill>
-                  <a:srgbClr val="FFFF00"/>
-                </a:solidFill>
-              </a:rPr>
-              <a:t>isPalindromeString</a:t>
-            </a:r>
-            <a:r>
-              <a:rPr lang="en-US" sz="2400" dirty="0">
-                <a:solidFill>
-                  <a:srgbClr val="FFFF00"/>
-                </a:solidFill>
-              </a:rPr>
-              <a:t>(product) &amp;&amp; product &gt; maximum)</a:t>
-            </a:r>
-          </a:p>
-          <a:p>
-            <a:pPr marL="0" indent="0">
-              <a:buNone/>
-            </a:pPr>
-            <a:r>
-              <a:rPr lang="en-US" sz="2400" dirty="0" smtClean="0">
-                <a:solidFill>
-                  <a:srgbClr val="FFFF00"/>
-                </a:solidFill>
-              </a:rPr>
-              <a:t>                </a:t>
-            </a:r>
-            <a:r>
-              <a:rPr lang="en-US" sz="2400" dirty="0">
-                <a:solidFill>
-                  <a:srgbClr val="FFFF00"/>
-                </a:solidFill>
-              </a:rPr>
-              <a:t>maximum = product;</a:t>
-            </a:r>
-          </a:p>
-          <a:p>
-            <a:pPr marL="0" indent="0">
-              <a:buNone/>
-            </a:pPr>
-            <a:r>
-              <a:rPr lang="en-US" sz="2400" dirty="0" smtClean="0">
-                <a:solidFill>
-                  <a:srgbClr val="FFFF00"/>
-                </a:solidFill>
-              </a:rPr>
-              <a:t>        </a:t>
-            </a:r>
-            <a:r>
-              <a:rPr lang="en-US" sz="2400" dirty="0">
-                <a:solidFill>
-                  <a:srgbClr val="FFFF00"/>
-                </a:solidFill>
-              </a:rPr>
-              <a:t>}</a:t>
-            </a:r>
-          </a:p>
-          <a:p>
-            <a:pPr marL="0" indent="0">
-              <a:buNone/>
-            </a:pPr>
-            <a:r>
-              <a:rPr lang="en-US" sz="2400" dirty="0" smtClean="0">
-                <a:solidFill>
-                  <a:srgbClr val="FFFF00"/>
-                </a:solidFill>
-              </a:rPr>
-              <a:t>    </a:t>
-            </a:r>
-            <a:r>
-              <a:rPr lang="en-US" sz="2400" dirty="0">
-                <a:solidFill>
-                  <a:srgbClr val="FFFF00"/>
-                </a:solidFill>
-              </a:rPr>
-              <a:t>return maximum;</a:t>
-            </a:r>
-          </a:p>
-          <a:p>
-            <a:pPr marL="0" indent="0">
-              <a:buNone/>
-            </a:pPr>
-            <a:r>
-              <a:rPr lang="en-US" sz="2400" dirty="0" smtClean="0">
-                <a:solidFill>
-                  <a:srgbClr val="FFFF00"/>
-                </a:solidFill>
-              </a:rPr>
-              <a:t>}</a:t>
-            </a:r>
-            <a:endParaRPr lang="en-US" sz="2400" dirty="0">
-              <a:solidFill>
-                <a:srgbClr val="FFFF00"/>
-              </a:solidFill>
-            </a:endParaRPr>
-          </a:p>
-        </p:txBody>
-      </p:sp>
-      <p:sp>
-        <p:nvSpPr>
-          <p:cNvPr id="6148" name="Footer Placeholder 3"/>
-          <p:cNvSpPr>
-            <a:spLocks noGrp="1"/>
-          </p:cNvSpPr>
-          <p:nvPr>
-            <p:ph type="ftr" sz="quarter" idx="11"/>
-          </p:nvPr>
-        </p:nvSpPr>
-        <p:spPr>
-          <a:noFill/>
-          <a:ln/>
-          <a:extLst>
-            <a:ext uri="{909E8E84-426E-40DD-AFC4-6F175D3DCCD1}">
-              <a14:hiddenFill xmlns:a14="http://schemas.microsoft.com/office/drawing/2010/main">
-                <a:solidFill>
-                  <a:srgbClr val="FFFFFF"/>
-                </a:solidFill>
-              </a14:hiddenFill>
-            </a:ext>
-            <a:ext uri="{91240B29-F687-4F45-9708-019B960494DF}">
-              <a14:hiddenLine xmlns:a14="http://schemas.microsoft.com/office/drawing/2010/main" w="9525">
-                <a:solidFill>
-                  <a:srgbClr val="000000"/>
-                </a:solidFill>
-                <a:miter lim="800000"/>
-                <a:headEnd/>
-                <a:tailEnd/>
-              </a14:hiddenLine>
-            </a:ext>
-          </a:extLst>
-        </p:spPr>
-        <p:txBody>
-          <a:bodyPr/>
-          <a:lstStyle>
-            <a:lvl1pPr eaLnBrk="0" hangingPunct="0">
-              <a:defRPr sz="2800" b="1">
-                <a:solidFill>
-                  <a:schemeClr val="tx1"/>
-                </a:solidFill>
-                <a:latin typeface="Arial" charset="0"/>
-              </a:defRPr>
-            </a:lvl1pPr>
-            <a:lvl2pPr marL="742950" indent="-285750" eaLnBrk="0" hangingPunct="0">
-              <a:defRPr sz="2800" b="1">
-                <a:solidFill>
-                  <a:schemeClr val="tx1"/>
-                </a:solidFill>
-                <a:latin typeface="Arial" charset="0"/>
-              </a:defRPr>
-            </a:lvl2pPr>
-            <a:lvl3pPr marL="1143000" indent="-228600" eaLnBrk="0" hangingPunct="0">
-              <a:defRPr sz="2800" b="1">
-                <a:solidFill>
-                  <a:schemeClr val="tx1"/>
-                </a:solidFill>
-                <a:latin typeface="Arial" charset="0"/>
-              </a:defRPr>
-            </a:lvl3pPr>
-            <a:lvl4pPr marL="1600200" indent="-228600" eaLnBrk="0" hangingPunct="0">
-              <a:defRPr sz="2800" b="1">
-                <a:solidFill>
-                  <a:schemeClr val="tx1"/>
-                </a:solidFill>
-                <a:latin typeface="Arial" charset="0"/>
-              </a:defRPr>
-            </a:lvl4pPr>
-            <a:lvl5pPr marL="2057400" indent="-228600" eaLnBrk="0" hangingPunct="0">
-              <a:defRPr sz="2800" b="1">
-                <a:solidFill>
-                  <a:schemeClr val="tx1"/>
-                </a:solidFill>
-                <a:latin typeface="Arial" charset="0"/>
-              </a:defRPr>
-            </a:lvl5pPr>
-            <a:lvl6pPr marL="2514600" indent="-228600" eaLnBrk="0" fontAlgn="base" hangingPunct="0">
-              <a:spcBef>
-                <a:spcPct val="0"/>
-              </a:spcBef>
-              <a:spcAft>
-                <a:spcPct val="0"/>
-              </a:spcAft>
-              <a:defRPr sz="2800" b="1">
-                <a:solidFill>
-                  <a:schemeClr val="tx1"/>
-                </a:solidFill>
-                <a:latin typeface="Arial" charset="0"/>
-              </a:defRPr>
-            </a:lvl6pPr>
-            <a:lvl7pPr marL="2971800" indent="-228600" eaLnBrk="0" fontAlgn="base" hangingPunct="0">
-              <a:spcBef>
-                <a:spcPct val="0"/>
-              </a:spcBef>
-              <a:spcAft>
-                <a:spcPct val="0"/>
-              </a:spcAft>
-              <a:defRPr sz="2800" b="1">
-                <a:solidFill>
-                  <a:schemeClr val="tx1"/>
-                </a:solidFill>
-                <a:latin typeface="Arial" charset="0"/>
-              </a:defRPr>
-            </a:lvl7pPr>
-            <a:lvl8pPr marL="3429000" indent="-228600" eaLnBrk="0" fontAlgn="base" hangingPunct="0">
-              <a:spcBef>
-                <a:spcPct val="0"/>
-              </a:spcBef>
-              <a:spcAft>
-                <a:spcPct val="0"/>
-              </a:spcAft>
-              <a:defRPr sz="2800" b="1">
-                <a:solidFill>
-                  <a:schemeClr val="tx1"/>
-                </a:solidFill>
-                <a:latin typeface="Arial" charset="0"/>
-              </a:defRPr>
-            </a:lvl8pPr>
-            <a:lvl9pPr marL="3886200" indent="-228600" eaLnBrk="0" fontAlgn="base" hangingPunct="0">
-              <a:spcBef>
-                <a:spcPct val="0"/>
-              </a:spcBef>
-              <a:spcAft>
-                <a:spcPct val="0"/>
-              </a:spcAft>
-              <a:defRPr sz="2800" b="1">
-                <a:solidFill>
-                  <a:schemeClr val="tx1"/>
-                </a:solidFill>
-                <a:latin typeface="Arial" charset="0"/>
-              </a:defRPr>
-            </a:lvl9pPr>
-          </a:lstStyle>
-          <a:p>
-            <a:r>
-              <a:rPr lang="en-US" sz="1400" b="0" smtClean="0">
-                <a:solidFill>
-                  <a:srgbClr val="FFFFFF"/>
-                </a:solidFill>
-              </a:rPr>
-              <a:t>Teradyne Confidential and Proprietary</a:t>
-            </a:r>
-          </a:p>
-        </p:txBody>
-      </p:sp>
-    </p:spTree>
-    <p:extLst>
-      <p:ext uri="{BB962C8B-B14F-4D97-AF65-F5344CB8AC3E}">
-        <p14:creationId xmlns:p14="http://schemas.microsoft.com/office/powerpoint/2010/main" val="3221926877"/>
-      </p:ext>
-    </p:extLst>
-  </p:cSld>
-  <p:clrMapOvr>
-    <a:masterClrMapping/>
-  </p:clrMapOvr>
-  <p:timing>
-    <p:tnLst>
-      <p:par>
-        <p:cTn id="1" dur="indefinite" restart="never" nodeType="tmRoot"/>
-      </p:par>
-    </p:tnLst>
-  </p:timing>
-</p:sld>
-</file>
-
-<file path=ppt/slides/slide7.xml><?xml version="1.0" encoding="utf-8"?>
-<p:sld xmlns:a="http://schemas.openxmlformats.org/drawingml/2006/main" xmlns:r="http://schemas.openxmlformats.org/officeDocument/2006/relationships" xmlns:p="http://schemas.openxmlformats.org/presentationml/2006/main">
-  <p:cSld>
-    <p:spTree>
-      <p:nvGrpSpPr>
-        <p:cNvPr id="1" name=""/>
-        <p:cNvGrpSpPr/>
-        <p:nvPr/>
-      </p:nvGrpSpPr>
-      <p:grpSpPr>
-        <a:xfrm>
-          <a:off x="0" y="0"/>
-          <a:ext cx="0" cy="0"/>
-          <a:chOff x="0" y="0"/>
-          <a:chExt cx="0" cy="0"/>
-        </a:xfrm>
-      </p:grpSpPr>
-      <p:sp>
-        <p:nvSpPr>
-          <p:cNvPr id="6146" name="Title 1"/>
-          <p:cNvSpPr>
-            <a:spLocks noGrp="1"/>
-          </p:cNvSpPr>
-          <p:nvPr>
-            <p:ph type="title"/>
-          </p:nvPr>
-        </p:nvSpPr>
-        <p:spPr/>
-        <p:txBody>
-          <a:bodyPr/>
-          <a:lstStyle/>
-          <a:p>
-            <a:r>
-              <a:rPr lang="en-US" dirty="0" smtClean="0"/>
-              <a:t>Performance Comparison</a:t>
-            </a:r>
-          </a:p>
-        </p:txBody>
-      </p:sp>
-      <p:graphicFrame>
-        <p:nvGraphicFramePr>
-          <p:cNvPr id="2" name="Content Placeholder 1"/>
-          <p:cNvGraphicFramePr>
-            <a:graphicFrameLocks noGrp="1"/>
-          </p:cNvGraphicFramePr>
-          <p:nvPr>
-            <p:ph idx="1"/>
-            <p:extLst>
-              <p:ext uri="{D42A27DB-BD31-4B8C-83A1-F6EECF244321}">
-                <p14:modId xmlns:p14="http://schemas.microsoft.com/office/powerpoint/2010/main" val="2549309285"/>
-              </p:ext>
-            </p:extLst>
-          </p:nvPr>
-        </p:nvGraphicFramePr>
-        <p:xfrm>
-          <a:off x="685800" y="1219200"/>
-          <a:ext cx="7773139" cy="1112520"/>
-        </p:xfrm>
-        <a:graphic>
-          <a:graphicData uri="http://schemas.openxmlformats.org/drawingml/2006/table">
-            <a:tbl>
-              <a:tblPr firstRow="1" bandRow="1">
-                <a:tableStyleId>{5C22544A-7EE6-4342-B048-85BDC9FD1C3A}</a:tableStyleId>
-              </a:tblPr>
-              <a:tblGrid>
-                <a:gridCol w="2272255"/>
-                <a:gridCol w="1614314"/>
-                <a:gridCol w="1943285"/>
-                <a:gridCol w="1943285"/>
-              </a:tblGrid>
-              <a:tr h="370840">
-                <a:tc>
-                  <a:txBody>
-                    <a:bodyPr/>
-                    <a:lstStyle/>
-                    <a:p>
-                      <a:r>
-                        <a:rPr lang="en-US" dirty="0" smtClean="0">
-                          <a:ln>
-                            <a:noFill/>
-                          </a:ln>
-                          <a:solidFill>
-                            <a:srgbClr val="FFFF00"/>
-                          </a:solidFill>
-                        </a:rPr>
-                        <a:t>Time </a:t>
-                      </a:r>
-                      <a:r>
-                        <a:rPr lang="en-US" dirty="0" smtClean="0">
-                          <a:ln>
-                            <a:noFill/>
-                          </a:ln>
-                          <a:solidFill>
-                            <a:srgbClr val="FFFF00"/>
-                          </a:solidFill>
-                        </a:rPr>
-                        <a:t>(</a:t>
-                      </a:r>
-                      <a:r>
-                        <a:rPr lang="en-US" dirty="0" err="1" smtClean="0">
-                          <a:ln>
-                            <a:noFill/>
-                          </a:ln>
-                          <a:solidFill>
-                            <a:srgbClr val="FFFF00"/>
-                          </a:solidFill>
-                        </a:rPr>
-                        <a:t>ms</a:t>
-                      </a:r>
-                      <a:r>
-                        <a:rPr lang="en-US" dirty="0" smtClean="0">
-                          <a:ln>
-                            <a:noFill/>
-                          </a:ln>
-                          <a:solidFill>
-                            <a:srgbClr val="FFFF00"/>
-                          </a:solidFill>
-                        </a:rPr>
-                        <a:t>)</a:t>
-                      </a:r>
-                      <a:endParaRPr lang="en-US" dirty="0">
-                        <a:ln>
-                          <a:noFill/>
-                        </a:ln>
-                        <a:solidFill>
-                          <a:srgbClr val="FFFF00"/>
-                        </a:solidFill>
-                      </a:endParaRPr>
-                    </a:p>
-                  </a:txBody>
-                  <a:tcPr marL="116313" marR="116313">
-                    <a:lnL w="12700" cap="flat" cmpd="sng" algn="ctr">
-                      <a:solidFill>
-                        <a:srgbClr val="FFFF00"/>
-                      </a:solidFill>
-                      <a:prstDash val="solid"/>
-                      <a:round/>
-                      <a:headEnd type="none" w="med" len="med"/>
-                      <a:tailEnd type="none" w="med" len="med"/>
-                    </a:lnL>
-                    <a:lnR w="12700" cap="flat" cmpd="sng" algn="ctr">
-                      <a:solidFill>
-                        <a:srgbClr val="FFFF00"/>
-                      </a:solidFill>
-                      <a:prstDash val="solid"/>
-                      <a:round/>
-                      <a:headEnd type="none" w="med" len="med"/>
-                      <a:tailEnd type="none" w="med" len="med"/>
-                    </a:lnR>
-                    <a:lnT w="12700" cap="flat" cmpd="sng" algn="ctr">
-                      <a:solidFill>
-                        <a:srgbClr val="FFFF00"/>
-                      </a:solidFill>
-                      <a:prstDash val="solid"/>
-                      <a:round/>
-                      <a:headEnd type="none" w="med" len="med"/>
-                      <a:tailEnd type="none" w="med" len="med"/>
-                    </a:lnT>
-                    <a:lnB w="12700" cap="flat" cmpd="sng" algn="ctr">
-                      <a:solidFill>
-                        <a:srgbClr val="FFFF00"/>
-                      </a:solidFill>
-                      <a:prstDash val="solid"/>
-                      <a:round/>
-                      <a:headEnd type="none" w="med" len="med"/>
-                      <a:tailEnd type="none" w="med" len="med"/>
-                    </a:lnB>
-                    <a:noFill/>
-                  </a:tcPr>
-                </a:tc>
-                <a:tc>
-                  <a:txBody>
-                    <a:bodyPr/>
-                    <a:lstStyle/>
-                    <a:p>
-                      <a:pPr algn="r"/>
-                      <a:r>
-                        <a:rPr lang="en-US" dirty="0" smtClean="0">
-                          <a:ln>
-                            <a:noFill/>
-                          </a:ln>
-                          <a:solidFill>
-                            <a:srgbClr val="FFFF00"/>
-                          </a:solidFill>
-                        </a:rPr>
-                        <a:t>C#</a:t>
-                      </a:r>
-                      <a:endParaRPr lang="en-US" dirty="0">
-                        <a:ln>
-                          <a:noFill/>
-                        </a:ln>
-                        <a:solidFill>
-                          <a:srgbClr val="FFFF00"/>
-                        </a:solidFill>
-                      </a:endParaRPr>
-                    </a:p>
-                  </a:txBody>
-                  <a:tcPr marL="116313" marR="116313">
-                    <a:lnL w="12700" cap="flat" cmpd="sng" algn="ctr">
-                      <a:solidFill>
-                        <a:srgbClr val="FFFF00"/>
-                      </a:solidFill>
-                      <a:prstDash val="solid"/>
-                      <a:round/>
-                      <a:headEnd type="none" w="med" len="med"/>
-                      <a:tailEnd type="none" w="med" len="med"/>
-                    </a:lnL>
-                    <a:lnR w="12700" cap="flat" cmpd="sng" algn="ctr">
-                      <a:solidFill>
-                        <a:srgbClr val="FFFF00"/>
-                      </a:solidFill>
-                      <a:prstDash val="solid"/>
-                      <a:round/>
-                      <a:headEnd type="none" w="med" len="med"/>
-                      <a:tailEnd type="none" w="med" len="med"/>
-                    </a:lnR>
-                    <a:lnT w="12700" cap="flat" cmpd="sng" algn="ctr">
-                      <a:solidFill>
-                        <a:srgbClr val="FFFF00"/>
-                      </a:solidFill>
-                      <a:prstDash val="solid"/>
-                      <a:round/>
-                      <a:headEnd type="none" w="med" len="med"/>
-                      <a:tailEnd type="none" w="med" len="med"/>
-                    </a:lnT>
-                    <a:lnB w="12700" cap="flat" cmpd="sng" algn="ctr">
-                      <a:solidFill>
-                        <a:srgbClr val="FFFF00"/>
-                      </a:solidFill>
-                      <a:prstDash val="solid"/>
-                      <a:round/>
-                      <a:headEnd type="none" w="med" len="med"/>
-                      <a:tailEnd type="none" w="med" len="med"/>
-                    </a:lnB>
-                    <a:noFill/>
-                  </a:tcPr>
-                </a:tc>
-                <a:tc>
-                  <a:txBody>
-                    <a:bodyPr/>
-                    <a:lstStyle/>
-                    <a:p>
-                      <a:pPr algn="r"/>
-                      <a:r>
-                        <a:rPr lang="en-US" dirty="0" smtClean="0">
-                          <a:ln>
-                            <a:noFill/>
-                          </a:ln>
-                          <a:solidFill>
-                            <a:srgbClr val="FFFF00"/>
-                          </a:solidFill>
-                        </a:rPr>
-                        <a:t>C++</a:t>
-                      </a:r>
-                      <a:endParaRPr lang="en-US" dirty="0">
-                        <a:ln>
-                          <a:noFill/>
-                        </a:ln>
-                        <a:solidFill>
-                          <a:srgbClr val="FFFF00"/>
-                        </a:solidFill>
-                      </a:endParaRPr>
-                    </a:p>
-                  </a:txBody>
-                  <a:tcPr marL="116313" marR="116313">
-                    <a:lnL w="12700" cap="flat" cmpd="sng" algn="ctr">
-                      <a:solidFill>
-                        <a:srgbClr val="FFFF00"/>
-                      </a:solidFill>
-                      <a:prstDash val="solid"/>
-                      <a:round/>
-                      <a:headEnd type="none" w="med" len="med"/>
-                      <a:tailEnd type="none" w="med" len="med"/>
-                    </a:lnL>
-                    <a:lnR w="12700" cap="flat" cmpd="sng" algn="ctr">
-                      <a:solidFill>
-                        <a:srgbClr val="FFFF00"/>
-                      </a:solidFill>
-                      <a:prstDash val="solid"/>
-                      <a:round/>
-                      <a:headEnd type="none" w="med" len="med"/>
-                      <a:tailEnd type="none" w="med" len="med"/>
-                    </a:lnR>
-                    <a:lnT w="12700" cap="flat" cmpd="sng" algn="ctr">
-                      <a:solidFill>
-                        <a:srgbClr val="FFFF00"/>
-                      </a:solidFill>
-                      <a:prstDash val="solid"/>
-                      <a:round/>
-                      <a:headEnd type="none" w="med" len="med"/>
-                      <a:tailEnd type="none" w="med" len="med"/>
-                    </a:lnT>
-                    <a:lnB w="12700" cap="flat" cmpd="sng" algn="ctr">
-                      <a:solidFill>
-                        <a:srgbClr val="FFFF00"/>
-                      </a:solidFill>
-                      <a:prstDash val="solid"/>
-                      <a:round/>
-                      <a:headEnd type="none" w="med" len="med"/>
-                      <a:tailEnd type="none" w="med" len="med"/>
-                    </a:lnB>
-                    <a:noFill/>
-                  </a:tcPr>
-                </a:tc>
-                <a:tc>
-                  <a:txBody>
-                    <a:bodyPr/>
-                    <a:lstStyle/>
-                    <a:p>
-                      <a:pPr algn="r"/>
-                      <a:r>
-                        <a:rPr lang="en-US" dirty="0" smtClean="0">
-                          <a:ln>
-                            <a:noFill/>
-                          </a:ln>
-                          <a:solidFill>
-                            <a:srgbClr val="FFFF00"/>
-                          </a:solidFill>
-                        </a:rPr>
-                        <a:t>Iterations</a:t>
-                      </a:r>
-                      <a:endParaRPr lang="en-US" dirty="0">
-                        <a:ln>
-                          <a:noFill/>
-                        </a:ln>
-                        <a:solidFill>
-                          <a:srgbClr val="FFFF00"/>
-                        </a:solidFill>
-                      </a:endParaRPr>
-                    </a:p>
-                  </a:txBody>
-                  <a:tcPr marL="116313" marR="116313">
-                    <a:lnL w="12700" cap="flat" cmpd="sng" algn="ctr">
-                      <a:solidFill>
-                        <a:srgbClr val="FFFF00"/>
-                      </a:solidFill>
-                      <a:prstDash val="solid"/>
-                      <a:round/>
-                      <a:headEnd type="none" w="med" len="med"/>
-                      <a:tailEnd type="none" w="med" len="med"/>
-                    </a:lnL>
-                    <a:lnR w="12700" cap="flat" cmpd="sng" algn="ctr">
-                      <a:solidFill>
-                        <a:srgbClr val="FFFF00"/>
-                      </a:solidFill>
-                      <a:prstDash val="solid"/>
-                      <a:round/>
-                      <a:headEnd type="none" w="med" len="med"/>
-                      <a:tailEnd type="none" w="med" len="med"/>
-                    </a:lnR>
-                    <a:lnT w="12700" cap="flat" cmpd="sng" algn="ctr">
-                      <a:solidFill>
-                        <a:srgbClr val="FFFF00"/>
-                      </a:solidFill>
-                      <a:prstDash val="solid"/>
-                      <a:round/>
-                      <a:headEnd type="none" w="med" len="med"/>
-                      <a:tailEnd type="none" w="med" len="med"/>
-                    </a:lnT>
-                    <a:lnB w="12700" cap="flat" cmpd="sng" algn="ctr">
-                      <a:solidFill>
-                        <a:srgbClr val="FFFF00"/>
-                      </a:solidFill>
-                      <a:prstDash val="solid"/>
-                      <a:round/>
-                      <a:headEnd type="none" w="med" len="med"/>
-                      <a:tailEnd type="none" w="med" len="med"/>
-                    </a:lnB>
-                    <a:noFill/>
-                  </a:tcPr>
-                </a:tc>
-              </a:tr>
-              <a:tr h="370840">
-                <a:tc>
-                  <a:txBody>
-                    <a:bodyPr/>
-                    <a:lstStyle/>
-                    <a:p>
-                      <a:r>
-                        <a:rPr lang="en-US" dirty="0" err="1" smtClean="0">
-                          <a:ln>
-                            <a:noFill/>
-                          </a:ln>
-                          <a:solidFill>
-                            <a:srgbClr val="FFFF00"/>
-                          </a:solidFill>
-                        </a:rPr>
-                        <a:t>imperativeString</a:t>
-                      </a:r>
-                      <a:endParaRPr lang="en-US" dirty="0">
-                        <a:ln>
-                          <a:noFill/>
-                        </a:ln>
-                        <a:solidFill>
-                          <a:srgbClr val="FFFF00"/>
-                        </a:solidFill>
-                      </a:endParaRPr>
-                    </a:p>
-                  </a:txBody>
-                  <a:tcPr marL="116313" marR="116313">
-                    <a:lnL w="12700" cap="flat" cmpd="sng" algn="ctr">
-                      <a:solidFill>
-                        <a:srgbClr val="FFFF00"/>
-                      </a:solidFill>
-                      <a:prstDash val="solid"/>
-                      <a:round/>
-                      <a:headEnd type="none" w="med" len="med"/>
-                      <a:tailEnd type="none" w="med" len="med"/>
-                    </a:lnL>
-                    <a:lnR w="12700" cap="flat" cmpd="sng" algn="ctr">
-                      <a:solidFill>
-                        <a:srgbClr val="FFFF00"/>
-                      </a:solidFill>
-                      <a:prstDash val="solid"/>
-                      <a:round/>
-                      <a:headEnd type="none" w="med" len="med"/>
-                      <a:tailEnd type="none" w="med" len="med"/>
-                    </a:lnR>
-                    <a:lnT w="12700" cap="flat" cmpd="sng" algn="ctr">
-                      <a:solidFill>
-                        <a:srgbClr val="FFFF00"/>
-                      </a:solidFill>
-                      <a:prstDash val="solid"/>
-                      <a:round/>
-                      <a:headEnd type="none" w="med" len="med"/>
-                      <a:tailEnd type="none" w="med" len="med"/>
-                    </a:lnT>
-                    <a:lnB w="12700" cap="flat" cmpd="sng" algn="ctr">
-                      <a:solidFill>
-                        <a:srgbClr val="FFFF00"/>
-                      </a:solidFill>
-                      <a:prstDash val="solid"/>
-                      <a:round/>
-                      <a:headEnd type="none" w="med" len="med"/>
-                      <a:tailEnd type="none" w="med" len="med"/>
-                    </a:lnB>
-                    <a:noFill/>
-                  </a:tcPr>
-                </a:tc>
-                <a:tc>
-                  <a:txBody>
-                    <a:bodyPr/>
-                    <a:lstStyle/>
-                    <a:p>
-                      <a:pPr algn="r"/>
-                      <a:r>
-                        <a:rPr lang="en-US" dirty="0" smtClean="0">
-                          <a:ln>
-                            <a:noFill/>
-                          </a:ln>
-                          <a:solidFill>
-                            <a:srgbClr val="FFFF00"/>
-                          </a:solidFill>
-                        </a:rPr>
-                        <a:t>220</a:t>
-                      </a:r>
-                      <a:endParaRPr lang="en-US" dirty="0">
-                        <a:ln>
-                          <a:noFill/>
-                        </a:ln>
-                        <a:solidFill>
-                          <a:srgbClr val="FFFF00"/>
-                        </a:solidFill>
-                      </a:endParaRPr>
-                    </a:p>
-                  </a:txBody>
-                  <a:tcPr marL="116313" marR="116313">
-                    <a:lnL w="12700" cap="flat" cmpd="sng" algn="ctr">
-                      <a:solidFill>
-                        <a:srgbClr val="FFFF00"/>
-                      </a:solidFill>
-                      <a:prstDash val="solid"/>
-                      <a:round/>
-                      <a:headEnd type="none" w="med" len="med"/>
-                      <a:tailEnd type="none" w="med" len="med"/>
-                    </a:lnL>
-                    <a:lnR w="12700" cap="flat" cmpd="sng" algn="ctr">
-                      <a:solidFill>
-                        <a:srgbClr val="FFFF00"/>
-                      </a:solidFill>
-                      <a:prstDash val="solid"/>
-                      <a:round/>
-                      <a:headEnd type="none" w="med" len="med"/>
-                      <a:tailEnd type="none" w="med" len="med"/>
-                    </a:lnR>
-                    <a:lnT w="12700" cap="flat" cmpd="sng" algn="ctr">
-                      <a:solidFill>
-                        <a:srgbClr val="FFFF00"/>
-                      </a:solidFill>
-                      <a:prstDash val="solid"/>
-                      <a:round/>
-                      <a:headEnd type="none" w="med" len="med"/>
-                      <a:tailEnd type="none" w="med" len="med"/>
-                    </a:lnT>
-                    <a:lnB w="12700" cap="flat" cmpd="sng" algn="ctr">
-                      <a:solidFill>
-                        <a:srgbClr val="FFFF00"/>
-                      </a:solidFill>
-                      <a:prstDash val="solid"/>
-                      <a:round/>
-                      <a:headEnd type="none" w="med" len="med"/>
-                      <a:tailEnd type="none" w="med" len="med"/>
-                    </a:lnB>
-                    <a:noFill/>
-                  </a:tcPr>
-                </a:tc>
-                <a:tc>
-                  <a:txBody>
-                    <a:bodyPr/>
-                    <a:lstStyle/>
-                    <a:p>
-                      <a:pPr algn="r"/>
-                      <a:r>
-                        <a:rPr lang="en-US" dirty="0" smtClean="0">
-                          <a:ln>
-                            <a:noFill/>
-                          </a:ln>
-                          <a:solidFill>
-                            <a:srgbClr val="FFFF00"/>
-                          </a:solidFill>
-                        </a:rPr>
-                        <a:t>210</a:t>
-                      </a:r>
-                      <a:endParaRPr lang="en-US" dirty="0">
-                        <a:ln>
-                          <a:noFill/>
-                        </a:ln>
-                        <a:solidFill>
-                          <a:srgbClr val="FFFF00"/>
-                        </a:solidFill>
-                      </a:endParaRPr>
-                    </a:p>
-                  </a:txBody>
-                  <a:tcPr marL="116313" marR="116313">
-                    <a:lnL w="12700" cap="flat" cmpd="sng" algn="ctr">
-                      <a:solidFill>
-                        <a:srgbClr val="FFFF00"/>
-                      </a:solidFill>
-                      <a:prstDash val="solid"/>
-                      <a:round/>
-                      <a:headEnd type="none" w="med" len="med"/>
-                      <a:tailEnd type="none" w="med" len="med"/>
-                    </a:lnL>
-                    <a:lnR w="12700" cap="flat" cmpd="sng" algn="ctr">
-                      <a:solidFill>
-                        <a:srgbClr val="FFFF00"/>
-                      </a:solidFill>
-                      <a:prstDash val="solid"/>
-                      <a:round/>
-                      <a:headEnd type="none" w="med" len="med"/>
-                      <a:tailEnd type="none" w="med" len="med"/>
-                    </a:lnR>
-                    <a:lnT w="12700" cap="flat" cmpd="sng" algn="ctr">
-                      <a:solidFill>
-                        <a:srgbClr val="FFFF00"/>
-                      </a:solidFill>
-                      <a:prstDash val="solid"/>
-                      <a:round/>
-                      <a:headEnd type="none" w="med" len="med"/>
-                      <a:tailEnd type="none" w="med" len="med"/>
-                    </a:lnT>
-                    <a:lnB w="12700" cap="flat" cmpd="sng" algn="ctr">
-                      <a:solidFill>
-                        <a:srgbClr val="FFFF00"/>
-                      </a:solidFill>
-                      <a:prstDash val="solid"/>
-                      <a:round/>
-                      <a:headEnd type="none" w="med" len="med"/>
-                      <a:tailEnd type="none" w="med" len="med"/>
-                    </a:lnB>
-                    <a:noFill/>
-                  </a:tcPr>
-                </a:tc>
-                <a:tc>
-                  <a:txBody>
-                    <a:bodyPr/>
-                    <a:lstStyle/>
-                    <a:p>
-                      <a:pPr algn="r"/>
-                      <a:r>
-                        <a:rPr lang="en-US" dirty="0" smtClean="0">
-                          <a:ln>
-                            <a:noFill/>
-                          </a:ln>
-                          <a:solidFill>
-                            <a:srgbClr val="FFFF00"/>
-                          </a:solidFill>
-                        </a:rPr>
-                        <a:t>810000</a:t>
-                      </a:r>
-                      <a:endParaRPr lang="en-US" dirty="0">
-                        <a:ln>
-                          <a:noFill/>
-                        </a:ln>
-                        <a:solidFill>
-                          <a:srgbClr val="FFFF00"/>
-                        </a:solidFill>
-                      </a:endParaRPr>
-                    </a:p>
-                  </a:txBody>
-                  <a:tcPr marL="116313" marR="116313">
-                    <a:lnL w="12700" cap="flat" cmpd="sng" algn="ctr">
-                      <a:solidFill>
-                        <a:srgbClr val="FFFF00"/>
-                      </a:solidFill>
-                      <a:prstDash val="solid"/>
-                      <a:round/>
-                      <a:headEnd type="none" w="med" len="med"/>
-                      <a:tailEnd type="none" w="med" len="med"/>
-                    </a:lnL>
-                    <a:lnR w="12700" cap="flat" cmpd="sng" algn="ctr">
-                      <a:solidFill>
-                        <a:srgbClr val="FFFF00"/>
-                      </a:solidFill>
-                      <a:prstDash val="solid"/>
-                      <a:round/>
-                      <a:headEnd type="none" w="med" len="med"/>
-                      <a:tailEnd type="none" w="med" len="med"/>
-                    </a:lnR>
-                    <a:lnT w="12700" cap="flat" cmpd="sng" algn="ctr">
-                      <a:solidFill>
-                        <a:srgbClr val="FFFF00"/>
-                      </a:solidFill>
-                      <a:prstDash val="solid"/>
-                      <a:round/>
-                      <a:headEnd type="none" w="med" len="med"/>
-                      <a:tailEnd type="none" w="med" len="med"/>
-                    </a:lnT>
-                    <a:lnB w="12700" cap="flat" cmpd="sng" algn="ctr">
-                      <a:solidFill>
-                        <a:srgbClr val="FFFF00"/>
-                      </a:solidFill>
-                      <a:prstDash val="solid"/>
-                      <a:round/>
-                      <a:headEnd type="none" w="med" len="med"/>
-                      <a:tailEnd type="none" w="med" len="med"/>
-                    </a:lnB>
-                    <a:noFill/>
-                  </a:tcPr>
-                </a:tc>
-              </a:tr>
-              <a:tr h="370840">
-                <a:tc>
-                  <a:txBody>
-                    <a:bodyPr/>
-                    <a:lstStyle/>
-                    <a:p>
-                      <a:r>
-                        <a:rPr lang="en-US" dirty="0" smtClean="0">
-                          <a:ln>
-                            <a:noFill/>
-                          </a:ln>
-                          <a:solidFill>
-                            <a:srgbClr val="FFFF00"/>
-                          </a:solidFill>
-                        </a:rPr>
-                        <a:t>imperativeString2</a:t>
-                      </a:r>
-                      <a:endParaRPr lang="en-US" dirty="0">
-                        <a:ln>
-                          <a:noFill/>
-                        </a:ln>
-                        <a:solidFill>
-                          <a:srgbClr val="FFFF00"/>
-                        </a:solidFill>
-                      </a:endParaRPr>
-                    </a:p>
-                  </a:txBody>
-                  <a:tcPr marL="116313" marR="116313">
-                    <a:lnL w="12700" cap="flat" cmpd="sng" algn="ctr">
-                      <a:solidFill>
-                        <a:srgbClr val="FFFF00"/>
-                      </a:solidFill>
-                      <a:prstDash val="solid"/>
-                      <a:round/>
-                      <a:headEnd type="none" w="med" len="med"/>
-                      <a:tailEnd type="none" w="med" len="med"/>
-                    </a:lnL>
-                    <a:lnR w="12700" cap="flat" cmpd="sng" algn="ctr">
-                      <a:solidFill>
-                        <a:srgbClr val="FFFF00"/>
-                      </a:solidFill>
-                      <a:prstDash val="solid"/>
-                      <a:round/>
-                      <a:headEnd type="none" w="med" len="med"/>
-                      <a:tailEnd type="none" w="med" len="med"/>
-                    </a:lnR>
-                    <a:lnT w="12700" cap="flat" cmpd="sng" algn="ctr">
-                      <a:solidFill>
-                        <a:srgbClr val="FFFF00"/>
-                      </a:solidFill>
-                      <a:prstDash val="solid"/>
-                      <a:round/>
-                      <a:headEnd type="none" w="med" len="med"/>
-                      <a:tailEnd type="none" w="med" len="med"/>
-                    </a:lnT>
-                    <a:lnB w="12700" cap="flat" cmpd="sng" algn="ctr">
-                      <a:solidFill>
-                        <a:srgbClr val="FFFF00"/>
-                      </a:solidFill>
-                      <a:prstDash val="solid"/>
-                      <a:round/>
-                      <a:headEnd type="none" w="med" len="med"/>
-                      <a:tailEnd type="none" w="med" len="med"/>
-                    </a:lnB>
-                    <a:noFill/>
-                  </a:tcPr>
-                </a:tc>
-                <a:tc>
-                  <a:txBody>
-                    <a:bodyPr/>
-                    <a:lstStyle/>
-                    <a:p>
-                      <a:pPr algn="r"/>
-                      <a:r>
-                        <a:rPr lang="en-US" dirty="0" smtClean="0">
-                          <a:ln>
-                            <a:noFill/>
-                          </a:ln>
-                          <a:solidFill>
-                            <a:srgbClr val="FFFF00"/>
-                          </a:solidFill>
-                        </a:rPr>
-                        <a:t>110</a:t>
-                      </a:r>
-                      <a:endParaRPr lang="en-US" dirty="0">
-                        <a:ln>
-                          <a:noFill/>
-                        </a:ln>
-                        <a:solidFill>
-                          <a:srgbClr val="FFFF00"/>
-                        </a:solidFill>
-                      </a:endParaRPr>
-                    </a:p>
-                  </a:txBody>
-                  <a:tcPr marL="116313" marR="116313">
-                    <a:lnL w="12700" cap="flat" cmpd="sng" algn="ctr">
-                      <a:solidFill>
-                        <a:srgbClr val="FFFF00"/>
-                      </a:solidFill>
-                      <a:prstDash val="solid"/>
-                      <a:round/>
-                      <a:headEnd type="none" w="med" len="med"/>
-                      <a:tailEnd type="none" w="med" len="med"/>
-                    </a:lnL>
-                    <a:lnR w="12700" cap="flat" cmpd="sng" algn="ctr">
-                      <a:solidFill>
-                        <a:srgbClr val="FFFF00"/>
-                      </a:solidFill>
-                      <a:prstDash val="solid"/>
-                      <a:round/>
-                      <a:headEnd type="none" w="med" len="med"/>
-                      <a:tailEnd type="none" w="med" len="med"/>
-                    </a:lnR>
-                    <a:lnT w="12700" cap="flat" cmpd="sng" algn="ctr">
-                      <a:solidFill>
-                        <a:srgbClr val="FFFF00"/>
-                      </a:solidFill>
-                      <a:prstDash val="solid"/>
-                      <a:round/>
-                      <a:headEnd type="none" w="med" len="med"/>
-                      <a:tailEnd type="none" w="med" len="med"/>
-                    </a:lnT>
-                    <a:lnB w="12700" cap="flat" cmpd="sng" algn="ctr">
-                      <a:solidFill>
-                        <a:srgbClr val="FFFF00"/>
-                      </a:solidFill>
-                      <a:prstDash val="solid"/>
-                      <a:round/>
-                      <a:headEnd type="none" w="med" len="med"/>
-                      <a:tailEnd type="none" w="med" len="med"/>
-                    </a:lnB>
-                    <a:noFill/>
-                  </a:tcPr>
-                </a:tc>
-                <a:tc>
-                  <a:txBody>
-                    <a:bodyPr/>
-                    <a:lstStyle/>
-                    <a:p>
-                      <a:pPr algn="r"/>
-                      <a:r>
-                        <a:rPr lang="en-US" dirty="0" smtClean="0">
-                          <a:ln>
-                            <a:noFill/>
-                          </a:ln>
-                          <a:solidFill>
-                            <a:srgbClr val="FFFF00"/>
-                          </a:solidFill>
-                        </a:rPr>
-                        <a:t>100</a:t>
-                      </a:r>
-                      <a:endParaRPr lang="en-US" dirty="0">
-                        <a:ln>
-                          <a:noFill/>
-                        </a:ln>
-                        <a:solidFill>
-                          <a:srgbClr val="FFFF00"/>
-                        </a:solidFill>
-                      </a:endParaRPr>
-                    </a:p>
-                  </a:txBody>
-                  <a:tcPr marL="116313" marR="116313">
-                    <a:lnL w="12700" cap="flat" cmpd="sng" algn="ctr">
-                      <a:solidFill>
-                        <a:srgbClr val="FFFF00"/>
-                      </a:solidFill>
-                      <a:prstDash val="solid"/>
-                      <a:round/>
-                      <a:headEnd type="none" w="med" len="med"/>
-                      <a:tailEnd type="none" w="med" len="med"/>
-                    </a:lnL>
-                    <a:lnR w="12700" cap="flat" cmpd="sng" algn="ctr">
-                      <a:solidFill>
-                        <a:srgbClr val="FFFF00"/>
-                      </a:solidFill>
-                      <a:prstDash val="solid"/>
-                      <a:round/>
-                      <a:headEnd type="none" w="med" len="med"/>
-                      <a:tailEnd type="none" w="med" len="med"/>
-                    </a:lnR>
-                    <a:lnT w="12700" cap="flat" cmpd="sng" algn="ctr">
-                      <a:solidFill>
-                        <a:srgbClr val="FFFF00"/>
-                      </a:solidFill>
-                      <a:prstDash val="solid"/>
-                      <a:round/>
-                      <a:headEnd type="none" w="med" len="med"/>
-                      <a:tailEnd type="none" w="med" len="med"/>
-                    </a:lnT>
-                    <a:lnB w="12700" cap="flat" cmpd="sng" algn="ctr">
-                      <a:solidFill>
-                        <a:srgbClr val="FFFF00"/>
-                      </a:solidFill>
-                      <a:prstDash val="solid"/>
-                      <a:round/>
-                      <a:headEnd type="none" w="med" len="med"/>
-                      <a:tailEnd type="none" w="med" len="med"/>
-                    </a:lnB>
-                    <a:noFill/>
-                  </a:tcPr>
-                </a:tc>
-                <a:tc>
-                  <a:txBody>
-                    <a:bodyPr/>
-                    <a:lstStyle/>
-                    <a:p>
-                      <a:pPr algn="r"/>
-                      <a:r>
-                        <a:rPr lang="en-US" dirty="0" smtClean="0">
-                          <a:ln>
-                            <a:noFill/>
-                          </a:ln>
-                          <a:solidFill>
-                            <a:srgbClr val="FFFF00"/>
-                          </a:solidFill>
-                        </a:rPr>
-                        <a:t>405450</a:t>
-                      </a:r>
-                      <a:endParaRPr lang="en-US" dirty="0">
-                        <a:ln>
-                          <a:noFill/>
-                        </a:ln>
-                        <a:solidFill>
-                          <a:srgbClr val="FFFF00"/>
-                        </a:solidFill>
-                      </a:endParaRPr>
-                    </a:p>
-                  </a:txBody>
-                  <a:tcPr marL="116313" marR="116313">
-                    <a:lnL w="12700" cap="flat" cmpd="sng" algn="ctr">
-                      <a:solidFill>
-                        <a:srgbClr val="FFFF00"/>
-                      </a:solidFill>
-                      <a:prstDash val="solid"/>
-                      <a:round/>
-                      <a:headEnd type="none" w="med" len="med"/>
-                      <a:tailEnd type="none" w="med" len="med"/>
-                    </a:lnL>
-                    <a:lnR w="12700" cap="flat" cmpd="sng" algn="ctr">
-                      <a:solidFill>
-                        <a:srgbClr val="FFFF00"/>
-                      </a:solidFill>
-                      <a:prstDash val="solid"/>
-                      <a:round/>
-                      <a:headEnd type="none" w="med" len="med"/>
-                      <a:tailEnd type="none" w="med" len="med"/>
-                    </a:lnR>
-                    <a:lnT w="12700" cap="flat" cmpd="sng" algn="ctr">
-                      <a:solidFill>
-                        <a:srgbClr val="FFFF00"/>
-                      </a:solidFill>
-                      <a:prstDash val="solid"/>
-                      <a:round/>
-                      <a:headEnd type="none" w="med" len="med"/>
-                      <a:tailEnd type="none" w="med" len="med"/>
-                    </a:lnT>
-                    <a:lnB w="12700" cap="flat" cmpd="sng" algn="ctr">
-                      <a:solidFill>
-                        <a:srgbClr val="FFFF00"/>
-                      </a:solidFill>
-                      <a:prstDash val="solid"/>
-                      <a:round/>
-                      <a:headEnd type="none" w="med" len="med"/>
-                      <a:tailEnd type="none" w="med" len="med"/>
-                    </a:lnB>
-                    <a:noFill/>
-                  </a:tcPr>
-                </a:tc>
-              </a:tr>
-            </a:tbl>
-          </a:graphicData>
-        </a:graphic>
-      </p:graphicFrame>
-      <p:sp>
-        <p:nvSpPr>
-          <p:cNvPr id="6148" name="Footer Placeholder 3"/>
-          <p:cNvSpPr>
-            <a:spLocks noGrp="1"/>
-          </p:cNvSpPr>
-          <p:nvPr>
-            <p:ph type="ftr" sz="quarter" idx="11"/>
-          </p:nvPr>
-        </p:nvSpPr>
-        <p:spPr>
-          <a:noFill/>
-          <a:ln/>
-          <a:extLst>
-            <a:ext uri="{909E8E84-426E-40DD-AFC4-6F175D3DCCD1}">
-              <a14:hiddenFill xmlns:a14="http://schemas.microsoft.com/office/drawing/2010/main">
-                <a:solidFill>
-                  <a:srgbClr val="FFFFFF"/>
-                </a:solidFill>
-              </a14:hiddenFill>
-            </a:ext>
-            <a:ext uri="{91240B29-F687-4F45-9708-019B960494DF}">
-              <a14:hiddenLine xmlns:a14="http://schemas.microsoft.com/office/drawing/2010/main" w="9525">
-                <a:solidFill>
-                  <a:srgbClr val="000000"/>
-                </a:solidFill>
-                <a:miter lim="800000"/>
-                <a:headEnd/>
-                <a:tailEnd/>
-              </a14:hiddenLine>
-            </a:ext>
-          </a:extLst>
-        </p:spPr>
-        <p:txBody>
-          <a:bodyPr/>
-          <a:lstStyle>
-            <a:lvl1pPr eaLnBrk="0" hangingPunct="0">
-              <a:defRPr sz="2800" b="1">
-                <a:solidFill>
-                  <a:schemeClr val="tx1"/>
-                </a:solidFill>
-                <a:latin typeface="Arial" charset="0"/>
-              </a:defRPr>
-            </a:lvl1pPr>
-            <a:lvl2pPr marL="742950" indent="-285750" eaLnBrk="0" hangingPunct="0">
-              <a:defRPr sz="2800" b="1">
-                <a:solidFill>
-                  <a:schemeClr val="tx1"/>
-                </a:solidFill>
-                <a:latin typeface="Arial" charset="0"/>
-              </a:defRPr>
-            </a:lvl2pPr>
-            <a:lvl3pPr marL="1143000" indent="-228600" eaLnBrk="0" hangingPunct="0">
-              <a:defRPr sz="2800" b="1">
-                <a:solidFill>
-                  <a:schemeClr val="tx1"/>
-                </a:solidFill>
-                <a:latin typeface="Arial" charset="0"/>
-              </a:defRPr>
-            </a:lvl3pPr>
-            <a:lvl4pPr marL="1600200" indent="-228600" eaLnBrk="0" hangingPunct="0">
-              <a:defRPr sz="2800" b="1">
-                <a:solidFill>
-                  <a:schemeClr val="tx1"/>
-                </a:solidFill>
-                <a:latin typeface="Arial" charset="0"/>
-              </a:defRPr>
-            </a:lvl4pPr>
-            <a:lvl5pPr marL="2057400" indent="-228600" eaLnBrk="0" hangingPunct="0">
-              <a:defRPr sz="2800" b="1">
-                <a:solidFill>
-                  <a:schemeClr val="tx1"/>
-                </a:solidFill>
-                <a:latin typeface="Arial" charset="0"/>
-              </a:defRPr>
-            </a:lvl5pPr>
-            <a:lvl6pPr marL="2514600" indent="-228600" eaLnBrk="0" fontAlgn="base" hangingPunct="0">
-              <a:spcBef>
-                <a:spcPct val="0"/>
-              </a:spcBef>
-              <a:spcAft>
-                <a:spcPct val="0"/>
-              </a:spcAft>
-              <a:defRPr sz="2800" b="1">
-                <a:solidFill>
-                  <a:schemeClr val="tx1"/>
-                </a:solidFill>
-                <a:latin typeface="Arial" charset="0"/>
-              </a:defRPr>
-            </a:lvl6pPr>
-            <a:lvl7pPr marL="2971800" indent="-228600" eaLnBrk="0" fontAlgn="base" hangingPunct="0">
-              <a:spcBef>
-                <a:spcPct val="0"/>
-              </a:spcBef>
-              <a:spcAft>
-                <a:spcPct val="0"/>
-              </a:spcAft>
-              <a:defRPr sz="2800" b="1">
-                <a:solidFill>
-                  <a:schemeClr val="tx1"/>
-                </a:solidFill>
-                <a:latin typeface="Arial" charset="0"/>
-              </a:defRPr>
-            </a:lvl7pPr>
-            <a:lvl8pPr marL="3429000" indent="-228600" eaLnBrk="0" fontAlgn="base" hangingPunct="0">
-              <a:spcBef>
-                <a:spcPct val="0"/>
-              </a:spcBef>
-              <a:spcAft>
-                <a:spcPct val="0"/>
-              </a:spcAft>
-              <a:defRPr sz="2800" b="1">
-                <a:solidFill>
-                  <a:schemeClr val="tx1"/>
-                </a:solidFill>
-                <a:latin typeface="Arial" charset="0"/>
-              </a:defRPr>
-            </a:lvl8pPr>
-            <a:lvl9pPr marL="3886200" indent="-228600" eaLnBrk="0" fontAlgn="base" hangingPunct="0">
-              <a:spcBef>
-                <a:spcPct val="0"/>
-              </a:spcBef>
-              <a:spcAft>
-                <a:spcPct val="0"/>
-              </a:spcAft>
-              <a:defRPr sz="2800" b="1">
-                <a:solidFill>
-                  <a:schemeClr val="tx1"/>
-                </a:solidFill>
-                <a:latin typeface="Arial" charset="0"/>
-              </a:defRPr>
-            </a:lvl9pPr>
-          </a:lstStyle>
-          <a:p>
-            <a:r>
-              <a:rPr lang="en-US" sz="1400" b="0" smtClean="0">
-                <a:solidFill>
-                  <a:srgbClr val="FFFFFF"/>
-                </a:solidFill>
-              </a:rPr>
-              <a:t>Teradyne Confidential and Proprietary</a:t>
-            </a:r>
-          </a:p>
-        </p:txBody>
-      </p:sp>
-      <p:sp>
-        <p:nvSpPr>
-          <p:cNvPr id="3" name="TextBox 2"/>
-          <p:cNvSpPr txBox="1"/>
-          <p:nvPr/>
-        </p:nvSpPr>
-        <p:spPr>
-          <a:xfrm>
             <a:off x="680224" y="2732050"/>
             <a:ext cx="7861610" cy="1815882"/>
           </a:xfrm>
@@ -10983,7 +8261,7 @@
                   <a:srgbClr val="FFFF00"/>
                 </a:solidFill>
               </a:rPr>
-              <a:t>Cutting the search space in half cuts the time in half.</a:t>
+              <a:t>The Least Common Multiple Method is orders of magnitude faster.</a:t>
             </a:r>
             <a:endParaRPr lang="en-US" b="0" dirty="0" smtClean="0">
               <a:solidFill>
@@ -10997,1855 +8275,6 @@
     <p:extLst>
       <p:ext uri="{BB962C8B-B14F-4D97-AF65-F5344CB8AC3E}">
         <p14:creationId xmlns:p14="http://schemas.microsoft.com/office/powerpoint/2010/main" val="129329548"/>
-      </p:ext>
-    </p:extLst>
-  </p:cSld>
-  <p:clrMapOvr>
-    <a:masterClrMapping/>
-  </p:clrMapOvr>
-  <p:timing>
-    <p:tnLst>
-      <p:par>
-        <p:cTn id="1" dur="indefinite" restart="never" nodeType="tmRoot"/>
-      </p:par>
-    </p:tnLst>
-  </p:timing>
-</p:sld>
-</file>
-
-<file path=ppt/slides/slide8.xml><?xml version="1.0" encoding="utf-8"?>
-<p:sld xmlns:a="http://schemas.openxmlformats.org/drawingml/2006/main" xmlns:r="http://schemas.openxmlformats.org/officeDocument/2006/relationships" xmlns:p="http://schemas.openxmlformats.org/presentationml/2006/main">
-  <p:cSld>
-    <p:spTree>
-      <p:nvGrpSpPr>
-        <p:cNvPr id="1" name=""/>
-        <p:cNvGrpSpPr/>
-        <p:nvPr/>
-      </p:nvGrpSpPr>
-      <p:grpSpPr>
-        <a:xfrm>
-          <a:off x="0" y="0"/>
-          <a:ext cx="0" cy="0"/>
-          <a:chOff x="0" y="0"/>
-          <a:chExt cx="0" cy="0"/>
-        </a:xfrm>
-      </p:grpSpPr>
-      <p:sp>
-        <p:nvSpPr>
-          <p:cNvPr id="6146" name="Title 1"/>
-          <p:cNvSpPr>
-            <a:spLocks noGrp="1"/>
-          </p:cNvSpPr>
-          <p:nvPr>
-            <p:ph type="title"/>
-          </p:nvPr>
-        </p:nvSpPr>
-        <p:spPr/>
-        <p:txBody>
-          <a:bodyPr/>
-          <a:lstStyle/>
-          <a:p>
-            <a:r>
-              <a:rPr lang="en-US" dirty="0" smtClean="0"/>
-              <a:t>Strings are Expensive</a:t>
-            </a:r>
-            <a:endParaRPr lang="en-US" dirty="0" smtClean="0"/>
-          </a:p>
-        </p:txBody>
-      </p:sp>
-      <p:sp>
-        <p:nvSpPr>
-          <p:cNvPr id="6147" name="Content Placeholder 2"/>
-          <p:cNvSpPr>
-            <a:spLocks noGrp="1"/>
-          </p:cNvSpPr>
-          <p:nvPr>
-            <p:ph idx="1"/>
-          </p:nvPr>
-        </p:nvSpPr>
-        <p:spPr>
-          <a:xfrm>
-            <a:off x="0" y="1346521"/>
-            <a:ext cx="9144000" cy="4929188"/>
-          </a:xfrm>
-        </p:spPr>
-        <p:txBody>
-          <a:bodyPr/>
-          <a:lstStyle/>
-          <a:p>
-            <a:pPr marL="0" indent="0">
-              <a:buNone/>
-            </a:pPr>
-            <a:r>
-              <a:rPr lang="en-US" sz="2000" dirty="0"/>
-              <a:t>private static </a:t>
-            </a:r>
-            <a:r>
-              <a:rPr lang="en-US" sz="2000" dirty="0" err="1"/>
-              <a:t>int</a:t>
-            </a:r>
-            <a:r>
-              <a:rPr lang="en-US" sz="2000" dirty="0"/>
-              <a:t> reverse(</a:t>
-            </a:r>
-            <a:r>
-              <a:rPr lang="en-US" sz="2000" dirty="0" err="1"/>
-              <a:t>int</a:t>
-            </a:r>
-            <a:r>
-              <a:rPr lang="en-US" sz="2000" dirty="0"/>
-              <a:t> x</a:t>
-            </a:r>
-            <a:r>
-              <a:rPr lang="en-US" sz="2000" dirty="0" smtClean="0"/>
-              <a:t>) {</a:t>
-            </a:r>
-            <a:endParaRPr lang="en-US" sz="2000" dirty="0"/>
-          </a:p>
-          <a:p>
-            <a:pPr marL="0" indent="0">
-              <a:buNone/>
-            </a:pPr>
-            <a:r>
-              <a:rPr lang="en-US" sz="2000" dirty="0" smtClean="0"/>
-              <a:t>    </a:t>
-            </a:r>
-            <a:r>
-              <a:rPr lang="en-US" sz="2000" dirty="0" err="1"/>
-              <a:t>var</a:t>
-            </a:r>
-            <a:r>
-              <a:rPr lang="en-US" sz="2000" dirty="0"/>
-              <a:t> result = 0;</a:t>
-            </a:r>
-          </a:p>
-          <a:p>
-            <a:pPr marL="0" indent="0">
-              <a:buNone/>
-            </a:pPr>
-            <a:r>
-              <a:rPr lang="en-US" sz="2000" dirty="0" smtClean="0"/>
-              <a:t>    </a:t>
-            </a:r>
-            <a:r>
-              <a:rPr lang="en-US" sz="2000" dirty="0"/>
-              <a:t>while (x &gt; 0</a:t>
-            </a:r>
-            <a:r>
-              <a:rPr lang="en-US" sz="2000" dirty="0" smtClean="0"/>
-              <a:t>) {</a:t>
-            </a:r>
-            <a:endParaRPr lang="en-US" sz="2000" dirty="0"/>
-          </a:p>
-          <a:p>
-            <a:pPr marL="0" indent="0">
-              <a:buNone/>
-            </a:pPr>
-            <a:r>
-              <a:rPr lang="en-US" sz="2000" dirty="0" smtClean="0"/>
-              <a:t>        </a:t>
-            </a:r>
-            <a:r>
-              <a:rPr lang="en-US" sz="2000" dirty="0"/>
-              <a:t>result = 10 * result + x % 10;</a:t>
-            </a:r>
-          </a:p>
-          <a:p>
-            <a:pPr marL="0" indent="0">
-              <a:buNone/>
-            </a:pPr>
-            <a:r>
-              <a:rPr lang="en-US" sz="2000" dirty="0" smtClean="0"/>
-              <a:t>        </a:t>
-            </a:r>
-            <a:r>
-              <a:rPr lang="en-US" sz="2000" dirty="0"/>
-              <a:t>x /= 10;</a:t>
-            </a:r>
-          </a:p>
-          <a:p>
-            <a:pPr marL="0" indent="0">
-              <a:buNone/>
-            </a:pPr>
-            <a:r>
-              <a:rPr lang="en-US" sz="2000" dirty="0" smtClean="0"/>
-              <a:t>    </a:t>
-            </a:r>
-            <a:r>
-              <a:rPr lang="en-US" sz="2000" dirty="0"/>
-              <a:t>}</a:t>
-            </a:r>
-          </a:p>
-          <a:p>
-            <a:pPr marL="0" indent="0">
-              <a:buNone/>
-            </a:pPr>
-            <a:r>
-              <a:rPr lang="en-US" sz="2000" dirty="0" smtClean="0"/>
-              <a:t>    </a:t>
-            </a:r>
-            <a:r>
-              <a:rPr lang="en-US" sz="2000" dirty="0"/>
-              <a:t>return result;</a:t>
-            </a:r>
-          </a:p>
-          <a:p>
-            <a:pPr marL="0" indent="0">
-              <a:buNone/>
-            </a:pPr>
-            <a:r>
-              <a:rPr lang="en-US" sz="2000" dirty="0" smtClean="0"/>
-              <a:t>}</a:t>
-            </a:r>
-            <a:endParaRPr lang="en-US" sz="2000" dirty="0"/>
-          </a:p>
-          <a:p>
-            <a:pPr marL="0" indent="0">
-              <a:buNone/>
-            </a:pPr>
-            <a:r>
-              <a:rPr lang="en-US" sz="2000" dirty="0" smtClean="0"/>
-              <a:t>private </a:t>
-            </a:r>
-            <a:r>
-              <a:rPr lang="en-US" sz="2000" dirty="0"/>
-              <a:t>static </a:t>
-            </a:r>
-            <a:r>
-              <a:rPr lang="en-US" sz="2000" dirty="0" err="1"/>
-              <a:t>bool</a:t>
-            </a:r>
-            <a:r>
-              <a:rPr lang="en-US" sz="2000" dirty="0"/>
-              <a:t> </a:t>
-            </a:r>
-            <a:r>
-              <a:rPr lang="en-US" sz="2000" dirty="0" err="1"/>
-              <a:t>isPalindrome</a:t>
-            </a:r>
-            <a:r>
-              <a:rPr lang="en-US" sz="2000" dirty="0"/>
-              <a:t>(</a:t>
-            </a:r>
-            <a:r>
-              <a:rPr lang="en-US" sz="2000" dirty="0" err="1"/>
-              <a:t>int</a:t>
-            </a:r>
-            <a:r>
-              <a:rPr lang="en-US" sz="2000" dirty="0"/>
-              <a:t> x</a:t>
-            </a:r>
-            <a:r>
-              <a:rPr lang="en-US" sz="2000" dirty="0" smtClean="0"/>
-              <a:t>) </a:t>
-            </a:r>
-            <a:r>
-              <a:rPr lang="en-US" sz="2000" dirty="0"/>
-              <a:t>{</a:t>
-            </a:r>
-          </a:p>
-          <a:p>
-            <a:pPr marL="0" indent="0">
-              <a:buNone/>
-            </a:pPr>
-            <a:r>
-              <a:rPr lang="en-US" sz="2000" dirty="0" smtClean="0"/>
-              <a:t>    </a:t>
-            </a:r>
-            <a:r>
-              <a:rPr lang="en-US" sz="2000" dirty="0"/>
-              <a:t>return x == reverse(x);</a:t>
-            </a:r>
-          </a:p>
-          <a:p>
-            <a:pPr marL="0" indent="0">
-              <a:buNone/>
-            </a:pPr>
-            <a:r>
-              <a:rPr lang="en-US" sz="2000" dirty="0" smtClean="0"/>
-              <a:t>}</a:t>
-            </a:r>
-            <a:endParaRPr lang="en-US" sz="2000" dirty="0"/>
-          </a:p>
-          <a:p>
-            <a:pPr marL="0" indent="0">
-              <a:buNone/>
-            </a:pPr>
-            <a:endParaRPr lang="en-US" sz="2000" dirty="0">
-              <a:solidFill>
-                <a:srgbClr val="FFFF00"/>
-              </a:solidFill>
-            </a:endParaRPr>
-          </a:p>
-        </p:txBody>
-      </p:sp>
-      <p:sp>
-        <p:nvSpPr>
-          <p:cNvPr id="6148" name="Footer Placeholder 3"/>
-          <p:cNvSpPr>
-            <a:spLocks noGrp="1"/>
-          </p:cNvSpPr>
-          <p:nvPr>
-            <p:ph type="ftr" sz="quarter" idx="11"/>
-          </p:nvPr>
-        </p:nvSpPr>
-        <p:spPr>
-          <a:noFill/>
-          <a:ln/>
-          <a:extLst>
-            <a:ext uri="{909E8E84-426E-40DD-AFC4-6F175D3DCCD1}">
-              <a14:hiddenFill xmlns:a14="http://schemas.microsoft.com/office/drawing/2010/main">
-                <a:solidFill>
-                  <a:srgbClr val="FFFFFF"/>
-                </a:solidFill>
-              </a14:hiddenFill>
-            </a:ext>
-            <a:ext uri="{91240B29-F687-4F45-9708-019B960494DF}">
-              <a14:hiddenLine xmlns:a14="http://schemas.microsoft.com/office/drawing/2010/main" w="9525">
-                <a:solidFill>
-                  <a:srgbClr val="000000"/>
-                </a:solidFill>
-                <a:miter lim="800000"/>
-                <a:headEnd/>
-                <a:tailEnd/>
-              </a14:hiddenLine>
-            </a:ext>
-          </a:extLst>
-        </p:spPr>
-        <p:txBody>
-          <a:bodyPr/>
-          <a:lstStyle>
-            <a:lvl1pPr eaLnBrk="0" hangingPunct="0">
-              <a:defRPr sz="2800" b="1">
-                <a:solidFill>
-                  <a:schemeClr val="tx1"/>
-                </a:solidFill>
-                <a:latin typeface="Arial" charset="0"/>
-              </a:defRPr>
-            </a:lvl1pPr>
-            <a:lvl2pPr marL="742950" indent="-285750" eaLnBrk="0" hangingPunct="0">
-              <a:defRPr sz="2800" b="1">
-                <a:solidFill>
-                  <a:schemeClr val="tx1"/>
-                </a:solidFill>
-                <a:latin typeface="Arial" charset="0"/>
-              </a:defRPr>
-            </a:lvl2pPr>
-            <a:lvl3pPr marL="1143000" indent="-228600" eaLnBrk="0" hangingPunct="0">
-              <a:defRPr sz="2800" b="1">
-                <a:solidFill>
-                  <a:schemeClr val="tx1"/>
-                </a:solidFill>
-                <a:latin typeface="Arial" charset="0"/>
-              </a:defRPr>
-            </a:lvl3pPr>
-            <a:lvl4pPr marL="1600200" indent="-228600" eaLnBrk="0" hangingPunct="0">
-              <a:defRPr sz="2800" b="1">
-                <a:solidFill>
-                  <a:schemeClr val="tx1"/>
-                </a:solidFill>
-                <a:latin typeface="Arial" charset="0"/>
-              </a:defRPr>
-            </a:lvl4pPr>
-            <a:lvl5pPr marL="2057400" indent="-228600" eaLnBrk="0" hangingPunct="0">
-              <a:defRPr sz="2800" b="1">
-                <a:solidFill>
-                  <a:schemeClr val="tx1"/>
-                </a:solidFill>
-                <a:latin typeface="Arial" charset="0"/>
-              </a:defRPr>
-            </a:lvl5pPr>
-            <a:lvl6pPr marL="2514600" indent="-228600" eaLnBrk="0" fontAlgn="base" hangingPunct="0">
-              <a:spcBef>
-                <a:spcPct val="0"/>
-              </a:spcBef>
-              <a:spcAft>
-                <a:spcPct val="0"/>
-              </a:spcAft>
-              <a:defRPr sz="2800" b="1">
-                <a:solidFill>
-                  <a:schemeClr val="tx1"/>
-                </a:solidFill>
-                <a:latin typeface="Arial" charset="0"/>
-              </a:defRPr>
-            </a:lvl6pPr>
-            <a:lvl7pPr marL="2971800" indent="-228600" eaLnBrk="0" fontAlgn="base" hangingPunct="0">
-              <a:spcBef>
-                <a:spcPct val="0"/>
-              </a:spcBef>
-              <a:spcAft>
-                <a:spcPct val="0"/>
-              </a:spcAft>
-              <a:defRPr sz="2800" b="1">
-                <a:solidFill>
-                  <a:schemeClr val="tx1"/>
-                </a:solidFill>
-                <a:latin typeface="Arial" charset="0"/>
-              </a:defRPr>
-            </a:lvl7pPr>
-            <a:lvl8pPr marL="3429000" indent="-228600" eaLnBrk="0" fontAlgn="base" hangingPunct="0">
-              <a:spcBef>
-                <a:spcPct val="0"/>
-              </a:spcBef>
-              <a:spcAft>
-                <a:spcPct val="0"/>
-              </a:spcAft>
-              <a:defRPr sz="2800" b="1">
-                <a:solidFill>
-                  <a:schemeClr val="tx1"/>
-                </a:solidFill>
-                <a:latin typeface="Arial" charset="0"/>
-              </a:defRPr>
-            </a:lvl8pPr>
-            <a:lvl9pPr marL="3886200" indent="-228600" eaLnBrk="0" fontAlgn="base" hangingPunct="0">
-              <a:spcBef>
-                <a:spcPct val="0"/>
-              </a:spcBef>
-              <a:spcAft>
-                <a:spcPct val="0"/>
-              </a:spcAft>
-              <a:defRPr sz="2800" b="1">
-                <a:solidFill>
-                  <a:schemeClr val="tx1"/>
-                </a:solidFill>
-                <a:latin typeface="Arial" charset="0"/>
-              </a:defRPr>
-            </a:lvl9pPr>
-          </a:lstStyle>
-          <a:p>
-            <a:r>
-              <a:rPr lang="en-US" sz="1400" b="0" smtClean="0">
-                <a:solidFill>
-                  <a:srgbClr val="FFFFFF"/>
-                </a:solidFill>
-              </a:rPr>
-              <a:t>Teradyne Confidential and Proprietary</a:t>
-            </a:r>
-          </a:p>
-        </p:txBody>
-      </p:sp>
-    </p:spTree>
-    <p:extLst>
-      <p:ext uri="{BB962C8B-B14F-4D97-AF65-F5344CB8AC3E}">
-        <p14:creationId xmlns:p14="http://schemas.microsoft.com/office/powerpoint/2010/main" val="4210673063"/>
-      </p:ext>
-    </p:extLst>
-  </p:cSld>
-  <p:clrMapOvr>
-    <a:masterClrMapping/>
-  </p:clrMapOvr>
-  <p:timing>
-    <p:tnLst>
-      <p:par>
-        <p:cTn id="1" dur="indefinite" restart="never" nodeType="tmRoot"/>
-      </p:par>
-    </p:tnLst>
-  </p:timing>
-</p:sld>
-</file>
-
-<file path=ppt/slides/slide9.xml><?xml version="1.0" encoding="utf-8"?>
-<p:sld xmlns:a="http://schemas.openxmlformats.org/drawingml/2006/main" xmlns:r="http://schemas.openxmlformats.org/officeDocument/2006/relationships" xmlns:p="http://schemas.openxmlformats.org/presentationml/2006/main">
-  <p:cSld>
-    <p:spTree>
-      <p:nvGrpSpPr>
-        <p:cNvPr id="1" name=""/>
-        <p:cNvGrpSpPr/>
-        <p:nvPr/>
-      </p:nvGrpSpPr>
-      <p:grpSpPr>
-        <a:xfrm>
-          <a:off x="0" y="0"/>
-          <a:ext cx="0" cy="0"/>
-          <a:chOff x="0" y="0"/>
-          <a:chExt cx="0" cy="0"/>
-        </a:xfrm>
-      </p:grpSpPr>
-      <p:sp>
-        <p:nvSpPr>
-          <p:cNvPr id="6146" name="Title 1"/>
-          <p:cNvSpPr>
-            <a:spLocks noGrp="1"/>
-          </p:cNvSpPr>
-          <p:nvPr>
-            <p:ph type="title"/>
-          </p:nvPr>
-        </p:nvSpPr>
-        <p:spPr/>
-        <p:txBody>
-          <a:bodyPr/>
-          <a:lstStyle/>
-          <a:p>
-            <a:r>
-              <a:rPr lang="en-US" dirty="0" smtClean="0"/>
-              <a:t>Performance Comparison</a:t>
-            </a:r>
-          </a:p>
-        </p:txBody>
-      </p:sp>
-      <p:graphicFrame>
-        <p:nvGraphicFramePr>
-          <p:cNvPr id="2" name="Content Placeholder 1"/>
-          <p:cNvGraphicFramePr>
-            <a:graphicFrameLocks noGrp="1"/>
-          </p:cNvGraphicFramePr>
-          <p:nvPr>
-            <p:ph idx="1"/>
-            <p:extLst>
-              <p:ext uri="{D42A27DB-BD31-4B8C-83A1-F6EECF244321}">
-                <p14:modId xmlns:p14="http://schemas.microsoft.com/office/powerpoint/2010/main" val="594899519"/>
-              </p:ext>
-            </p:extLst>
-          </p:nvPr>
-        </p:nvGraphicFramePr>
-        <p:xfrm>
-          <a:off x="685800" y="1219200"/>
-          <a:ext cx="7773139" cy="1483360"/>
-        </p:xfrm>
-        <a:graphic>
-          <a:graphicData uri="http://schemas.openxmlformats.org/drawingml/2006/table">
-            <a:tbl>
-              <a:tblPr firstRow="1" bandRow="1">
-                <a:tableStyleId>{5C22544A-7EE6-4342-B048-85BDC9FD1C3A}</a:tableStyleId>
-              </a:tblPr>
-              <a:tblGrid>
-                <a:gridCol w="2272255"/>
-                <a:gridCol w="1614314"/>
-                <a:gridCol w="1943285"/>
-                <a:gridCol w="1943285"/>
-              </a:tblGrid>
-              <a:tr h="370840">
-                <a:tc>
-                  <a:txBody>
-                    <a:bodyPr/>
-                    <a:lstStyle/>
-                    <a:p>
-                      <a:r>
-                        <a:rPr lang="en-US" dirty="0" smtClean="0">
-                          <a:ln>
-                            <a:noFill/>
-                          </a:ln>
-                          <a:solidFill>
-                            <a:srgbClr val="FFFF00"/>
-                          </a:solidFill>
-                        </a:rPr>
-                        <a:t>Time </a:t>
-                      </a:r>
-                      <a:r>
-                        <a:rPr lang="en-US" dirty="0" smtClean="0">
-                          <a:ln>
-                            <a:noFill/>
-                          </a:ln>
-                          <a:solidFill>
-                            <a:srgbClr val="FFFF00"/>
-                          </a:solidFill>
-                        </a:rPr>
-                        <a:t>(</a:t>
-                      </a:r>
-                      <a:r>
-                        <a:rPr lang="en-US" dirty="0" err="1" smtClean="0">
-                          <a:ln>
-                            <a:noFill/>
-                          </a:ln>
-                          <a:solidFill>
-                            <a:srgbClr val="FFFF00"/>
-                          </a:solidFill>
-                        </a:rPr>
-                        <a:t>ms</a:t>
-                      </a:r>
-                      <a:r>
-                        <a:rPr lang="en-US" dirty="0" smtClean="0">
-                          <a:ln>
-                            <a:noFill/>
-                          </a:ln>
-                          <a:solidFill>
-                            <a:srgbClr val="FFFF00"/>
-                          </a:solidFill>
-                        </a:rPr>
-                        <a:t>)</a:t>
-                      </a:r>
-                      <a:endParaRPr lang="en-US" dirty="0">
-                        <a:ln>
-                          <a:noFill/>
-                        </a:ln>
-                        <a:solidFill>
-                          <a:srgbClr val="FFFF00"/>
-                        </a:solidFill>
-                      </a:endParaRPr>
-                    </a:p>
-                  </a:txBody>
-                  <a:tcPr marL="116313" marR="116313">
-                    <a:lnL w="12700" cap="flat" cmpd="sng" algn="ctr">
-                      <a:solidFill>
-                        <a:srgbClr val="FFFF00"/>
-                      </a:solidFill>
-                      <a:prstDash val="solid"/>
-                      <a:round/>
-                      <a:headEnd type="none" w="med" len="med"/>
-                      <a:tailEnd type="none" w="med" len="med"/>
-                    </a:lnL>
-                    <a:lnR w="12700" cap="flat" cmpd="sng" algn="ctr">
-                      <a:solidFill>
-                        <a:srgbClr val="FFFF00"/>
-                      </a:solidFill>
-                      <a:prstDash val="solid"/>
-                      <a:round/>
-                      <a:headEnd type="none" w="med" len="med"/>
-                      <a:tailEnd type="none" w="med" len="med"/>
-                    </a:lnR>
-                    <a:lnT w="12700" cap="flat" cmpd="sng" algn="ctr">
-                      <a:solidFill>
-                        <a:srgbClr val="FFFF00"/>
-                      </a:solidFill>
-                      <a:prstDash val="solid"/>
-                      <a:round/>
-                      <a:headEnd type="none" w="med" len="med"/>
-                      <a:tailEnd type="none" w="med" len="med"/>
-                    </a:lnT>
-                    <a:lnB w="12700" cap="flat" cmpd="sng" algn="ctr">
-                      <a:solidFill>
-                        <a:srgbClr val="FFFF00"/>
-                      </a:solidFill>
-                      <a:prstDash val="solid"/>
-                      <a:round/>
-                      <a:headEnd type="none" w="med" len="med"/>
-                      <a:tailEnd type="none" w="med" len="med"/>
-                    </a:lnB>
-                    <a:noFill/>
-                  </a:tcPr>
-                </a:tc>
-                <a:tc>
-                  <a:txBody>
-                    <a:bodyPr/>
-                    <a:lstStyle/>
-                    <a:p>
-                      <a:pPr algn="r"/>
-                      <a:r>
-                        <a:rPr lang="en-US" dirty="0" smtClean="0">
-                          <a:ln>
-                            <a:noFill/>
-                          </a:ln>
-                          <a:solidFill>
-                            <a:srgbClr val="FFFF00"/>
-                          </a:solidFill>
-                        </a:rPr>
-                        <a:t>C#</a:t>
-                      </a:r>
-                      <a:endParaRPr lang="en-US" dirty="0">
-                        <a:ln>
-                          <a:noFill/>
-                        </a:ln>
-                        <a:solidFill>
-                          <a:srgbClr val="FFFF00"/>
-                        </a:solidFill>
-                      </a:endParaRPr>
-                    </a:p>
-                  </a:txBody>
-                  <a:tcPr marL="116313" marR="116313">
-                    <a:lnL w="12700" cap="flat" cmpd="sng" algn="ctr">
-                      <a:solidFill>
-                        <a:srgbClr val="FFFF00"/>
-                      </a:solidFill>
-                      <a:prstDash val="solid"/>
-                      <a:round/>
-                      <a:headEnd type="none" w="med" len="med"/>
-                      <a:tailEnd type="none" w="med" len="med"/>
-                    </a:lnL>
-                    <a:lnR w="12700" cap="flat" cmpd="sng" algn="ctr">
-                      <a:solidFill>
-                        <a:srgbClr val="FFFF00"/>
-                      </a:solidFill>
-                      <a:prstDash val="solid"/>
-                      <a:round/>
-                      <a:headEnd type="none" w="med" len="med"/>
-                      <a:tailEnd type="none" w="med" len="med"/>
-                    </a:lnR>
-                    <a:lnT w="12700" cap="flat" cmpd="sng" algn="ctr">
-                      <a:solidFill>
-                        <a:srgbClr val="FFFF00"/>
-                      </a:solidFill>
-                      <a:prstDash val="solid"/>
-                      <a:round/>
-                      <a:headEnd type="none" w="med" len="med"/>
-                      <a:tailEnd type="none" w="med" len="med"/>
-                    </a:lnT>
-                    <a:lnB w="12700" cap="flat" cmpd="sng" algn="ctr">
-                      <a:solidFill>
-                        <a:srgbClr val="FFFF00"/>
-                      </a:solidFill>
-                      <a:prstDash val="solid"/>
-                      <a:round/>
-                      <a:headEnd type="none" w="med" len="med"/>
-                      <a:tailEnd type="none" w="med" len="med"/>
-                    </a:lnB>
-                    <a:noFill/>
-                  </a:tcPr>
-                </a:tc>
-                <a:tc>
-                  <a:txBody>
-                    <a:bodyPr/>
-                    <a:lstStyle/>
-                    <a:p>
-                      <a:pPr algn="r"/>
-                      <a:r>
-                        <a:rPr lang="en-US" dirty="0" smtClean="0">
-                          <a:ln>
-                            <a:noFill/>
-                          </a:ln>
-                          <a:solidFill>
-                            <a:srgbClr val="FFFF00"/>
-                          </a:solidFill>
-                        </a:rPr>
-                        <a:t>C++</a:t>
-                      </a:r>
-                      <a:endParaRPr lang="en-US" dirty="0">
-                        <a:ln>
-                          <a:noFill/>
-                        </a:ln>
-                        <a:solidFill>
-                          <a:srgbClr val="FFFF00"/>
-                        </a:solidFill>
-                      </a:endParaRPr>
-                    </a:p>
-                  </a:txBody>
-                  <a:tcPr marL="116313" marR="116313">
-                    <a:lnL w="12700" cap="flat" cmpd="sng" algn="ctr">
-                      <a:solidFill>
-                        <a:srgbClr val="FFFF00"/>
-                      </a:solidFill>
-                      <a:prstDash val="solid"/>
-                      <a:round/>
-                      <a:headEnd type="none" w="med" len="med"/>
-                      <a:tailEnd type="none" w="med" len="med"/>
-                    </a:lnL>
-                    <a:lnR w="12700" cap="flat" cmpd="sng" algn="ctr">
-                      <a:solidFill>
-                        <a:srgbClr val="FFFF00"/>
-                      </a:solidFill>
-                      <a:prstDash val="solid"/>
-                      <a:round/>
-                      <a:headEnd type="none" w="med" len="med"/>
-                      <a:tailEnd type="none" w="med" len="med"/>
-                    </a:lnR>
-                    <a:lnT w="12700" cap="flat" cmpd="sng" algn="ctr">
-                      <a:solidFill>
-                        <a:srgbClr val="FFFF00"/>
-                      </a:solidFill>
-                      <a:prstDash val="solid"/>
-                      <a:round/>
-                      <a:headEnd type="none" w="med" len="med"/>
-                      <a:tailEnd type="none" w="med" len="med"/>
-                    </a:lnT>
-                    <a:lnB w="12700" cap="flat" cmpd="sng" algn="ctr">
-                      <a:solidFill>
-                        <a:srgbClr val="FFFF00"/>
-                      </a:solidFill>
-                      <a:prstDash val="solid"/>
-                      <a:round/>
-                      <a:headEnd type="none" w="med" len="med"/>
-                      <a:tailEnd type="none" w="med" len="med"/>
-                    </a:lnB>
-                    <a:noFill/>
-                  </a:tcPr>
-                </a:tc>
-                <a:tc>
-                  <a:txBody>
-                    <a:bodyPr/>
-                    <a:lstStyle/>
-                    <a:p>
-                      <a:pPr algn="r"/>
-                      <a:r>
-                        <a:rPr lang="en-US" dirty="0" smtClean="0">
-                          <a:ln>
-                            <a:noFill/>
-                          </a:ln>
-                          <a:solidFill>
-                            <a:srgbClr val="FFFF00"/>
-                          </a:solidFill>
-                        </a:rPr>
-                        <a:t>Iterations</a:t>
-                      </a:r>
-                      <a:endParaRPr lang="en-US" dirty="0">
-                        <a:ln>
-                          <a:noFill/>
-                        </a:ln>
-                        <a:solidFill>
-                          <a:srgbClr val="FFFF00"/>
-                        </a:solidFill>
-                      </a:endParaRPr>
-                    </a:p>
-                  </a:txBody>
-                  <a:tcPr marL="116313" marR="116313">
-                    <a:lnL w="12700" cap="flat" cmpd="sng" algn="ctr">
-                      <a:solidFill>
-                        <a:srgbClr val="FFFF00"/>
-                      </a:solidFill>
-                      <a:prstDash val="solid"/>
-                      <a:round/>
-                      <a:headEnd type="none" w="med" len="med"/>
-                      <a:tailEnd type="none" w="med" len="med"/>
-                    </a:lnL>
-                    <a:lnR w="12700" cap="flat" cmpd="sng" algn="ctr">
-                      <a:solidFill>
-                        <a:srgbClr val="FFFF00"/>
-                      </a:solidFill>
-                      <a:prstDash val="solid"/>
-                      <a:round/>
-                      <a:headEnd type="none" w="med" len="med"/>
-                      <a:tailEnd type="none" w="med" len="med"/>
-                    </a:lnR>
-                    <a:lnT w="12700" cap="flat" cmpd="sng" algn="ctr">
-                      <a:solidFill>
-                        <a:srgbClr val="FFFF00"/>
-                      </a:solidFill>
-                      <a:prstDash val="solid"/>
-                      <a:round/>
-                      <a:headEnd type="none" w="med" len="med"/>
-                      <a:tailEnd type="none" w="med" len="med"/>
-                    </a:lnT>
-                    <a:lnB w="12700" cap="flat" cmpd="sng" algn="ctr">
-                      <a:solidFill>
-                        <a:srgbClr val="FFFF00"/>
-                      </a:solidFill>
-                      <a:prstDash val="solid"/>
-                      <a:round/>
-                      <a:headEnd type="none" w="med" len="med"/>
-                      <a:tailEnd type="none" w="med" len="med"/>
-                    </a:lnB>
-                    <a:noFill/>
-                  </a:tcPr>
-                </a:tc>
-              </a:tr>
-              <a:tr h="370840">
-                <a:tc>
-                  <a:txBody>
-                    <a:bodyPr/>
-                    <a:lstStyle/>
-                    <a:p>
-                      <a:r>
-                        <a:rPr lang="en-US" dirty="0" err="1" smtClean="0">
-                          <a:ln>
-                            <a:noFill/>
-                          </a:ln>
-                          <a:solidFill>
-                            <a:srgbClr val="FFFF00"/>
-                          </a:solidFill>
-                        </a:rPr>
-                        <a:t>imperativeString</a:t>
-                      </a:r>
-                      <a:endParaRPr lang="en-US" dirty="0">
-                        <a:ln>
-                          <a:noFill/>
-                        </a:ln>
-                        <a:solidFill>
-                          <a:srgbClr val="FFFF00"/>
-                        </a:solidFill>
-                      </a:endParaRPr>
-                    </a:p>
-                  </a:txBody>
-                  <a:tcPr marL="116313" marR="116313">
-                    <a:lnL w="12700" cap="flat" cmpd="sng" algn="ctr">
-                      <a:solidFill>
-                        <a:srgbClr val="FFFF00"/>
-                      </a:solidFill>
-                      <a:prstDash val="solid"/>
-                      <a:round/>
-                      <a:headEnd type="none" w="med" len="med"/>
-                      <a:tailEnd type="none" w="med" len="med"/>
-                    </a:lnL>
-                    <a:lnR w="12700" cap="flat" cmpd="sng" algn="ctr">
-                      <a:solidFill>
-                        <a:srgbClr val="FFFF00"/>
-                      </a:solidFill>
-                      <a:prstDash val="solid"/>
-                      <a:round/>
-                      <a:headEnd type="none" w="med" len="med"/>
-                      <a:tailEnd type="none" w="med" len="med"/>
-                    </a:lnR>
-                    <a:lnT w="12700" cap="flat" cmpd="sng" algn="ctr">
-                      <a:solidFill>
-                        <a:srgbClr val="FFFF00"/>
-                      </a:solidFill>
-                      <a:prstDash val="solid"/>
-                      <a:round/>
-                      <a:headEnd type="none" w="med" len="med"/>
-                      <a:tailEnd type="none" w="med" len="med"/>
-                    </a:lnT>
-                    <a:lnB w="12700" cap="flat" cmpd="sng" algn="ctr">
-                      <a:solidFill>
-                        <a:srgbClr val="FFFF00"/>
-                      </a:solidFill>
-                      <a:prstDash val="solid"/>
-                      <a:round/>
-                      <a:headEnd type="none" w="med" len="med"/>
-                      <a:tailEnd type="none" w="med" len="med"/>
-                    </a:lnB>
-                    <a:noFill/>
-                  </a:tcPr>
-                </a:tc>
-                <a:tc>
-                  <a:txBody>
-                    <a:bodyPr/>
-                    <a:lstStyle/>
-                    <a:p>
-                      <a:pPr algn="r"/>
-                      <a:r>
-                        <a:rPr lang="en-US" dirty="0" smtClean="0">
-                          <a:ln>
-                            <a:noFill/>
-                          </a:ln>
-                          <a:solidFill>
-                            <a:srgbClr val="FFFF00"/>
-                          </a:solidFill>
-                        </a:rPr>
-                        <a:t>220</a:t>
-                      </a:r>
-                      <a:endParaRPr lang="en-US" dirty="0">
-                        <a:ln>
-                          <a:noFill/>
-                        </a:ln>
-                        <a:solidFill>
-                          <a:srgbClr val="FFFF00"/>
-                        </a:solidFill>
-                      </a:endParaRPr>
-                    </a:p>
-                  </a:txBody>
-                  <a:tcPr marL="116313" marR="116313">
-                    <a:lnL w="12700" cap="flat" cmpd="sng" algn="ctr">
-                      <a:solidFill>
-                        <a:srgbClr val="FFFF00"/>
-                      </a:solidFill>
-                      <a:prstDash val="solid"/>
-                      <a:round/>
-                      <a:headEnd type="none" w="med" len="med"/>
-                      <a:tailEnd type="none" w="med" len="med"/>
-                    </a:lnL>
-                    <a:lnR w="12700" cap="flat" cmpd="sng" algn="ctr">
-                      <a:solidFill>
-                        <a:srgbClr val="FFFF00"/>
-                      </a:solidFill>
-                      <a:prstDash val="solid"/>
-                      <a:round/>
-                      <a:headEnd type="none" w="med" len="med"/>
-                      <a:tailEnd type="none" w="med" len="med"/>
-                    </a:lnR>
-                    <a:lnT w="12700" cap="flat" cmpd="sng" algn="ctr">
-                      <a:solidFill>
-                        <a:srgbClr val="FFFF00"/>
-                      </a:solidFill>
-                      <a:prstDash val="solid"/>
-                      <a:round/>
-                      <a:headEnd type="none" w="med" len="med"/>
-                      <a:tailEnd type="none" w="med" len="med"/>
-                    </a:lnT>
-                    <a:lnB w="12700" cap="flat" cmpd="sng" algn="ctr">
-                      <a:solidFill>
-                        <a:srgbClr val="FFFF00"/>
-                      </a:solidFill>
-                      <a:prstDash val="solid"/>
-                      <a:round/>
-                      <a:headEnd type="none" w="med" len="med"/>
-                      <a:tailEnd type="none" w="med" len="med"/>
-                    </a:lnB>
-                    <a:noFill/>
-                  </a:tcPr>
-                </a:tc>
-                <a:tc>
-                  <a:txBody>
-                    <a:bodyPr/>
-                    <a:lstStyle/>
-                    <a:p>
-                      <a:pPr algn="r"/>
-                      <a:r>
-                        <a:rPr lang="en-US" dirty="0" smtClean="0">
-                          <a:ln>
-                            <a:noFill/>
-                          </a:ln>
-                          <a:solidFill>
-                            <a:srgbClr val="FFFF00"/>
-                          </a:solidFill>
-                        </a:rPr>
-                        <a:t>210</a:t>
-                      </a:r>
-                      <a:endParaRPr lang="en-US" dirty="0">
-                        <a:ln>
-                          <a:noFill/>
-                        </a:ln>
-                        <a:solidFill>
-                          <a:srgbClr val="FFFF00"/>
-                        </a:solidFill>
-                      </a:endParaRPr>
-                    </a:p>
-                  </a:txBody>
-                  <a:tcPr marL="116313" marR="116313">
-                    <a:lnL w="12700" cap="flat" cmpd="sng" algn="ctr">
-                      <a:solidFill>
-                        <a:srgbClr val="FFFF00"/>
-                      </a:solidFill>
-                      <a:prstDash val="solid"/>
-                      <a:round/>
-                      <a:headEnd type="none" w="med" len="med"/>
-                      <a:tailEnd type="none" w="med" len="med"/>
-                    </a:lnL>
-                    <a:lnR w="12700" cap="flat" cmpd="sng" algn="ctr">
-                      <a:solidFill>
-                        <a:srgbClr val="FFFF00"/>
-                      </a:solidFill>
-                      <a:prstDash val="solid"/>
-                      <a:round/>
-                      <a:headEnd type="none" w="med" len="med"/>
-                      <a:tailEnd type="none" w="med" len="med"/>
-                    </a:lnR>
-                    <a:lnT w="12700" cap="flat" cmpd="sng" algn="ctr">
-                      <a:solidFill>
-                        <a:srgbClr val="FFFF00"/>
-                      </a:solidFill>
-                      <a:prstDash val="solid"/>
-                      <a:round/>
-                      <a:headEnd type="none" w="med" len="med"/>
-                      <a:tailEnd type="none" w="med" len="med"/>
-                    </a:lnT>
-                    <a:lnB w="12700" cap="flat" cmpd="sng" algn="ctr">
-                      <a:solidFill>
-                        <a:srgbClr val="FFFF00"/>
-                      </a:solidFill>
-                      <a:prstDash val="solid"/>
-                      <a:round/>
-                      <a:headEnd type="none" w="med" len="med"/>
-                      <a:tailEnd type="none" w="med" len="med"/>
-                    </a:lnB>
-                    <a:noFill/>
-                  </a:tcPr>
-                </a:tc>
-                <a:tc>
-                  <a:txBody>
-                    <a:bodyPr/>
-                    <a:lstStyle/>
-                    <a:p>
-                      <a:pPr algn="r"/>
-                      <a:r>
-                        <a:rPr lang="en-US" dirty="0" smtClean="0">
-                          <a:ln>
-                            <a:noFill/>
-                          </a:ln>
-                          <a:solidFill>
-                            <a:srgbClr val="FFFF00"/>
-                          </a:solidFill>
-                        </a:rPr>
-                        <a:t>810000</a:t>
-                      </a:r>
-                      <a:endParaRPr lang="en-US" dirty="0">
-                        <a:ln>
-                          <a:noFill/>
-                        </a:ln>
-                        <a:solidFill>
-                          <a:srgbClr val="FFFF00"/>
-                        </a:solidFill>
-                      </a:endParaRPr>
-                    </a:p>
-                  </a:txBody>
-                  <a:tcPr marL="116313" marR="116313">
-                    <a:lnL w="12700" cap="flat" cmpd="sng" algn="ctr">
-                      <a:solidFill>
-                        <a:srgbClr val="FFFF00"/>
-                      </a:solidFill>
-                      <a:prstDash val="solid"/>
-                      <a:round/>
-                      <a:headEnd type="none" w="med" len="med"/>
-                      <a:tailEnd type="none" w="med" len="med"/>
-                    </a:lnL>
-                    <a:lnR w="12700" cap="flat" cmpd="sng" algn="ctr">
-                      <a:solidFill>
-                        <a:srgbClr val="FFFF00"/>
-                      </a:solidFill>
-                      <a:prstDash val="solid"/>
-                      <a:round/>
-                      <a:headEnd type="none" w="med" len="med"/>
-                      <a:tailEnd type="none" w="med" len="med"/>
-                    </a:lnR>
-                    <a:lnT w="12700" cap="flat" cmpd="sng" algn="ctr">
-                      <a:solidFill>
-                        <a:srgbClr val="FFFF00"/>
-                      </a:solidFill>
-                      <a:prstDash val="solid"/>
-                      <a:round/>
-                      <a:headEnd type="none" w="med" len="med"/>
-                      <a:tailEnd type="none" w="med" len="med"/>
-                    </a:lnT>
-                    <a:lnB w="12700" cap="flat" cmpd="sng" algn="ctr">
-                      <a:solidFill>
-                        <a:srgbClr val="FFFF00"/>
-                      </a:solidFill>
-                      <a:prstDash val="solid"/>
-                      <a:round/>
-                      <a:headEnd type="none" w="med" len="med"/>
-                      <a:tailEnd type="none" w="med" len="med"/>
-                    </a:lnB>
-                    <a:noFill/>
-                  </a:tcPr>
-                </a:tc>
-              </a:tr>
-              <a:tr h="370840">
-                <a:tc>
-                  <a:txBody>
-                    <a:bodyPr/>
-                    <a:lstStyle/>
-                    <a:p>
-                      <a:r>
-                        <a:rPr lang="en-US" dirty="0" smtClean="0">
-                          <a:ln>
-                            <a:noFill/>
-                          </a:ln>
-                          <a:solidFill>
-                            <a:srgbClr val="FFFF00"/>
-                          </a:solidFill>
-                        </a:rPr>
-                        <a:t>imperativeString2</a:t>
-                      </a:r>
-                      <a:endParaRPr lang="en-US" dirty="0">
-                        <a:ln>
-                          <a:noFill/>
-                        </a:ln>
-                        <a:solidFill>
-                          <a:srgbClr val="FFFF00"/>
-                        </a:solidFill>
-                      </a:endParaRPr>
-                    </a:p>
-                  </a:txBody>
-                  <a:tcPr marL="116313" marR="116313">
-                    <a:lnL w="12700" cap="flat" cmpd="sng" algn="ctr">
-                      <a:solidFill>
-                        <a:srgbClr val="FFFF00"/>
-                      </a:solidFill>
-                      <a:prstDash val="solid"/>
-                      <a:round/>
-                      <a:headEnd type="none" w="med" len="med"/>
-                      <a:tailEnd type="none" w="med" len="med"/>
-                    </a:lnL>
-                    <a:lnR w="12700" cap="flat" cmpd="sng" algn="ctr">
-                      <a:solidFill>
-                        <a:srgbClr val="FFFF00"/>
-                      </a:solidFill>
-                      <a:prstDash val="solid"/>
-                      <a:round/>
-                      <a:headEnd type="none" w="med" len="med"/>
-                      <a:tailEnd type="none" w="med" len="med"/>
-                    </a:lnR>
-                    <a:lnT w="12700" cap="flat" cmpd="sng" algn="ctr">
-                      <a:solidFill>
-                        <a:srgbClr val="FFFF00"/>
-                      </a:solidFill>
-                      <a:prstDash val="solid"/>
-                      <a:round/>
-                      <a:headEnd type="none" w="med" len="med"/>
-                      <a:tailEnd type="none" w="med" len="med"/>
-                    </a:lnT>
-                    <a:lnB w="12700" cap="flat" cmpd="sng" algn="ctr">
-                      <a:solidFill>
-                        <a:srgbClr val="FFFF00"/>
-                      </a:solidFill>
-                      <a:prstDash val="solid"/>
-                      <a:round/>
-                      <a:headEnd type="none" w="med" len="med"/>
-                      <a:tailEnd type="none" w="med" len="med"/>
-                    </a:lnB>
-                    <a:noFill/>
-                  </a:tcPr>
-                </a:tc>
-                <a:tc>
-                  <a:txBody>
-                    <a:bodyPr/>
-                    <a:lstStyle/>
-                    <a:p>
-                      <a:pPr algn="r"/>
-                      <a:r>
-                        <a:rPr lang="en-US" dirty="0" smtClean="0">
-                          <a:ln>
-                            <a:noFill/>
-                          </a:ln>
-                          <a:solidFill>
-                            <a:srgbClr val="FFFF00"/>
-                          </a:solidFill>
-                        </a:rPr>
-                        <a:t>110</a:t>
-                      </a:r>
-                      <a:endParaRPr lang="en-US" dirty="0">
-                        <a:ln>
-                          <a:noFill/>
-                        </a:ln>
-                        <a:solidFill>
-                          <a:srgbClr val="FFFF00"/>
-                        </a:solidFill>
-                      </a:endParaRPr>
-                    </a:p>
-                  </a:txBody>
-                  <a:tcPr marL="116313" marR="116313">
-                    <a:lnL w="12700" cap="flat" cmpd="sng" algn="ctr">
-                      <a:solidFill>
-                        <a:srgbClr val="FFFF00"/>
-                      </a:solidFill>
-                      <a:prstDash val="solid"/>
-                      <a:round/>
-                      <a:headEnd type="none" w="med" len="med"/>
-                      <a:tailEnd type="none" w="med" len="med"/>
-                    </a:lnL>
-                    <a:lnR w="12700" cap="flat" cmpd="sng" algn="ctr">
-                      <a:solidFill>
-                        <a:srgbClr val="FFFF00"/>
-                      </a:solidFill>
-                      <a:prstDash val="solid"/>
-                      <a:round/>
-                      <a:headEnd type="none" w="med" len="med"/>
-                      <a:tailEnd type="none" w="med" len="med"/>
-                    </a:lnR>
-                    <a:lnT w="12700" cap="flat" cmpd="sng" algn="ctr">
-                      <a:solidFill>
-                        <a:srgbClr val="FFFF00"/>
-                      </a:solidFill>
-                      <a:prstDash val="solid"/>
-                      <a:round/>
-                      <a:headEnd type="none" w="med" len="med"/>
-                      <a:tailEnd type="none" w="med" len="med"/>
-                    </a:lnT>
-                    <a:lnB w="12700" cap="flat" cmpd="sng" algn="ctr">
-                      <a:solidFill>
-                        <a:srgbClr val="FFFF00"/>
-                      </a:solidFill>
-                      <a:prstDash val="solid"/>
-                      <a:round/>
-                      <a:headEnd type="none" w="med" len="med"/>
-                      <a:tailEnd type="none" w="med" len="med"/>
-                    </a:lnB>
-                    <a:noFill/>
-                  </a:tcPr>
-                </a:tc>
-                <a:tc>
-                  <a:txBody>
-                    <a:bodyPr/>
-                    <a:lstStyle/>
-                    <a:p>
-                      <a:pPr algn="r"/>
-                      <a:r>
-                        <a:rPr lang="en-US" dirty="0" smtClean="0">
-                          <a:ln>
-                            <a:noFill/>
-                          </a:ln>
-                          <a:solidFill>
-                            <a:srgbClr val="FFFF00"/>
-                          </a:solidFill>
-                        </a:rPr>
-                        <a:t>100</a:t>
-                      </a:r>
-                      <a:endParaRPr lang="en-US" dirty="0">
-                        <a:ln>
-                          <a:noFill/>
-                        </a:ln>
-                        <a:solidFill>
-                          <a:srgbClr val="FFFF00"/>
-                        </a:solidFill>
-                      </a:endParaRPr>
-                    </a:p>
-                  </a:txBody>
-                  <a:tcPr marL="116313" marR="116313">
-                    <a:lnL w="12700" cap="flat" cmpd="sng" algn="ctr">
-                      <a:solidFill>
-                        <a:srgbClr val="FFFF00"/>
-                      </a:solidFill>
-                      <a:prstDash val="solid"/>
-                      <a:round/>
-                      <a:headEnd type="none" w="med" len="med"/>
-                      <a:tailEnd type="none" w="med" len="med"/>
-                    </a:lnL>
-                    <a:lnR w="12700" cap="flat" cmpd="sng" algn="ctr">
-                      <a:solidFill>
-                        <a:srgbClr val="FFFF00"/>
-                      </a:solidFill>
-                      <a:prstDash val="solid"/>
-                      <a:round/>
-                      <a:headEnd type="none" w="med" len="med"/>
-                      <a:tailEnd type="none" w="med" len="med"/>
-                    </a:lnR>
-                    <a:lnT w="12700" cap="flat" cmpd="sng" algn="ctr">
-                      <a:solidFill>
-                        <a:srgbClr val="FFFF00"/>
-                      </a:solidFill>
-                      <a:prstDash val="solid"/>
-                      <a:round/>
-                      <a:headEnd type="none" w="med" len="med"/>
-                      <a:tailEnd type="none" w="med" len="med"/>
-                    </a:lnT>
-                    <a:lnB w="12700" cap="flat" cmpd="sng" algn="ctr">
-                      <a:solidFill>
-                        <a:srgbClr val="FFFF00"/>
-                      </a:solidFill>
-                      <a:prstDash val="solid"/>
-                      <a:round/>
-                      <a:headEnd type="none" w="med" len="med"/>
-                      <a:tailEnd type="none" w="med" len="med"/>
-                    </a:lnB>
-                    <a:noFill/>
-                  </a:tcPr>
-                </a:tc>
-                <a:tc>
-                  <a:txBody>
-                    <a:bodyPr/>
-                    <a:lstStyle/>
-                    <a:p>
-                      <a:pPr algn="r"/>
-                      <a:r>
-                        <a:rPr lang="en-US" dirty="0" smtClean="0">
-                          <a:ln>
-                            <a:noFill/>
-                          </a:ln>
-                          <a:solidFill>
-                            <a:srgbClr val="FFFF00"/>
-                          </a:solidFill>
-                        </a:rPr>
-                        <a:t>405450</a:t>
-                      </a:r>
-                      <a:endParaRPr lang="en-US" dirty="0">
-                        <a:ln>
-                          <a:noFill/>
-                        </a:ln>
-                        <a:solidFill>
-                          <a:srgbClr val="FFFF00"/>
-                        </a:solidFill>
-                      </a:endParaRPr>
-                    </a:p>
-                  </a:txBody>
-                  <a:tcPr marL="116313" marR="116313">
-                    <a:lnL w="12700" cap="flat" cmpd="sng" algn="ctr">
-                      <a:solidFill>
-                        <a:srgbClr val="FFFF00"/>
-                      </a:solidFill>
-                      <a:prstDash val="solid"/>
-                      <a:round/>
-                      <a:headEnd type="none" w="med" len="med"/>
-                      <a:tailEnd type="none" w="med" len="med"/>
-                    </a:lnL>
-                    <a:lnR w="12700" cap="flat" cmpd="sng" algn="ctr">
-                      <a:solidFill>
-                        <a:srgbClr val="FFFF00"/>
-                      </a:solidFill>
-                      <a:prstDash val="solid"/>
-                      <a:round/>
-                      <a:headEnd type="none" w="med" len="med"/>
-                      <a:tailEnd type="none" w="med" len="med"/>
-                    </a:lnR>
-                    <a:lnT w="12700" cap="flat" cmpd="sng" algn="ctr">
-                      <a:solidFill>
-                        <a:srgbClr val="FFFF00"/>
-                      </a:solidFill>
-                      <a:prstDash val="solid"/>
-                      <a:round/>
-                      <a:headEnd type="none" w="med" len="med"/>
-                      <a:tailEnd type="none" w="med" len="med"/>
-                    </a:lnT>
-                    <a:lnB w="12700" cap="flat" cmpd="sng" algn="ctr">
-                      <a:solidFill>
-                        <a:srgbClr val="FFFF00"/>
-                      </a:solidFill>
-                      <a:prstDash val="solid"/>
-                      <a:round/>
-                      <a:headEnd type="none" w="med" len="med"/>
-                      <a:tailEnd type="none" w="med" len="med"/>
-                    </a:lnB>
-                    <a:noFill/>
-                  </a:tcPr>
-                </a:tc>
-              </a:tr>
-              <a:tr h="370840">
-                <a:tc>
-                  <a:txBody>
-                    <a:bodyPr/>
-                    <a:lstStyle/>
-                    <a:p>
-                      <a:r>
-                        <a:rPr lang="en-US" dirty="0" err="1" smtClean="0">
-                          <a:ln>
-                            <a:noFill/>
-                          </a:ln>
-                          <a:solidFill>
-                            <a:srgbClr val="FFFF00"/>
-                          </a:solidFill>
-                        </a:rPr>
-                        <a:t>imperativeNumber</a:t>
-                      </a:r>
-                      <a:endParaRPr lang="en-US" dirty="0">
-                        <a:ln>
-                          <a:noFill/>
-                        </a:ln>
-                        <a:solidFill>
-                          <a:srgbClr val="FFFF00"/>
-                        </a:solidFill>
-                      </a:endParaRPr>
-                    </a:p>
-                  </a:txBody>
-                  <a:tcPr marL="116313" marR="116313">
-                    <a:lnL w="12700" cap="flat" cmpd="sng" algn="ctr">
-                      <a:solidFill>
-                        <a:srgbClr val="FFFF00"/>
-                      </a:solidFill>
-                      <a:prstDash val="solid"/>
-                      <a:round/>
-                      <a:headEnd type="none" w="med" len="med"/>
-                      <a:tailEnd type="none" w="med" len="med"/>
-                    </a:lnL>
-                    <a:lnR w="12700" cap="flat" cmpd="sng" algn="ctr">
-                      <a:solidFill>
-                        <a:srgbClr val="FFFF00"/>
-                      </a:solidFill>
-                      <a:prstDash val="solid"/>
-                      <a:round/>
-                      <a:headEnd type="none" w="med" len="med"/>
-                      <a:tailEnd type="none" w="med" len="med"/>
-                    </a:lnR>
-                    <a:lnT w="12700" cap="flat" cmpd="sng" algn="ctr">
-                      <a:solidFill>
-                        <a:srgbClr val="FFFF00"/>
-                      </a:solidFill>
-                      <a:prstDash val="solid"/>
-                      <a:round/>
-                      <a:headEnd type="none" w="med" len="med"/>
-                      <a:tailEnd type="none" w="med" len="med"/>
-                    </a:lnT>
-                    <a:lnB w="12700" cap="flat" cmpd="sng" algn="ctr">
-                      <a:solidFill>
-                        <a:srgbClr val="FFFF00"/>
-                      </a:solidFill>
-                      <a:prstDash val="solid"/>
-                      <a:round/>
-                      <a:headEnd type="none" w="med" len="med"/>
-                      <a:tailEnd type="none" w="med" len="med"/>
-                    </a:lnB>
-                    <a:noFill/>
-                  </a:tcPr>
-                </a:tc>
-                <a:tc>
-                  <a:txBody>
-                    <a:bodyPr/>
-                    <a:lstStyle/>
-                    <a:p>
-                      <a:pPr algn="r"/>
-                      <a:r>
-                        <a:rPr lang="en-US" dirty="0" smtClean="0">
-                          <a:ln>
-                            <a:noFill/>
-                          </a:ln>
-                          <a:solidFill>
-                            <a:srgbClr val="FFFF00"/>
-                          </a:solidFill>
-                        </a:rPr>
-                        <a:t>17</a:t>
-                      </a:r>
-                      <a:endParaRPr lang="en-US" dirty="0">
-                        <a:ln>
-                          <a:noFill/>
-                        </a:ln>
-                        <a:solidFill>
-                          <a:srgbClr val="FFFF00"/>
-                        </a:solidFill>
-                      </a:endParaRPr>
-                    </a:p>
-                  </a:txBody>
-                  <a:tcPr marL="116313" marR="116313">
-                    <a:lnL w="12700" cap="flat" cmpd="sng" algn="ctr">
-                      <a:solidFill>
-                        <a:srgbClr val="FFFF00"/>
-                      </a:solidFill>
-                      <a:prstDash val="solid"/>
-                      <a:round/>
-                      <a:headEnd type="none" w="med" len="med"/>
-                      <a:tailEnd type="none" w="med" len="med"/>
-                    </a:lnL>
-                    <a:lnR w="12700" cap="flat" cmpd="sng" algn="ctr">
-                      <a:solidFill>
-                        <a:srgbClr val="FFFF00"/>
-                      </a:solidFill>
-                      <a:prstDash val="solid"/>
-                      <a:round/>
-                      <a:headEnd type="none" w="med" len="med"/>
-                      <a:tailEnd type="none" w="med" len="med"/>
-                    </a:lnR>
-                    <a:lnT w="12700" cap="flat" cmpd="sng" algn="ctr">
-                      <a:solidFill>
-                        <a:srgbClr val="FFFF00"/>
-                      </a:solidFill>
-                      <a:prstDash val="solid"/>
-                      <a:round/>
-                      <a:headEnd type="none" w="med" len="med"/>
-                      <a:tailEnd type="none" w="med" len="med"/>
-                    </a:lnT>
-                    <a:lnB w="12700" cap="flat" cmpd="sng" algn="ctr">
-                      <a:solidFill>
-                        <a:srgbClr val="FFFF00"/>
-                      </a:solidFill>
-                      <a:prstDash val="solid"/>
-                      <a:round/>
-                      <a:headEnd type="none" w="med" len="med"/>
-                      <a:tailEnd type="none" w="med" len="med"/>
-                    </a:lnB>
-                    <a:noFill/>
-                  </a:tcPr>
-                </a:tc>
-                <a:tc>
-                  <a:txBody>
-                    <a:bodyPr/>
-                    <a:lstStyle/>
-                    <a:p>
-                      <a:pPr algn="r"/>
-                      <a:r>
-                        <a:rPr lang="en-US" dirty="0" smtClean="0">
-                          <a:ln>
-                            <a:noFill/>
-                          </a:ln>
-                          <a:solidFill>
-                            <a:srgbClr val="FFFF00"/>
-                          </a:solidFill>
-                        </a:rPr>
-                        <a:t>4.1</a:t>
-                      </a:r>
-                      <a:endParaRPr lang="en-US" dirty="0">
-                        <a:ln>
-                          <a:noFill/>
-                        </a:ln>
-                        <a:solidFill>
-                          <a:srgbClr val="FFFF00"/>
-                        </a:solidFill>
-                      </a:endParaRPr>
-                    </a:p>
-                  </a:txBody>
-                  <a:tcPr marL="116313" marR="116313">
-                    <a:lnL w="12700" cap="flat" cmpd="sng" algn="ctr">
-                      <a:solidFill>
-                        <a:srgbClr val="FFFF00"/>
-                      </a:solidFill>
-                      <a:prstDash val="solid"/>
-                      <a:round/>
-                      <a:headEnd type="none" w="med" len="med"/>
-                      <a:tailEnd type="none" w="med" len="med"/>
-                    </a:lnL>
-                    <a:lnR w="12700" cap="flat" cmpd="sng" algn="ctr">
-                      <a:solidFill>
-                        <a:srgbClr val="FFFF00"/>
-                      </a:solidFill>
-                      <a:prstDash val="solid"/>
-                      <a:round/>
-                      <a:headEnd type="none" w="med" len="med"/>
-                      <a:tailEnd type="none" w="med" len="med"/>
-                    </a:lnR>
-                    <a:lnT w="12700" cap="flat" cmpd="sng" algn="ctr">
-                      <a:solidFill>
-                        <a:srgbClr val="FFFF00"/>
-                      </a:solidFill>
-                      <a:prstDash val="solid"/>
-                      <a:round/>
-                      <a:headEnd type="none" w="med" len="med"/>
-                      <a:tailEnd type="none" w="med" len="med"/>
-                    </a:lnT>
-                    <a:lnB w="12700" cap="flat" cmpd="sng" algn="ctr">
-                      <a:solidFill>
-                        <a:srgbClr val="FFFF00"/>
-                      </a:solidFill>
-                      <a:prstDash val="solid"/>
-                      <a:round/>
-                      <a:headEnd type="none" w="med" len="med"/>
-                      <a:tailEnd type="none" w="med" len="med"/>
-                    </a:lnB>
-                    <a:noFill/>
-                  </a:tcPr>
-                </a:tc>
-                <a:tc>
-                  <a:txBody>
-                    <a:bodyPr/>
-                    <a:lstStyle/>
-                    <a:p>
-                      <a:pPr algn="r"/>
-                      <a:r>
-                        <a:rPr lang="en-US" dirty="0" smtClean="0">
-                          <a:ln>
-                            <a:noFill/>
-                          </a:ln>
-                          <a:solidFill>
-                            <a:srgbClr val="FFFF00"/>
-                          </a:solidFill>
-                        </a:rPr>
-                        <a:t>405450</a:t>
-                      </a:r>
-                      <a:endParaRPr lang="en-US" dirty="0">
-                        <a:ln>
-                          <a:noFill/>
-                        </a:ln>
-                        <a:solidFill>
-                          <a:srgbClr val="FFFF00"/>
-                        </a:solidFill>
-                      </a:endParaRPr>
-                    </a:p>
-                  </a:txBody>
-                  <a:tcPr marL="116313" marR="116313">
-                    <a:lnL w="12700" cap="flat" cmpd="sng" algn="ctr">
-                      <a:solidFill>
-                        <a:srgbClr val="FFFF00"/>
-                      </a:solidFill>
-                      <a:prstDash val="solid"/>
-                      <a:round/>
-                      <a:headEnd type="none" w="med" len="med"/>
-                      <a:tailEnd type="none" w="med" len="med"/>
-                    </a:lnL>
-                    <a:lnR w="12700" cap="flat" cmpd="sng" algn="ctr">
-                      <a:solidFill>
-                        <a:srgbClr val="FFFF00"/>
-                      </a:solidFill>
-                      <a:prstDash val="solid"/>
-                      <a:round/>
-                      <a:headEnd type="none" w="med" len="med"/>
-                      <a:tailEnd type="none" w="med" len="med"/>
-                    </a:lnR>
-                    <a:lnT w="12700" cap="flat" cmpd="sng" algn="ctr">
-                      <a:solidFill>
-                        <a:srgbClr val="FFFF00"/>
-                      </a:solidFill>
-                      <a:prstDash val="solid"/>
-                      <a:round/>
-                      <a:headEnd type="none" w="med" len="med"/>
-                      <a:tailEnd type="none" w="med" len="med"/>
-                    </a:lnT>
-                    <a:lnB w="12700" cap="flat" cmpd="sng" algn="ctr">
-                      <a:solidFill>
-                        <a:srgbClr val="FFFF00"/>
-                      </a:solidFill>
-                      <a:prstDash val="solid"/>
-                      <a:round/>
-                      <a:headEnd type="none" w="med" len="med"/>
-                      <a:tailEnd type="none" w="med" len="med"/>
-                    </a:lnB>
-                    <a:noFill/>
-                  </a:tcPr>
-                </a:tc>
-              </a:tr>
-            </a:tbl>
-          </a:graphicData>
-        </a:graphic>
-      </p:graphicFrame>
-      <p:sp>
-        <p:nvSpPr>
-          <p:cNvPr id="6148" name="Footer Placeholder 3"/>
-          <p:cNvSpPr>
-            <a:spLocks noGrp="1"/>
-          </p:cNvSpPr>
-          <p:nvPr>
-            <p:ph type="ftr" sz="quarter" idx="11"/>
-          </p:nvPr>
-        </p:nvSpPr>
-        <p:spPr>
-          <a:noFill/>
-          <a:ln/>
-          <a:extLst>
-            <a:ext uri="{909E8E84-426E-40DD-AFC4-6F175D3DCCD1}">
-              <a14:hiddenFill xmlns:a14="http://schemas.microsoft.com/office/drawing/2010/main">
-                <a:solidFill>
-                  <a:srgbClr val="FFFFFF"/>
-                </a:solidFill>
-              </a14:hiddenFill>
-            </a:ext>
-            <a:ext uri="{91240B29-F687-4F45-9708-019B960494DF}">
-              <a14:hiddenLine xmlns:a14="http://schemas.microsoft.com/office/drawing/2010/main" w="9525">
-                <a:solidFill>
-                  <a:srgbClr val="000000"/>
-                </a:solidFill>
-                <a:miter lim="800000"/>
-                <a:headEnd/>
-                <a:tailEnd/>
-              </a14:hiddenLine>
-            </a:ext>
-          </a:extLst>
-        </p:spPr>
-        <p:txBody>
-          <a:bodyPr/>
-          <a:lstStyle>
-            <a:lvl1pPr eaLnBrk="0" hangingPunct="0">
-              <a:defRPr sz="2800" b="1">
-                <a:solidFill>
-                  <a:schemeClr val="tx1"/>
-                </a:solidFill>
-                <a:latin typeface="Arial" charset="0"/>
-              </a:defRPr>
-            </a:lvl1pPr>
-            <a:lvl2pPr marL="742950" indent="-285750" eaLnBrk="0" hangingPunct="0">
-              <a:defRPr sz="2800" b="1">
-                <a:solidFill>
-                  <a:schemeClr val="tx1"/>
-                </a:solidFill>
-                <a:latin typeface="Arial" charset="0"/>
-              </a:defRPr>
-            </a:lvl2pPr>
-            <a:lvl3pPr marL="1143000" indent="-228600" eaLnBrk="0" hangingPunct="0">
-              <a:defRPr sz="2800" b="1">
-                <a:solidFill>
-                  <a:schemeClr val="tx1"/>
-                </a:solidFill>
-                <a:latin typeface="Arial" charset="0"/>
-              </a:defRPr>
-            </a:lvl3pPr>
-            <a:lvl4pPr marL="1600200" indent="-228600" eaLnBrk="0" hangingPunct="0">
-              <a:defRPr sz="2800" b="1">
-                <a:solidFill>
-                  <a:schemeClr val="tx1"/>
-                </a:solidFill>
-                <a:latin typeface="Arial" charset="0"/>
-              </a:defRPr>
-            </a:lvl4pPr>
-            <a:lvl5pPr marL="2057400" indent="-228600" eaLnBrk="0" hangingPunct="0">
-              <a:defRPr sz="2800" b="1">
-                <a:solidFill>
-                  <a:schemeClr val="tx1"/>
-                </a:solidFill>
-                <a:latin typeface="Arial" charset="0"/>
-              </a:defRPr>
-            </a:lvl5pPr>
-            <a:lvl6pPr marL="2514600" indent="-228600" eaLnBrk="0" fontAlgn="base" hangingPunct="0">
-              <a:spcBef>
-                <a:spcPct val="0"/>
-              </a:spcBef>
-              <a:spcAft>
-                <a:spcPct val="0"/>
-              </a:spcAft>
-              <a:defRPr sz="2800" b="1">
-                <a:solidFill>
-                  <a:schemeClr val="tx1"/>
-                </a:solidFill>
-                <a:latin typeface="Arial" charset="0"/>
-              </a:defRPr>
-            </a:lvl6pPr>
-            <a:lvl7pPr marL="2971800" indent="-228600" eaLnBrk="0" fontAlgn="base" hangingPunct="0">
-              <a:spcBef>
-                <a:spcPct val="0"/>
-              </a:spcBef>
-              <a:spcAft>
-                <a:spcPct val="0"/>
-              </a:spcAft>
-              <a:defRPr sz="2800" b="1">
-                <a:solidFill>
-                  <a:schemeClr val="tx1"/>
-                </a:solidFill>
-                <a:latin typeface="Arial" charset="0"/>
-              </a:defRPr>
-            </a:lvl7pPr>
-            <a:lvl8pPr marL="3429000" indent="-228600" eaLnBrk="0" fontAlgn="base" hangingPunct="0">
-              <a:spcBef>
-                <a:spcPct val="0"/>
-              </a:spcBef>
-              <a:spcAft>
-                <a:spcPct val="0"/>
-              </a:spcAft>
-              <a:defRPr sz="2800" b="1">
-                <a:solidFill>
-                  <a:schemeClr val="tx1"/>
-                </a:solidFill>
-                <a:latin typeface="Arial" charset="0"/>
-              </a:defRPr>
-            </a:lvl8pPr>
-            <a:lvl9pPr marL="3886200" indent="-228600" eaLnBrk="0" fontAlgn="base" hangingPunct="0">
-              <a:spcBef>
-                <a:spcPct val="0"/>
-              </a:spcBef>
-              <a:spcAft>
-                <a:spcPct val="0"/>
-              </a:spcAft>
-              <a:defRPr sz="2800" b="1">
-                <a:solidFill>
-                  <a:schemeClr val="tx1"/>
-                </a:solidFill>
-                <a:latin typeface="Arial" charset="0"/>
-              </a:defRPr>
-            </a:lvl9pPr>
-          </a:lstStyle>
-          <a:p>
-            <a:r>
-              <a:rPr lang="en-US" sz="1400" b="0" smtClean="0">
-                <a:solidFill>
-                  <a:srgbClr val="FFFFFF"/>
-                </a:solidFill>
-              </a:rPr>
-              <a:t>Teradyne Confidential and Proprietary</a:t>
-            </a:r>
-          </a:p>
-        </p:txBody>
-      </p:sp>
-      <p:sp>
-        <p:nvSpPr>
-          <p:cNvPr id="3" name="TextBox 2"/>
-          <p:cNvSpPr txBox="1"/>
-          <p:nvPr/>
-        </p:nvSpPr>
-        <p:spPr>
-          <a:xfrm>
-            <a:off x="680224" y="2986693"/>
-            <a:ext cx="7861610" cy="1384995"/>
-          </a:xfrm>
-          <a:prstGeom prst="rect">
-            <a:avLst/>
-          </a:prstGeom>
-          <a:noFill/>
-        </p:spPr>
-        <p:txBody>
-          <a:bodyPr wrap="square" rtlCol="0">
-            <a:spAutoFit/>
-          </a:bodyPr>
-          <a:lstStyle/>
-          <a:p>
-            <a:pPr marL="457200" indent="-457200">
-              <a:buFont typeface="Arial" pitchFamily="34" charset="0"/>
-              <a:buChar char="•"/>
-            </a:pPr>
-            <a:r>
-              <a:rPr lang="en-US" b="0" dirty="0" smtClean="0">
-                <a:solidFill>
-                  <a:srgbClr val="FFFF00"/>
-                </a:solidFill>
-              </a:rPr>
-              <a:t>Allocating strings on the heap is expensive.</a:t>
-            </a:r>
-          </a:p>
-          <a:p>
-            <a:pPr marL="457200" indent="-457200">
-              <a:buFont typeface="Arial" pitchFamily="34" charset="0"/>
-              <a:buChar char="•"/>
-            </a:pPr>
-            <a:r>
-              <a:rPr lang="en-US" b="0" dirty="0" smtClean="0">
-                <a:solidFill>
-                  <a:srgbClr val="FFFF00"/>
-                </a:solidFill>
-              </a:rPr>
-              <a:t>Integer operations are cheap.</a:t>
-            </a:r>
-          </a:p>
-          <a:p>
-            <a:pPr marL="457200" indent="-457200">
-              <a:buFont typeface="Arial" pitchFamily="34" charset="0"/>
-              <a:buChar char="•"/>
-            </a:pPr>
-            <a:r>
-              <a:rPr lang="en-US" b="0" dirty="0" smtClean="0">
-                <a:solidFill>
-                  <a:srgbClr val="FFFF00"/>
-                </a:solidFill>
-              </a:rPr>
-              <a:t>The C++ code is 4x faster.</a:t>
-            </a:r>
-            <a:endParaRPr lang="en-US" b="0" dirty="0" smtClean="0">
-              <a:solidFill>
-                <a:srgbClr val="FFFF00"/>
-              </a:solidFill>
-            </a:endParaRPr>
-          </a:p>
-        </p:txBody>
-      </p:sp>
-    </p:spTree>
-    <p:extLst>
-      <p:ext uri="{BB962C8B-B14F-4D97-AF65-F5344CB8AC3E}">
-        <p14:creationId xmlns:p14="http://schemas.microsoft.com/office/powerpoint/2010/main" val="4187200441"/>
       </p:ext>
     </p:extLst>
   </p:cSld>
